--- a/PraesentationDeepAndConvolutionalNN.pptx
+++ b/PraesentationDeepAndConvolutionalNN.pptx
@@ -12,6 +12,9 @@
     <p:sldId id="257" r:id="rId9"/>
     <p:sldId id="258" r:id="rId10"/>
     <p:sldId id="259" r:id="rId11"/>
+    <p:sldId id="260" r:id="rId12"/>
+    <p:sldId id="261" r:id="rId13"/>
+    <p:sldId id="262" r:id="rId14"/>
   </p:sldIdLst>
   <p:sldSz cx="9144000" cy="6858000"/>
   <p:notesSz cx="6858000" cy="9144000"/>
@@ -66,13 +69,13 @@
         </a:solidFill>
         <a:effectLst/>
         <a:uFillTx/>
-        <a:latin typeface="Arial"/>
-        <a:ea typeface="Arial"/>
-        <a:cs typeface="Arial"/>
-        <a:sym typeface="Arial"/>
+        <a:latin typeface="+mn-lt"/>
+        <a:ea typeface="+mn-ea"/>
+        <a:cs typeface="+mn-cs"/>
+        <a:sym typeface="Calibri"/>
       </a:defRPr>
     </a:lvl1pPr>
-    <a:lvl2pPr marL="0" marR="0" indent="457200" algn="l" defTabSz="914400" rtl="0" fontAlgn="auto" latinLnBrk="0" hangingPunct="0">
+    <a:lvl2pPr marL="0" marR="0" indent="0" algn="l" defTabSz="914400" rtl="0" fontAlgn="auto" latinLnBrk="0" hangingPunct="0">
       <a:lnSpc>
         <a:spcPct val="100000"/>
       </a:lnSpc>
@@ -96,13 +99,13 @@
         </a:solidFill>
         <a:effectLst/>
         <a:uFillTx/>
-        <a:latin typeface="Arial"/>
-        <a:ea typeface="Arial"/>
-        <a:cs typeface="Arial"/>
-        <a:sym typeface="Arial"/>
+        <a:latin typeface="+mn-lt"/>
+        <a:ea typeface="+mn-ea"/>
+        <a:cs typeface="+mn-cs"/>
+        <a:sym typeface="Calibri"/>
       </a:defRPr>
     </a:lvl2pPr>
-    <a:lvl3pPr marL="0" marR="0" indent="914400" algn="l" defTabSz="914400" rtl="0" fontAlgn="auto" latinLnBrk="0" hangingPunct="0">
+    <a:lvl3pPr marL="0" marR="0" indent="0" algn="l" defTabSz="914400" rtl="0" fontAlgn="auto" latinLnBrk="0" hangingPunct="0">
       <a:lnSpc>
         <a:spcPct val="100000"/>
       </a:lnSpc>
@@ -126,13 +129,13 @@
         </a:solidFill>
         <a:effectLst/>
         <a:uFillTx/>
-        <a:latin typeface="Arial"/>
-        <a:ea typeface="Arial"/>
-        <a:cs typeface="Arial"/>
-        <a:sym typeface="Arial"/>
+        <a:latin typeface="+mn-lt"/>
+        <a:ea typeface="+mn-ea"/>
+        <a:cs typeface="+mn-cs"/>
+        <a:sym typeface="Calibri"/>
       </a:defRPr>
     </a:lvl3pPr>
-    <a:lvl4pPr marL="0" marR="0" indent="1371600" algn="l" defTabSz="914400" rtl="0" fontAlgn="auto" latinLnBrk="0" hangingPunct="0">
+    <a:lvl4pPr marL="0" marR="0" indent="0" algn="l" defTabSz="914400" rtl="0" fontAlgn="auto" latinLnBrk="0" hangingPunct="0">
       <a:lnSpc>
         <a:spcPct val="100000"/>
       </a:lnSpc>
@@ -156,13 +159,13 @@
         </a:solidFill>
         <a:effectLst/>
         <a:uFillTx/>
-        <a:latin typeface="Arial"/>
-        <a:ea typeface="Arial"/>
-        <a:cs typeface="Arial"/>
-        <a:sym typeface="Arial"/>
+        <a:latin typeface="+mn-lt"/>
+        <a:ea typeface="+mn-ea"/>
+        <a:cs typeface="+mn-cs"/>
+        <a:sym typeface="Calibri"/>
       </a:defRPr>
     </a:lvl4pPr>
-    <a:lvl5pPr marL="0" marR="0" indent="1828800" algn="l" defTabSz="914400" rtl="0" fontAlgn="auto" latinLnBrk="0" hangingPunct="0">
+    <a:lvl5pPr marL="0" marR="0" indent="0" algn="l" defTabSz="914400" rtl="0" fontAlgn="auto" latinLnBrk="0" hangingPunct="0">
       <a:lnSpc>
         <a:spcPct val="100000"/>
       </a:lnSpc>
@@ -186,13 +189,13 @@
         </a:solidFill>
         <a:effectLst/>
         <a:uFillTx/>
-        <a:latin typeface="Arial"/>
-        <a:ea typeface="Arial"/>
-        <a:cs typeface="Arial"/>
-        <a:sym typeface="Arial"/>
+        <a:latin typeface="+mn-lt"/>
+        <a:ea typeface="+mn-ea"/>
+        <a:cs typeface="+mn-cs"/>
+        <a:sym typeface="Calibri"/>
       </a:defRPr>
     </a:lvl5pPr>
-    <a:lvl6pPr marL="0" marR="0" indent="2286000" algn="l" defTabSz="914400" rtl="0" fontAlgn="auto" latinLnBrk="0" hangingPunct="0">
+    <a:lvl6pPr marL="0" marR="0" indent="0" algn="l" defTabSz="914400" rtl="0" fontAlgn="auto" latinLnBrk="0" hangingPunct="0">
       <a:lnSpc>
         <a:spcPct val="100000"/>
       </a:lnSpc>
@@ -216,13 +219,13 @@
         </a:solidFill>
         <a:effectLst/>
         <a:uFillTx/>
-        <a:latin typeface="Arial"/>
-        <a:ea typeface="Arial"/>
-        <a:cs typeface="Arial"/>
-        <a:sym typeface="Arial"/>
+        <a:latin typeface="+mn-lt"/>
+        <a:ea typeface="+mn-ea"/>
+        <a:cs typeface="+mn-cs"/>
+        <a:sym typeface="Calibri"/>
       </a:defRPr>
     </a:lvl6pPr>
-    <a:lvl7pPr marL="0" marR="0" indent="2743200" algn="l" defTabSz="914400" rtl="0" fontAlgn="auto" latinLnBrk="0" hangingPunct="0">
+    <a:lvl7pPr marL="0" marR="0" indent="0" algn="l" defTabSz="914400" rtl="0" fontAlgn="auto" latinLnBrk="0" hangingPunct="0">
       <a:lnSpc>
         <a:spcPct val="100000"/>
       </a:lnSpc>
@@ -246,13 +249,13 @@
         </a:solidFill>
         <a:effectLst/>
         <a:uFillTx/>
-        <a:latin typeface="Arial"/>
-        <a:ea typeface="Arial"/>
-        <a:cs typeface="Arial"/>
-        <a:sym typeface="Arial"/>
+        <a:latin typeface="+mn-lt"/>
+        <a:ea typeface="+mn-ea"/>
+        <a:cs typeface="+mn-cs"/>
+        <a:sym typeface="Calibri"/>
       </a:defRPr>
     </a:lvl7pPr>
-    <a:lvl8pPr marL="0" marR="0" indent="3200400" algn="l" defTabSz="914400" rtl="0" fontAlgn="auto" latinLnBrk="0" hangingPunct="0">
+    <a:lvl8pPr marL="0" marR="0" indent="0" algn="l" defTabSz="914400" rtl="0" fontAlgn="auto" latinLnBrk="0" hangingPunct="0">
       <a:lnSpc>
         <a:spcPct val="100000"/>
       </a:lnSpc>
@@ -276,13 +279,13 @@
         </a:solidFill>
         <a:effectLst/>
         <a:uFillTx/>
-        <a:latin typeface="Arial"/>
-        <a:ea typeface="Arial"/>
-        <a:cs typeface="Arial"/>
-        <a:sym typeface="Arial"/>
+        <a:latin typeface="+mn-lt"/>
+        <a:ea typeface="+mn-ea"/>
+        <a:cs typeface="+mn-cs"/>
+        <a:sym typeface="Calibri"/>
       </a:defRPr>
     </a:lvl8pPr>
-    <a:lvl9pPr marL="0" marR="0" indent="3657600" algn="l" defTabSz="914400" rtl="0" fontAlgn="auto" latinLnBrk="0" hangingPunct="0">
+    <a:lvl9pPr marL="0" marR="0" indent="0" algn="l" defTabSz="914400" rtl="0" fontAlgn="auto" latinLnBrk="0" hangingPunct="0">
       <a:lnSpc>
         <a:spcPct val="100000"/>
       </a:lnSpc>
@@ -306,10 +309,10 @@
         </a:solidFill>
         <a:effectLst/>
         <a:uFillTx/>
-        <a:latin typeface="Arial"/>
-        <a:ea typeface="Arial"/>
-        <a:cs typeface="Arial"/>
-        <a:sym typeface="Arial"/>
+        <a:latin typeface="+mn-lt"/>
+        <a:ea typeface="+mn-ea"/>
+        <a:cs typeface="+mn-cs"/>
+        <a:sym typeface="Calibri"/>
       </a:defRPr>
     </a:lvl9pPr>
   </p:defaultTextStyle>
@@ -492,8 +495,8 @@
         </p:nvSpPr>
         <p:spPr>
           <a:xfrm>
-            <a:off x="-1" y="282"/>
-            <a:ext cx="9143624" cy="6857436"/>
+            <a:off x="-2" y="282"/>
+            <a:ext cx="9143626" cy="6857435"/>
           </a:xfrm>
           <a:prstGeom prst="rect">
             <a:avLst/>
@@ -506,7 +509,7 @@
           </a:ln>
         </p:spPr>
         <p:txBody>
-          <a:bodyPr lIns="45719" rIns="45719" anchor="ctr"/>
+          <a:bodyPr lIns="45718" tIns="45718" rIns="45718" bIns="45718" anchor="ctr"/>
           <a:lstStyle/>
           <a:p>
             <a:pPr algn="ctr">
@@ -514,6 +517,10 @@
                 <a:solidFill>
                   <a:srgbClr val="FFFFFF"/>
                 </a:solidFill>
+                <a:latin typeface="Arial"/>
+                <a:ea typeface="Arial"/>
+                <a:cs typeface="Arial"/>
+                <a:sym typeface="Arial"/>
               </a:defRPr>
             </a:pPr>
           </a:p>
@@ -530,7 +537,7 @@
         <p:spPr>
           <a:xfrm>
             <a:off x="4643437" y="1989138"/>
-            <a:ext cx="4500185" cy="3240087"/>
+            <a:ext cx="4500186" cy="3240087"/>
           </a:xfrm>
           <a:prstGeom prst="rect">
             <a:avLst/>
@@ -555,7 +562,7 @@
         <p:spPr>
           <a:xfrm>
             <a:off x="323850" y="5373687"/>
-            <a:ext cx="5256213" cy="792163"/>
+            <a:ext cx="5256213" cy="792164"/>
           </a:xfrm>
           <a:prstGeom prst="rect">
             <a:avLst/>
@@ -578,7 +585,7 @@
                 </a:uFill>
               </a:defRPr>
             </a:lvl1pPr>
-            <a:lvl2pPr indent="457200">
+            <a:lvl2pPr>
               <a:defRPr sz="2000" u="sng">
                 <a:solidFill>
                   <a:srgbClr val="000000"/>
@@ -590,7 +597,7 @@
                 </a:uFill>
               </a:defRPr>
             </a:lvl2pPr>
-            <a:lvl3pPr marL="0" indent="914400">
+            <a:lvl3pPr marL="0" indent="0">
               <a:buSzTx/>
               <a:buNone/>
               <a:defRPr sz="2000" u="sng">
@@ -604,7 +611,7 @@
                 </a:uFill>
               </a:defRPr>
             </a:lvl3pPr>
-            <a:lvl4pPr marL="0" indent="1371600">
+            <a:lvl4pPr marL="0" indent="0">
               <a:buSzTx/>
               <a:buNone/>
               <a:defRPr sz="2000" u="sng">
@@ -618,7 +625,7 @@
                 </a:uFill>
               </a:defRPr>
             </a:lvl4pPr>
-            <a:lvl5pPr marL="0" indent="1828800">
+            <a:lvl5pPr marL="0" indent="0">
               <a:buSzTx/>
               <a:buNone/>
               <a:defRPr sz="2000" u="sng">
@@ -683,8 +690,8 @@
         </p:blipFill>
         <p:spPr>
           <a:xfrm>
-            <a:off x="5459122" y="0"/>
-            <a:ext cx="3689605" cy="2023111"/>
+            <a:off x="5459121" y="0"/>
+            <a:ext cx="3689606" cy="2023112"/>
           </a:xfrm>
           <a:prstGeom prst="rect">
             <a:avLst/>
@@ -705,7 +712,7 @@
         <p:spPr>
           <a:xfrm>
             <a:off x="323850" y="2492896"/>
-            <a:ext cx="5256213" cy="2376488"/>
+            <a:ext cx="5256213" cy="2376489"/>
           </a:xfrm>
           <a:prstGeom prst="rect">
             <a:avLst/>
@@ -739,8 +746,8 @@
         </p:nvSpPr>
         <p:spPr>
           <a:xfrm>
-            <a:off x="6553200" y="5988050"/>
-            <a:ext cx="2133600" cy="368301"/>
+            <a:off x="6553200" y="6229350"/>
+            <a:ext cx="127000" cy="127001"/>
           </a:xfrm>
           <a:prstGeom prst="rect">
             <a:avLst/>
@@ -815,29 +822,7 @@
       </p:sp>
       <p:sp>
         <p:nvSpPr>
-          <p:cNvPr id="99" name="Foliennummer"/>
-          <p:cNvSpPr txBox="1"/>
-          <p:nvPr>
-            <p:ph type="sldNum" sz="quarter" idx="2"/>
-          </p:nvPr>
-        </p:nvSpPr>
-        <p:spPr>
-          <a:prstGeom prst="rect">
-            <a:avLst/>
-          </a:prstGeom>
-        </p:spPr>
-        <p:txBody>
-          <a:bodyPr/>
-          <a:lstStyle/>
-          <a:p>
-            <a:pPr/>
-            <a:fld id="{86CB4B4D-7CA3-9044-876B-883B54F8677D}" type="slidenum"/>
-          </a:p>
-        </p:txBody>
-      </p:sp>
-      <p:sp>
-        <p:nvSpPr>
-          <p:cNvPr id="100" name="Bildplatzhalter 6"/>
+          <p:cNvPr id="99" name="Bildplatzhalter 6"/>
           <p:cNvSpPr/>
           <p:nvPr>
             <p:ph type="pic" sz="quarter" idx="21"/>
@@ -846,7 +831,7 @@
         <p:spPr>
           <a:xfrm>
             <a:off x="323527" y="1989139"/>
-            <a:ext cx="4177036" cy="2736007"/>
+            <a:ext cx="4177037" cy="2736008"/>
           </a:xfrm>
           <a:prstGeom prst="rect">
             <a:avLst/>
@@ -862,7 +847,7 @@
       </p:sp>
       <p:sp>
         <p:nvSpPr>
-          <p:cNvPr id="101" name="Textebene 1…"/>
+          <p:cNvPr id="100" name="Textebene 1…"/>
           <p:cNvSpPr txBox="1"/>
           <p:nvPr>
             <p:ph type="body" sz="quarter" idx="1"/>
@@ -871,7 +856,7 @@
         <p:spPr>
           <a:xfrm>
             <a:off x="323850" y="4869160"/>
-            <a:ext cx="4176713" cy="1223666"/>
+            <a:ext cx="4176713" cy="1223667"/>
           </a:xfrm>
           <a:prstGeom prst="rect">
             <a:avLst/>
@@ -977,7 +962,7 @@
       </p:sp>
       <p:sp>
         <p:nvSpPr>
-          <p:cNvPr id="102" name="Bildplatzhalter 6"/>
+          <p:cNvPr id="101" name="Bildplatzhalter 6"/>
           <p:cNvSpPr/>
           <p:nvPr>
             <p:ph type="pic" sz="quarter" idx="22"/>
@@ -986,7 +971,7 @@
         <p:spPr>
           <a:xfrm>
             <a:off x="4643437" y="1989139"/>
-            <a:ext cx="4177036" cy="2736007"/>
+            <a:ext cx="4177037" cy="2736008"/>
           </a:xfrm>
           <a:prstGeom prst="rect">
             <a:avLst/>
@@ -1002,7 +987,7 @@
       </p:sp>
       <p:sp>
         <p:nvSpPr>
-          <p:cNvPr id="103" name="Textplatzhalter 10"/>
+          <p:cNvPr id="102" name="Textplatzhalter 10"/>
           <p:cNvSpPr/>
           <p:nvPr>
             <p:ph type="body" sz="quarter" idx="23"/>
@@ -1011,7 +996,7 @@
         <p:spPr>
           <a:xfrm>
             <a:off x="4643759" y="4869160"/>
-            <a:ext cx="4176714" cy="1223666"/>
+            <a:ext cx="4176715" cy="1223667"/>
           </a:xfrm>
           <a:prstGeom prst="rect">
             <a:avLst/>
@@ -1023,18 +1008,29 @@
           </a:bodyPr>
           <a:lstStyle/>
           <a:p>
-            <a:pPr>
-              <a:defRPr u="sng">
-                <a:solidFill>
-                  <a:srgbClr val="000000"/>
-                </a:solidFill>
-                <a:uFill>
-                  <a:solidFill>
-                    <a:schemeClr val="accent1"/>
-                  </a:solidFill>
-                </a:uFill>
-              </a:defRPr>
-            </a:pPr>
+            <a:pPr/>
+          </a:p>
+        </p:txBody>
+      </p:sp>
+      <p:sp>
+        <p:nvSpPr>
+          <p:cNvPr id="103" name="Foliennummer"/>
+          <p:cNvSpPr txBox="1"/>
+          <p:nvPr>
+            <p:ph type="sldNum" sz="quarter" idx="2"/>
+          </p:nvPr>
+        </p:nvSpPr>
+        <p:spPr>
+          <a:prstGeom prst="rect">
+            <a:avLst/>
+          </a:prstGeom>
+        </p:spPr>
+        <p:txBody>
+          <a:bodyPr/>
+          <a:lstStyle/>
+          <a:p>
+            <a:pPr/>
+            <a:fld id="{86CB4B4D-7CA3-9044-876B-883B54F8677D}" type="slidenum"/>
           </a:p>
         </p:txBody>
       </p:sp>
@@ -1146,29 +1142,7 @@
       </p:grpSpPr>
       <p:sp>
         <p:nvSpPr>
-          <p:cNvPr id="118" name="Foliennummer"/>
-          <p:cNvSpPr txBox="1"/>
-          <p:nvPr>
-            <p:ph type="sldNum" sz="quarter" idx="2"/>
-          </p:nvPr>
-        </p:nvSpPr>
-        <p:spPr>
-          <a:prstGeom prst="rect">
-            <a:avLst/>
-          </a:prstGeom>
-        </p:spPr>
-        <p:txBody>
-          <a:bodyPr/>
-          <a:lstStyle/>
-          <a:p>
-            <a:pPr/>
-            <a:fld id="{86CB4B4D-7CA3-9044-876B-883B54F8677D}" type="slidenum"/>
-          </a:p>
-        </p:txBody>
-      </p:sp>
-      <p:sp>
-        <p:nvSpPr>
-          <p:cNvPr id="119" name="Textebene 1…"/>
+          <p:cNvPr id="118" name="Textebene 1…"/>
           <p:cNvSpPr txBox="1"/>
           <p:nvPr>
             <p:ph type="body" idx="1"/>
@@ -1287,6 +1261,28 @@
           </a:p>
         </p:txBody>
       </p:sp>
+      <p:sp>
+        <p:nvSpPr>
+          <p:cNvPr id="119" name="Foliennummer"/>
+          <p:cNvSpPr txBox="1"/>
+          <p:nvPr>
+            <p:ph type="sldNum" sz="quarter" idx="2"/>
+          </p:nvPr>
+        </p:nvSpPr>
+        <p:spPr>
+          <a:prstGeom prst="rect">
+            <a:avLst/>
+          </a:prstGeom>
+        </p:spPr>
+        <p:txBody>
+          <a:bodyPr/>
+          <a:lstStyle/>
+          <a:p>
+            <a:pPr/>
+            <a:fld id="{86CB4B4D-7CA3-9044-876B-883B54F8677D}" type="slidenum"/>
+          </a:p>
+        </p:txBody>
+      </p:sp>
     </p:spTree>
   </p:cSld>
   <p:clrMapOvr>
@@ -1321,8 +1317,8 @@
         </p:nvSpPr>
         <p:spPr>
           <a:xfrm>
-            <a:off x="-1" y="282"/>
-            <a:ext cx="9143624" cy="6857436"/>
+            <a:off x="-2" y="282"/>
+            <a:ext cx="9143626" cy="6857435"/>
           </a:xfrm>
           <a:prstGeom prst="rect">
             <a:avLst/>
@@ -1335,7 +1331,7 @@
           </a:ln>
         </p:spPr>
         <p:txBody>
-          <a:bodyPr lIns="45719" rIns="45719" anchor="ctr"/>
+          <a:bodyPr lIns="45718" tIns="45718" rIns="45718" bIns="45718" anchor="ctr"/>
           <a:lstStyle/>
           <a:p>
             <a:pPr algn="ctr">
@@ -1343,6 +1339,10 @@
                 <a:solidFill>
                   <a:srgbClr val="FFFFFF"/>
                 </a:solidFill>
+                <a:latin typeface="Arial"/>
+                <a:ea typeface="Arial"/>
+                <a:cs typeface="Arial"/>
+                <a:sym typeface="Arial"/>
               </a:defRPr>
             </a:pPr>
           </a:p>
@@ -1359,7 +1359,7 @@
         <p:spPr>
           <a:xfrm>
             <a:off x="323850" y="5373687"/>
-            <a:ext cx="5256213" cy="792163"/>
+            <a:ext cx="5256213" cy="792164"/>
           </a:xfrm>
           <a:prstGeom prst="rect">
             <a:avLst/>
@@ -1382,7 +1382,7 @@
                 </a:uFill>
               </a:defRPr>
             </a:lvl1pPr>
-            <a:lvl2pPr indent="457200">
+            <a:lvl2pPr>
               <a:defRPr sz="2000" u="sng">
                 <a:solidFill>
                   <a:srgbClr val="000000"/>
@@ -1394,7 +1394,7 @@
                 </a:uFill>
               </a:defRPr>
             </a:lvl2pPr>
-            <a:lvl3pPr marL="0" indent="914400">
+            <a:lvl3pPr marL="0" indent="0">
               <a:buSzTx/>
               <a:buNone/>
               <a:defRPr sz="2000" u="sng">
@@ -1408,7 +1408,7 @@
                 </a:uFill>
               </a:defRPr>
             </a:lvl3pPr>
-            <a:lvl4pPr marL="0" indent="1371600">
+            <a:lvl4pPr marL="0" indent="0">
               <a:buSzTx/>
               <a:buNone/>
               <a:defRPr sz="2000" u="sng">
@@ -1422,7 +1422,7 @@
                 </a:uFill>
               </a:defRPr>
             </a:lvl4pPr>
-            <a:lvl5pPr marL="0" indent="1828800">
+            <a:lvl5pPr marL="0" indent="0">
               <a:buSzTx/>
               <a:buNone/>
               <a:defRPr sz="2000" u="sng">
@@ -1487,8 +1487,8 @@
         </p:blipFill>
         <p:spPr>
           <a:xfrm>
-            <a:off x="5459122" y="0"/>
-            <a:ext cx="3689605" cy="2023111"/>
+            <a:off x="5459121" y="0"/>
+            <a:ext cx="3689606" cy="2023112"/>
           </a:xfrm>
           <a:prstGeom prst="rect">
             <a:avLst/>
@@ -1509,7 +1509,7 @@
         <p:spPr>
           <a:xfrm>
             <a:off x="323850" y="2349500"/>
-            <a:ext cx="6335713" cy="2592389"/>
+            <a:ext cx="6335713" cy="2592390"/>
           </a:xfrm>
           <a:prstGeom prst="rect">
             <a:avLst/>
@@ -1543,8 +1543,8 @@
         </p:nvSpPr>
         <p:spPr>
           <a:xfrm>
-            <a:off x="6553200" y="5988050"/>
-            <a:ext cx="2133600" cy="368301"/>
+            <a:off x="6553200" y="6229350"/>
+            <a:ext cx="127000" cy="127001"/>
           </a:xfrm>
           <a:prstGeom prst="rect">
             <a:avLst/>
@@ -1593,8 +1593,8 @@
         </p:nvSpPr>
         <p:spPr>
           <a:xfrm>
-            <a:off x="-1" y="282"/>
-            <a:ext cx="9143624" cy="6857436"/>
+            <a:off x="-2" y="282"/>
+            <a:ext cx="9143626" cy="6857435"/>
           </a:xfrm>
           <a:prstGeom prst="rect">
             <a:avLst/>
@@ -1607,7 +1607,7 @@
           </a:ln>
         </p:spPr>
         <p:txBody>
-          <a:bodyPr lIns="45719" rIns="45719" anchor="ctr"/>
+          <a:bodyPr lIns="45718" tIns="45718" rIns="45718" bIns="45718" anchor="ctr"/>
           <a:lstStyle/>
           <a:p>
             <a:pPr algn="ctr">
@@ -1615,6 +1615,10 @@
                 <a:solidFill>
                   <a:srgbClr val="FFFFFF"/>
                 </a:solidFill>
+                <a:latin typeface="Arial"/>
+                <a:ea typeface="Arial"/>
+                <a:cs typeface="Arial"/>
+                <a:sym typeface="Arial"/>
               </a:defRPr>
             </a:pPr>
           </a:p>
@@ -1631,7 +1635,7 @@
         <p:spPr>
           <a:xfrm>
             <a:off x="323850" y="1916114"/>
-            <a:ext cx="5256213" cy="1225551"/>
+            <a:ext cx="5256213" cy="1225552"/>
           </a:xfrm>
           <a:prstGeom prst="rect">
             <a:avLst/>
@@ -1689,7 +1693,7 @@
                 </a:uFill>
               </a:defRPr>
             </a:lvl1pPr>
-            <a:lvl2pPr indent="457200">
+            <a:lvl2pPr>
               <a:defRPr sz="2000">
                 <a:solidFill>
                   <a:srgbClr val="000000"/>
@@ -1701,7 +1705,7 @@
                 </a:uFill>
               </a:defRPr>
             </a:lvl2pPr>
-            <a:lvl3pPr marL="0" indent="914400">
+            <a:lvl3pPr marL="0" indent="0">
               <a:buSzTx/>
               <a:buNone/>
               <a:defRPr sz="2000">
@@ -1715,7 +1719,7 @@
                 </a:uFill>
               </a:defRPr>
             </a:lvl3pPr>
-            <a:lvl4pPr marL="0" indent="1371600">
+            <a:lvl4pPr marL="0" indent="0">
               <a:buSzTx/>
               <a:buNone/>
               <a:defRPr sz="2000">
@@ -1729,7 +1733,7 @@
                 </a:uFill>
               </a:defRPr>
             </a:lvl4pPr>
-            <a:lvl5pPr marL="0" indent="1828800">
+            <a:lvl5pPr marL="0" indent="0">
               <a:buSzTx/>
               <a:buNone/>
               <a:defRPr sz="2000">
@@ -1794,8 +1798,8 @@
         </p:blipFill>
         <p:spPr>
           <a:xfrm>
-            <a:off x="5459122" y="0"/>
-            <a:ext cx="3689605" cy="2023111"/>
+            <a:off x="5459121" y="0"/>
+            <a:ext cx="3689606" cy="2023112"/>
           </a:xfrm>
           <a:prstGeom prst="rect">
             <a:avLst/>
@@ -1815,8 +1819,8 @@
         </p:nvSpPr>
         <p:spPr>
           <a:xfrm>
-            <a:off x="6553200" y="5988050"/>
-            <a:ext cx="2133600" cy="368301"/>
+            <a:off x="6553200" y="6229350"/>
+            <a:ext cx="127000" cy="127001"/>
           </a:xfrm>
           <a:prstGeom prst="rect">
             <a:avLst/>
@@ -2135,29 +2139,7 @@
       </p:sp>
       <p:sp>
         <p:nvSpPr>
-          <p:cNvPr id="44" name="Foliennummer"/>
-          <p:cNvSpPr txBox="1"/>
-          <p:nvPr>
-            <p:ph type="sldNum" sz="quarter" idx="2"/>
-          </p:nvPr>
-        </p:nvSpPr>
-        <p:spPr>
-          <a:prstGeom prst="rect">
-            <a:avLst/>
-          </a:prstGeom>
-        </p:spPr>
-        <p:txBody>
-          <a:bodyPr/>
-          <a:lstStyle/>
-          <a:p>
-            <a:pPr/>
-            <a:fld id="{86CB4B4D-7CA3-9044-876B-883B54F8677D}" type="slidenum"/>
-          </a:p>
-        </p:txBody>
-      </p:sp>
-      <p:sp>
-        <p:nvSpPr>
-          <p:cNvPr id="45" name="Bildplatzhalter 6"/>
+          <p:cNvPr id="44" name="Bildplatzhalter 6"/>
           <p:cNvSpPr/>
           <p:nvPr>
             <p:ph type="pic" sz="quarter" idx="21"/>
@@ -2166,7 +2148,7 @@
         <p:spPr>
           <a:xfrm>
             <a:off x="323527" y="1989139"/>
-            <a:ext cx="4177036" cy="2736007"/>
+            <a:ext cx="4177037" cy="2736008"/>
           </a:xfrm>
           <a:prstGeom prst="rect">
             <a:avLst/>
@@ -2182,7 +2164,7 @@
       </p:sp>
       <p:sp>
         <p:nvSpPr>
-          <p:cNvPr id="46" name="Textebene 1…"/>
+          <p:cNvPr id="45" name="Textebene 1…"/>
           <p:cNvSpPr txBox="1"/>
           <p:nvPr>
             <p:ph type="body" sz="quarter" idx="1"/>
@@ -2191,7 +2173,7 @@
         <p:spPr>
           <a:xfrm>
             <a:off x="323850" y="4869160"/>
-            <a:ext cx="4176713" cy="1223666"/>
+            <a:ext cx="4176713" cy="1223667"/>
           </a:xfrm>
           <a:prstGeom prst="rect">
             <a:avLst/>
@@ -2297,7 +2279,7 @@
       </p:sp>
       <p:sp>
         <p:nvSpPr>
-          <p:cNvPr id="47" name="Bildplatzhalter 6"/>
+          <p:cNvPr id="46" name="Bildplatzhalter 6"/>
           <p:cNvSpPr/>
           <p:nvPr>
             <p:ph type="pic" sz="quarter" idx="22"/>
@@ -2306,7 +2288,7 @@
         <p:spPr>
           <a:xfrm>
             <a:off x="4643437" y="1989139"/>
-            <a:ext cx="4177036" cy="2736007"/>
+            <a:ext cx="4177037" cy="2736008"/>
           </a:xfrm>
           <a:prstGeom prst="rect">
             <a:avLst/>
@@ -2322,7 +2304,7 @@
       </p:sp>
       <p:sp>
         <p:nvSpPr>
-          <p:cNvPr id="48" name="Textplatzhalter 10"/>
+          <p:cNvPr id="47" name="Textplatzhalter 10"/>
           <p:cNvSpPr/>
           <p:nvPr>
             <p:ph type="body" sz="quarter" idx="23"/>
@@ -2331,7 +2313,7 @@
         <p:spPr>
           <a:xfrm>
             <a:off x="4643759" y="4869160"/>
-            <a:ext cx="4176714" cy="1223666"/>
+            <a:ext cx="4176715" cy="1223667"/>
           </a:xfrm>
           <a:prstGeom prst="rect">
             <a:avLst/>
@@ -2343,18 +2325,29 @@
           </a:bodyPr>
           <a:lstStyle/>
           <a:p>
-            <a:pPr>
-              <a:defRPr u="sng">
-                <a:solidFill>
-                  <a:srgbClr val="000000"/>
-                </a:solidFill>
-                <a:uFill>
-                  <a:solidFill>
-                    <a:schemeClr val="accent1"/>
-                  </a:solidFill>
-                </a:uFill>
-              </a:defRPr>
-            </a:pPr>
+            <a:pPr/>
+          </a:p>
+        </p:txBody>
+      </p:sp>
+      <p:sp>
+        <p:nvSpPr>
+          <p:cNvPr id="48" name="Foliennummer"/>
+          <p:cNvSpPr txBox="1"/>
+          <p:nvPr>
+            <p:ph type="sldNum" sz="quarter" idx="2"/>
+          </p:nvPr>
+        </p:nvSpPr>
+        <p:spPr>
+          <a:prstGeom prst="rect">
+            <a:avLst/>
+          </a:prstGeom>
+        </p:spPr>
+        <p:txBody>
+          <a:bodyPr/>
+          <a:lstStyle/>
+          <a:p>
+            <a:pPr/>
+            <a:fld id="{86CB4B4D-7CA3-9044-876B-883B54F8677D}" type="slidenum"/>
           </a:p>
         </p:txBody>
       </p:sp>
@@ -2386,29 +2379,7 @@
       </p:grpSpPr>
       <p:sp>
         <p:nvSpPr>
-          <p:cNvPr id="55" name="Foliennummer"/>
-          <p:cNvSpPr txBox="1"/>
-          <p:nvPr>
-            <p:ph type="sldNum" sz="quarter" idx="2"/>
-          </p:nvPr>
-        </p:nvSpPr>
-        <p:spPr>
-          <a:prstGeom prst="rect">
-            <a:avLst/>
-          </a:prstGeom>
-        </p:spPr>
-        <p:txBody>
-          <a:bodyPr/>
-          <a:lstStyle/>
-          <a:p>
-            <a:pPr/>
-            <a:fld id="{86CB4B4D-7CA3-9044-876B-883B54F8677D}" type="slidenum"/>
-          </a:p>
-        </p:txBody>
-      </p:sp>
-      <p:sp>
-        <p:nvSpPr>
-          <p:cNvPr id="56" name="Bildplatzhalter 6"/>
+          <p:cNvPr id="55" name="Bildplatzhalter 6"/>
           <p:cNvSpPr/>
           <p:nvPr>
             <p:ph type="pic" idx="21"/>
@@ -2417,7 +2388,7 @@
         <p:spPr>
           <a:xfrm>
             <a:off x="323527" y="1"/>
-            <a:ext cx="8496623" cy="5084763"/>
+            <a:ext cx="8496624" cy="5084763"/>
           </a:xfrm>
           <a:prstGeom prst="rect">
             <a:avLst/>
@@ -2433,7 +2404,7 @@
       </p:sp>
       <p:sp>
         <p:nvSpPr>
-          <p:cNvPr id="57" name="Textebene 1…"/>
+          <p:cNvPr id="56" name="Textebene 1…"/>
           <p:cNvSpPr txBox="1"/>
           <p:nvPr>
             <p:ph type="body" sz="quarter" idx="1"/>
@@ -2546,6 +2517,28 @@
           </a:p>
         </p:txBody>
       </p:sp>
+      <p:sp>
+        <p:nvSpPr>
+          <p:cNvPr id="57" name="Foliennummer"/>
+          <p:cNvSpPr txBox="1"/>
+          <p:nvPr>
+            <p:ph type="sldNum" sz="quarter" idx="2"/>
+          </p:nvPr>
+        </p:nvSpPr>
+        <p:spPr>
+          <a:prstGeom prst="rect">
+            <a:avLst/>
+          </a:prstGeom>
+        </p:spPr>
+        <p:txBody>
+          <a:bodyPr/>
+          <a:lstStyle/>
+          <a:p>
+            <a:pPr/>
+            <a:fld id="{86CB4B4D-7CA3-9044-876B-883B54F8677D}" type="slidenum"/>
+          </a:p>
+        </p:txBody>
+      </p:sp>
     </p:spTree>
   </p:cSld>
   <p:clrMapOvr>
@@ -2646,29 +2639,7 @@
       </p:grpSpPr>
       <p:sp>
         <p:nvSpPr>
-          <p:cNvPr id="72" name="Foliennummer"/>
-          <p:cNvSpPr txBox="1"/>
-          <p:nvPr>
-            <p:ph type="sldNum" sz="quarter" idx="2"/>
-          </p:nvPr>
-        </p:nvSpPr>
-        <p:spPr>
-          <a:prstGeom prst="rect">
-            <a:avLst/>
-          </a:prstGeom>
-        </p:spPr>
-        <p:txBody>
-          <a:bodyPr/>
-          <a:lstStyle/>
-          <a:p>
-            <a:pPr/>
-            <a:fld id="{86CB4B4D-7CA3-9044-876B-883B54F8677D}" type="slidenum"/>
-          </a:p>
-        </p:txBody>
-      </p:sp>
-      <p:sp>
-        <p:nvSpPr>
-          <p:cNvPr id="73" name="Textebene 1…"/>
+          <p:cNvPr id="72" name="Textebene 1…"/>
           <p:cNvSpPr txBox="1"/>
           <p:nvPr>
             <p:ph type="body" idx="1"/>
@@ -2802,6 +2773,28 @@
           </a:p>
         </p:txBody>
       </p:sp>
+      <p:sp>
+        <p:nvSpPr>
+          <p:cNvPr id="73" name="Foliennummer"/>
+          <p:cNvSpPr txBox="1"/>
+          <p:nvPr>
+            <p:ph type="sldNum" sz="quarter" idx="2"/>
+          </p:nvPr>
+        </p:nvSpPr>
+        <p:spPr>
+          <a:prstGeom prst="rect">
+            <a:avLst/>
+          </a:prstGeom>
+        </p:spPr>
+        <p:txBody>
+          <a:bodyPr/>
+          <a:lstStyle/>
+          <a:p>
+            <a:pPr/>
+            <a:fld id="{86CB4B4D-7CA3-9044-876B-883B54F8677D}" type="slidenum"/>
+          </a:p>
+        </p:txBody>
+      </p:sp>
     </p:spTree>
   </p:cSld>
   <p:clrMapOvr>
@@ -2839,7 +2832,7 @@
         <p:spPr>
           <a:xfrm>
             <a:off x="323850" y="404664"/>
-            <a:ext cx="6335713" cy="1224137"/>
+            <a:ext cx="6335713" cy="1224138"/>
           </a:xfrm>
           <a:prstGeom prst="rect">
             <a:avLst/>
@@ -3112,7 +3105,7 @@
         <p:spPr>
           <a:xfrm>
             <a:off x="323850" y="6408377"/>
-            <a:ext cx="8496622" cy="1"/>
+            <a:ext cx="8496622" cy="2"/>
           </a:xfrm>
           <a:prstGeom prst="line">
             <a:avLst/>
@@ -3124,7 +3117,7 @@
           </a:ln>
         </p:spPr>
         <p:txBody>
-          <a:bodyPr lIns="45719" rIns="45719"/>
+          <a:bodyPr lIns="45718" tIns="45718" rIns="45718" bIns="45718"/>
           <a:lstStyle/>
           <a:p>
             <a:pPr/>
@@ -3139,8 +3132,8 @@
         </p:nvSpPr>
         <p:spPr>
           <a:xfrm>
-            <a:off x="5724525" y="6488359"/>
-            <a:ext cx="3095948" cy="127001"/>
+            <a:off x="5724524" y="6488358"/>
+            <a:ext cx="3095950" cy="127001"/>
           </a:xfrm>
           <a:prstGeom prst="rect">
             <a:avLst/>
@@ -3160,7 +3153,12 @@
           </a:bodyPr>
           <a:lstStyle>
             <a:lvl1pPr algn="r">
-              <a:defRPr b="1" sz="700"/>
+              <a:defRPr b="1" sz="700">
+                <a:latin typeface="Arial"/>
+                <a:ea typeface="Arial"/>
+                <a:cs typeface="Arial"/>
+                <a:sym typeface="Arial"/>
+              </a:defRPr>
             </a:lvl1pPr>
           </a:lstStyle>
           <a:p>
@@ -3182,7 +3180,7 @@
         <p:spPr>
           <a:xfrm>
             <a:off x="323850" y="404664"/>
-            <a:ext cx="6335713" cy="792089"/>
+            <a:ext cx="6335713" cy="792090"/>
           </a:xfrm>
           <a:prstGeom prst="rect">
             <a:avLst/>
@@ -3211,7 +3209,67 @@
       </p:sp>
       <p:sp>
         <p:nvSpPr>
-          <p:cNvPr id="5" name="Foliennummer"/>
+          <p:cNvPr id="5" name="Textebene 1…"/>
+          <p:cNvSpPr txBox="1"/>
+          <p:nvPr>
+            <p:ph type="body" idx="1"/>
+          </p:nvPr>
+        </p:nvSpPr>
+        <p:spPr>
+          <a:xfrm>
+            <a:off x="5103812" y="2438400"/>
+            <a:ext cx="3581401" cy="4419600"/>
+          </a:xfrm>
+          <a:prstGeom prst="rect">
+            <a:avLst/>
+          </a:prstGeom>
+          <a:ln w="12700">
+            <a:miter lim="400000"/>
+          </a:ln>
+          <a:extLst>
+            <a:ext uri="{C572A759-6A51-4108-AA02-DFA0A04FC94B}">
+              <ma14:wrappingTextBoxFlag xmlns:ma14="http://schemas.microsoft.com/office/mac/drawingml/2011/main" val="1"/>
+            </a:ext>
+          </a:extLst>
+        </p:spPr>
+        <p:txBody>
+          <a:bodyPr lIns="0" tIns="0" rIns="0" bIns="0"/>
+          <a:lstStyle/>
+          <a:p>
+            <a:pPr/>
+            <a:r>
+              <a:t>Textebene 1</a:t>
+            </a:r>
+          </a:p>
+          <a:p>
+            <a:pPr lvl="1"/>
+            <a:r>
+              <a:t>Textebene 2</a:t>
+            </a:r>
+          </a:p>
+          <a:p>
+            <a:pPr lvl="2"/>
+            <a:r>
+              <a:t>Textebene 3</a:t>
+            </a:r>
+          </a:p>
+          <a:p>
+            <a:pPr lvl="3"/>
+            <a:r>
+              <a:t>Textebene 4</a:t>
+            </a:r>
+          </a:p>
+          <a:p>
+            <a:pPr lvl="4"/>
+            <a:r>
+              <a:t>Textebene 5</a:t>
+            </a:r>
+          </a:p>
+        </p:txBody>
+      </p:sp>
+      <p:sp>
+        <p:nvSpPr>
+          <p:cNvPr id="6" name="Foliennummer"/>
           <p:cNvSpPr txBox="1"/>
           <p:nvPr>
             <p:ph type="sldNum" sz="quarter" idx="2"/>
@@ -3235,72 +3293,17 @@
           </a:bodyPr>
           <a:lstStyle>
             <a:lvl1pPr>
-              <a:defRPr b="1" sz="700"/>
+              <a:defRPr b="1" sz="700">
+                <a:latin typeface="Arial"/>
+                <a:ea typeface="Arial"/>
+                <a:cs typeface="Arial"/>
+                <a:sym typeface="Arial"/>
+              </a:defRPr>
             </a:lvl1pPr>
           </a:lstStyle>
           <a:p>
             <a:pPr/>
             <a:fld id="{86CB4B4D-7CA3-9044-876B-883B54F8677D}" type="slidenum"/>
-          </a:p>
-        </p:txBody>
-      </p:sp>
-      <p:sp>
-        <p:nvSpPr>
-          <p:cNvPr id="6" name="Textebene 1…"/>
-          <p:cNvSpPr txBox="1"/>
-          <p:nvPr>
-            <p:ph type="body" idx="1"/>
-          </p:nvPr>
-        </p:nvSpPr>
-        <p:spPr>
-          <a:xfrm>
-            <a:off x="457200" y="1600200"/>
-            <a:ext cx="8229600" cy="5257800"/>
-          </a:xfrm>
-          <a:prstGeom prst="rect">
-            <a:avLst/>
-          </a:prstGeom>
-          <a:ln w="12700">
-            <a:miter lim="400000"/>
-          </a:ln>
-          <a:extLst>
-            <a:ext uri="{C572A759-6A51-4108-AA02-DFA0A04FC94B}">
-              <ma14:wrappingTextBoxFlag xmlns:ma14="http://schemas.microsoft.com/office/mac/drawingml/2011/main" val="1"/>
-            </a:ext>
-          </a:extLst>
-        </p:spPr>
-        <p:txBody>
-          <a:bodyPr lIns="0" tIns="0" rIns="0" bIns="0"/>
-          <a:lstStyle/>
-          <a:p>
-            <a:pPr/>
-            <a:r>
-              <a:t>Textebene 1</a:t>
-            </a:r>
-          </a:p>
-          <a:p>
-            <a:pPr lvl="1"/>
-            <a:r>
-              <a:t>Textebene 2</a:t>
-            </a:r>
-          </a:p>
-          <a:p>
-            <a:pPr lvl="2"/>
-            <a:r>
-              <a:t>Textebene 3</a:t>
-            </a:r>
-          </a:p>
-          <a:p>
-            <a:pPr lvl="3"/>
-            <a:r>
-              <a:t>Textebene 4</a:t>
-            </a:r>
-          </a:p>
-          <a:p>
-            <a:pPr lvl="4"/>
-            <a:r>
-              <a:t>Textebene 5</a:t>
-            </a:r>
           </a:p>
         </p:txBody>
       </p:sp>
@@ -3650,7 +3653,7 @@
           <a:sym typeface="Arial"/>
         </a:defRPr>
       </a:lvl2pPr>
-      <a:lvl3pPr marL="323999" marR="0" indent="-323999" algn="l" defTabSz="914400" rtl="0" latinLnBrk="0">
+      <a:lvl3pPr marL="323998" marR="0" indent="-323998" algn="l" defTabSz="914400" rtl="0" latinLnBrk="0">
         <a:lnSpc>
           <a:spcPct val="110000"/>
         </a:lnSpc>
@@ -3676,7 +3679,7 @@
           <a:sym typeface="Arial"/>
         </a:defRPr>
       </a:lvl3pPr>
-      <a:lvl4pPr marL="773999" marR="0" indent="-323999" algn="l" defTabSz="914400" rtl="0" latinLnBrk="0">
+      <a:lvl4pPr marL="773998" marR="0" indent="-323999" algn="l" defTabSz="914400" rtl="0" latinLnBrk="0">
         <a:lnSpc>
           <a:spcPct val="110000"/>
         </a:lnSpc>
@@ -3702,7 +3705,7 @@
           <a:sym typeface="Arial"/>
         </a:defRPr>
       </a:lvl4pPr>
-      <a:lvl5pPr marL="773999" marR="0" indent="-323999" algn="l" defTabSz="914400" rtl="0" latinLnBrk="0">
+      <a:lvl5pPr marL="773998" marR="0" indent="-323999" algn="l" defTabSz="914400" rtl="0" latinLnBrk="0">
         <a:lnSpc>
           <a:spcPct val="110000"/>
         </a:lnSpc>
@@ -3860,7 +3863,7 @@
           <a:sym typeface="Arial"/>
         </a:defRPr>
       </a:lvl1pPr>
-      <a:lvl2pPr marL="0" marR="0" indent="457200" algn="l" defTabSz="914400" rtl="0" latinLnBrk="0">
+      <a:lvl2pPr marL="0" marR="0" indent="0" algn="l" defTabSz="914400" rtl="0" latinLnBrk="0">
         <a:lnSpc>
           <a:spcPct val="100000"/>
         </a:lnSpc>
@@ -3886,7 +3889,7 @@
           <a:sym typeface="Arial"/>
         </a:defRPr>
       </a:lvl2pPr>
-      <a:lvl3pPr marL="0" marR="0" indent="914400" algn="l" defTabSz="914400" rtl="0" latinLnBrk="0">
+      <a:lvl3pPr marL="0" marR="0" indent="0" algn="l" defTabSz="914400" rtl="0" latinLnBrk="0">
         <a:lnSpc>
           <a:spcPct val="100000"/>
         </a:lnSpc>
@@ -3912,7 +3915,7 @@
           <a:sym typeface="Arial"/>
         </a:defRPr>
       </a:lvl3pPr>
-      <a:lvl4pPr marL="0" marR="0" indent="1371600" algn="l" defTabSz="914400" rtl="0" latinLnBrk="0">
+      <a:lvl4pPr marL="0" marR="0" indent="0" algn="l" defTabSz="914400" rtl="0" latinLnBrk="0">
         <a:lnSpc>
           <a:spcPct val="100000"/>
         </a:lnSpc>
@@ -3938,7 +3941,7 @@
           <a:sym typeface="Arial"/>
         </a:defRPr>
       </a:lvl4pPr>
-      <a:lvl5pPr marL="0" marR="0" indent="1828800" algn="l" defTabSz="914400" rtl="0" latinLnBrk="0">
+      <a:lvl5pPr marL="0" marR="0" indent="0" algn="l" defTabSz="914400" rtl="0" latinLnBrk="0">
         <a:lnSpc>
           <a:spcPct val="100000"/>
         </a:lnSpc>
@@ -3964,7 +3967,7 @@
           <a:sym typeface="Arial"/>
         </a:defRPr>
       </a:lvl5pPr>
-      <a:lvl6pPr marL="0" marR="0" indent="2286000" algn="l" defTabSz="914400" rtl="0" latinLnBrk="0">
+      <a:lvl6pPr marL="0" marR="0" indent="0" algn="l" defTabSz="914400" rtl="0" latinLnBrk="0">
         <a:lnSpc>
           <a:spcPct val="100000"/>
         </a:lnSpc>
@@ -3990,7 +3993,7 @@
           <a:sym typeface="Arial"/>
         </a:defRPr>
       </a:lvl6pPr>
-      <a:lvl7pPr marL="0" marR="0" indent="2743200" algn="l" defTabSz="914400" rtl="0" latinLnBrk="0">
+      <a:lvl7pPr marL="0" marR="0" indent="0" algn="l" defTabSz="914400" rtl="0" latinLnBrk="0">
         <a:lnSpc>
           <a:spcPct val="100000"/>
         </a:lnSpc>
@@ -4016,7 +4019,7 @@
           <a:sym typeface="Arial"/>
         </a:defRPr>
       </a:lvl7pPr>
-      <a:lvl8pPr marL="0" marR="0" indent="3200400" algn="l" defTabSz="914400" rtl="0" latinLnBrk="0">
+      <a:lvl8pPr marL="0" marR="0" indent="0" algn="l" defTabSz="914400" rtl="0" latinLnBrk="0">
         <a:lnSpc>
           <a:spcPct val="100000"/>
         </a:lnSpc>
@@ -4042,7 +4045,7 @@
           <a:sym typeface="Arial"/>
         </a:defRPr>
       </a:lvl8pPr>
-      <a:lvl9pPr marL="0" marR="0" indent="3657600" algn="l" defTabSz="914400" rtl="0" latinLnBrk="0">
+      <a:lvl9pPr marL="0" marR="0" indent="0" algn="l" defTabSz="914400" rtl="0" latinLnBrk="0">
         <a:lnSpc>
           <a:spcPct val="100000"/>
         </a:lnSpc>
@@ -4098,8 +4101,8 @@
         </p:nvSpPr>
         <p:spPr>
           <a:xfrm>
-            <a:off x="1629775" y="3118835"/>
-            <a:ext cx="4174069" cy="566523"/>
+            <a:off x="1629774" y="3118835"/>
+            <a:ext cx="4174070" cy="566523"/>
           </a:xfrm>
           <a:prstGeom prst="rect">
             <a:avLst/>
@@ -4112,7 +4115,7 @@
           </a:ln>
         </p:spPr>
         <p:txBody>
-          <a:bodyPr lIns="45719" rIns="45719" anchor="ctr"/>
+          <a:bodyPr lIns="45718" tIns="45718" rIns="45718" bIns="45718" anchor="ctr"/>
           <a:lstStyle/>
           <a:p>
             <a:pPr algn="ctr">
@@ -4120,6 +4123,10 @@
                 <a:solidFill>
                   <a:srgbClr val="FFFFFF"/>
                 </a:solidFill>
+                <a:latin typeface="Arial"/>
+                <a:ea typeface="Arial"/>
+                <a:cs typeface="Arial"/>
+                <a:sym typeface="Arial"/>
               </a:defRPr>
             </a:pPr>
           </a:p>
@@ -4133,8 +4140,8 @@
         </p:nvSpPr>
         <p:spPr>
           <a:xfrm>
-            <a:off x="289616" y="2557760"/>
-            <a:ext cx="7139380" cy="566524"/>
+            <a:off x="289616" y="2557759"/>
+            <a:ext cx="7139379" cy="566525"/>
           </a:xfrm>
           <a:prstGeom prst="rect">
             <a:avLst/>
@@ -4147,7 +4154,7 @@
           </a:ln>
         </p:spPr>
         <p:txBody>
-          <a:bodyPr lIns="45719" rIns="45719" anchor="ctr"/>
+          <a:bodyPr lIns="45718" tIns="45718" rIns="45718" bIns="45718" anchor="ctr"/>
           <a:lstStyle/>
           <a:p>
             <a:pPr algn="ctr">
@@ -4155,6 +4162,10 @@
                 <a:solidFill>
                   <a:srgbClr val="FFFFFF"/>
                 </a:solidFill>
+                <a:latin typeface="Arial"/>
+                <a:ea typeface="Arial"/>
+                <a:cs typeface="Arial"/>
+                <a:sym typeface="Arial"/>
               </a:defRPr>
             </a:pPr>
           </a:p>
@@ -4171,7 +4182,7 @@
         <p:spPr>
           <a:xfrm>
             <a:off x="323850" y="5373687"/>
-            <a:ext cx="5256213" cy="792163"/>
+            <a:ext cx="5256213" cy="792164"/>
           </a:xfrm>
           <a:prstGeom prst="rect">
             <a:avLst/>
@@ -4179,14 +4190,13 @@
         </p:spPr>
         <p:txBody>
           <a:bodyPr/>
-          <a:lstStyle/>
+          <a:lstStyle>
+            <a:lvl1pPr>
+              <a:defRPr b="0" u="none"/>
+            </a:lvl1pPr>
+          </a:lstStyle>
           <a:p>
             <a:pPr/>
-          </a:p>
-          <a:p>
-            <a:pPr>
-              <a:defRPr b="0" u="none"/>
-            </a:pPr>
             <a:r>
               <a:t>Ort, Datum, Arial Regular</a:t>
             </a:r>
@@ -4203,8 +4213,8 @@
         </p:nvSpPr>
         <p:spPr>
           <a:xfrm>
-            <a:off x="1075161" y="1277289"/>
-            <a:ext cx="5256214" cy="2376488"/>
+            <a:off x="1075161" y="1277288"/>
+            <a:ext cx="5256215" cy="2376490"/>
           </a:xfrm>
           <a:prstGeom prst="rect">
             <a:avLst/>
@@ -4258,6 +4268,10 @@
           </p:nvPr>
         </p:nvSpPr>
         <p:spPr>
+          <a:xfrm>
+            <a:off x="323849" y="404664"/>
+            <a:ext cx="6335715" cy="792090"/>
+          </a:xfrm>
           <a:prstGeom prst="rect">
             <a:avLst/>
           </a:prstGeom>
@@ -4282,6 +4296,10 @@
           </p:nvPr>
         </p:nvSpPr>
         <p:spPr>
+          <a:xfrm>
+            <a:off x="323849" y="1988840"/>
+            <a:ext cx="6335715" cy="4103987"/>
+          </a:xfrm>
           <a:prstGeom prst="rect">
             <a:avLst/>
           </a:prstGeom>
@@ -4299,10 +4317,14 @@
           <p:cNvPr id="157" name="Foliennummer"/>
           <p:cNvSpPr txBox="1"/>
           <p:nvPr>
-            <p:ph type="sldNum" sz="quarter" idx="2"/>
+            <p:ph type="sldNum" sz="quarter" idx="4294967295"/>
           </p:nvPr>
         </p:nvSpPr>
         <p:spPr>
+          <a:xfrm>
+            <a:off x="323850" y="6542358"/>
+            <a:ext cx="127000" cy="127001"/>
+          </a:xfrm>
           <a:prstGeom prst="rect">
             <a:avLst/>
           </a:prstGeom>
@@ -4356,6 +4378,10 @@
           </p:nvPr>
         </p:nvSpPr>
         <p:spPr>
+          <a:xfrm>
+            <a:off x="323849" y="404664"/>
+            <a:ext cx="6335715" cy="792090"/>
+          </a:xfrm>
           <a:prstGeom prst="rect">
             <a:avLst/>
           </a:prstGeom>
@@ -4366,7 +4392,7 @@
           <a:p>
             <a:pPr/>
             <a:r>
-              <a:t>Feedforward Algorithmus</a:t>
+              <a:t>Feedforward Netzwerke</a:t>
             </a:r>
           </a:p>
         </p:txBody>
@@ -4380,6 +4406,10 @@
           </p:nvPr>
         </p:nvSpPr>
         <p:spPr>
+          <a:xfrm>
+            <a:off x="323849" y="945526"/>
+            <a:ext cx="5669337" cy="5147301"/>
+          </a:xfrm>
           <a:prstGeom prst="rect">
             <a:avLst/>
           </a:prstGeom>
@@ -4388,7 +4418,805 @@
           <a:bodyPr/>
           <a:lstStyle/>
           <a:p>
-            <a:pPr/>
+            <a:pPr marL="160421" indent="-160421">
+              <a:buClr>
+                <a:srgbClr val="000000"/>
+              </a:buClr>
+              <a:buSzPct val="100000"/>
+              <a:buChar char="•"/>
+              <a:defRPr b="0" sz="1800">
+                <a:solidFill>
+                  <a:srgbClr val="000000"/>
+                </a:solidFill>
+                <a:uFill>
+                  <a:solidFill>
+                    <a:schemeClr val="accent1"/>
+                  </a:solidFill>
+                </a:uFill>
+              </a:defRPr>
+            </a:pPr>
+            <a:r>
+              <a:t>Features </a:t>
+            </a:r>
+            <a14:m>
+              <m:oMath>
+                <m:sSup>
+                  <m:e>
+                    <m:limUpp>
+                      <m:e>
+                        <m:r>
+                          <a:rPr xmlns:a="http://schemas.openxmlformats.org/drawingml/2006/main" sz="2200" i="1">
+                            <a:solidFill>
+                              <a:srgbClr val="000000"/>
+                            </a:solidFill>
+                            <a:latin typeface="Cambria Math" panose="02040503050406030204" pitchFamily="18" charset="0"/>
+                          </a:rPr>
+                          <m:t>x</m:t>
+                        </m:r>
+                      </m:e>
+                      <m:lim>
+                        <m:r>
+                          <a:rPr xmlns:a="http://schemas.openxmlformats.org/drawingml/2006/main" sz="2200" i="1">
+                            <a:solidFill>
+                              <a:srgbClr val="000000"/>
+                            </a:solidFill>
+                            <a:latin typeface="Cambria Math" panose="02040503050406030204" pitchFamily="18" charset="0"/>
+                          </a:rPr>
+                          <m:t>⃗</m:t>
+                        </m:r>
+                      </m:lim>
+                    </m:limUpp>
+                  </m:e>
+                  <m:sup>
+                    <m:r>
+                      <a:rPr xmlns:a="http://schemas.openxmlformats.org/drawingml/2006/main" sz="2200" i="1">
+                        <a:solidFill>
+                          <a:srgbClr val="000000"/>
+                        </a:solidFill>
+                        <a:latin typeface="Cambria Math" panose="02040503050406030204" pitchFamily="18" charset="0"/>
+                      </a:rPr>
+                      <m:t>(</m:t>
+                    </m:r>
+                    <m:r>
+                      <a:rPr xmlns:a="http://schemas.openxmlformats.org/drawingml/2006/main" sz="2200" i="1">
+                        <a:solidFill>
+                          <a:srgbClr val="000000"/>
+                        </a:solidFill>
+                        <a:latin typeface="Cambria Math" panose="02040503050406030204" pitchFamily="18" charset="0"/>
+                      </a:rPr>
+                      <m:t>i</m:t>
+                    </m:r>
+                    <m:r>
+                      <a:rPr xmlns:a="http://schemas.openxmlformats.org/drawingml/2006/main" sz="2200" i="1">
+                        <a:solidFill>
+                          <a:srgbClr val="000000"/>
+                        </a:solidFill>
+                        <a:latin typeface="Cambria Math" panose="02040503050406030204" pitchFamily="18" charset="0"/>
+                      </a:rPr>
+                      <m:t>)</m:t>
+                    </m:r>
+                  </m:sup>
+                </m:sSup>
+              </m:oMath>
+            </a14:m>
+            <a:r>
+              <a:t>, Gewichte </a:t>
+            </a:r>
+            <a14:m>
+              <m:oMath>
+                <m:sSup>
+                  <m:e>
+                    <m:limUpp>
+                      <m:e>
+                        <m:r>
+                          <a:rPr xmlns:a="http://schemas.openxmlformats.org/drawingml/2006/main" sz="2200" i="1">
+                            <a:solidFill>
+                              <a:srgbClr val="000000"/>
+                            </a:solidFill>
+                            <a:latin typeface="Cambria Math" panose="02040503050406030204" pitchFamily="18" charset="0"/>
+                          </a:rPr>
+                          <m:t>w</m:t>
+                        </m:r>
+                      </m:e>
+                      <m:lim>
+                        <m:r>
+                          <a:rPr xmlns:a="http://schemas.openxmlformats.org/drawingml/2006/main" sz="2200" i="1">
+                            <a:solidFill>
+                              <a:srgbClr val="000000"/>
+                            </a:solidFill>
+                            <a:latin typeface="Cambria Math" panose="02040503050406030204" pitchFamily="18" charset="0"/>
+                          </a:rPr>
+                          <m:t>⃗</m:t>
+                        </m:r>
+                      </m:lim>
+                    </m:limUpp>
+                  </m:e>
+                  <m:sup>
+                    <m:r>
+                      <a:rPr xmlns:a="http://schemas.openxmlformats.org/drawingml/2006/main" sz="2200" i="1">
+                        <a:solidFill>
+                          <a:srgbClr val="000000"/>
+                        </a:solidFill>
+                        <a:latin typeface="Cambria Math" panose="02040503050406030204" pitchFamily="18" charset="0"/>
+                      </a:rPr>
+                      <m:t>(</m:t>
+                    </m:r>
+                    <m:r>
+                      <a:rPr xmlns:a="http://schemas.openxmlformats.org/drawingml/2006/main" sz="2200" i="1">
+                        <a:solidFill>
+                          <a:srgbClr val="000000"/>
+                        </a:solidFill>
+                        <a:latin typeface="Cambria Math" panose="02040503050406030204" pitchFamily="18" charset="0"/>
+                      </a:rPr>
+                      <m:t>i</m:t>
+                    </m:r>
+                    <m:r>
+                      <a:rPr xmlns:a="http://schemas.openxmlformats.org/drawingml/2006/main" sz="2200" i="1">
+                        <a:solidFill>
+                          <a:srgbClr val="000000"/>
+                        </a:solidFill>
+                        <a:latin typeface="Cambria Math" panose="02040503050406030204" pitchFamily="18" charset="0"/>
+                      </a:rPr>
+                      <m:t>)</m:t>
+                    </m:r>
+                  </m:sup>
+                </m:sSup>
+              </m:oMath>
+            </a14:m>
+            <a:r>
+              <a:t> und Biases </a:t>
+            </a:r>
+            <a14:m>
+              <m:oMath>
+                <m:sSup>
+                  <m:e>
+                    <m:r>
+                      <a:rPr xmlns:a="http://schemas.openxmlformats.org/drawingml/2006/main" sz="2250" i="1">
+                        <a:solidFill>
+                          <a:srgbClr val="000000"/>
+                        </a:solidFill>
+                        <a:latin typeface="Cambria Math" panose="02040503050406030204" pitchFamily="18" charset="0"/>
+                      </a:rPr>
+                      <m:t>b</m:t>
+                    </m:r>
+                  </m:e>
+                  <m:sup>
+                    <m:r>
+                      <a:rPr xmlns:a="http://schemas.openxmlformats.org/drawingml/2006/main" sz="2250" i="1">
+                        <a:solidFill>
+                          <a:srgbClr val="000000"/>
+                        </a:solidFill>
+                        <a:latin typeface="Cambria Math" panose="02040503050406030204" pitchFamily="18" charset="0"/>
+                      </a:rPr>
+                      <m:t>(</m:t>
+                    </m:r>
+                    <m:r>
+                      <a:rPr xmlns:a="http://schemas.openxmlformats.org/drawingml/2006/main" sz="2250" i="1">
+                        <a:solidFill>
+                          <a:srgbClr val="000000"/>
+                        </a:solidFill>
+                        <a:latin typeface="Cambria Math" panose="02040503050406030204" pitchFamily="18" charset="0"/>
+                      </a:rPr>
+                      <m:t>i</m:t>
+                    </m:r>
+                    <m:r>
+                      <a:rPr xmlns:a="http://schemas.openxmlformats.org/drawingml/2006/main" sz="2250" i="1">
+                        <a:solidFill>
+                          <a:srgbClr val="000000"/>
+                        </a:solidFill>
+                        <a:latin typeface="Cambria Math" panose="02040503050406030204" pitchFamily="18" charset="0"/>
+                      </a:rPr>
+                      <m:t>)</m:t>
+                    </m:r>
+                  </m:sup>
+                </m:sSup>
+              </m:oMath>
+            </a14:m>
+            <a:r>
+              <a:t> </a:t>
+            </a:r>
+          </a:p>
+          <a:p>
+            <a:pPr>
+              <a:defRPr b="0" sz="1800">
+                <a:solidFill>
+                  <a:srgbClr val="000000"/>
+                </a:solidFill>
+                <a:uFill>
+                  <a:solidFill>
+                    <a:schemeClr val="accent1"/>
+                  </a:solidFill>
+                </a:uFill>
+              </a:defRPr>
+            </a:pPr>
+          </a:p>
+          <a:p>
+            <a:pPr marL="160421" indent="-160421">
+              <a:buClr>
+                <a:srgbClr val="000000"/>
+              </a:buClr>
+              <a:buSzPct val="100000"/>
+              <a:buChar char="•"/>
+              <a:defRPr b="0" sz="1800">
+                <a:solidFill>
+                  <a:srgbClr val="000000"/>
+                </a:solidFill>
+                <a:uFill>
+                  <a:solidFill>
+                    <a:schemeClr val="accent1"/>
+                  </a:solidFill>
+                </a:uFill>
+              </a:defRPr>
+            </a:pPr>
+            <a:r>
+              <a:t>Input-output Funktion </a:t>
+            </a:r>
+            <a14:m>
+              <m:oMath>
+                <m:sSub>
+                  <m:e>
+                    <m:r>
+                      <a:rPr xmlns:a="http://schemas.openxmlformats.org/drawingml/2006/main" sz="2200" i="1">
+                        <a:solidFill>
+                          <a:srgbClr val="000000"/>
+                        </a:solidFill>
+                        <a:latin typeface="Cambria Math" panose="02040503050406030204" pitchFamily="18" charset="0"/>
+                      </a:rPr>
+                      <m:t>a</m:t>
+                    </m:r>
+                  </m:e>
+                  <m:sub>
+                    <m:r>
+                      <a:rPr xmlns:a="http://schemas.openxmlformats.org/drawingml/2006/main" sz="2200" i="1">
+                        <a:solidFill>
+                          <a:srgbClr val="000000"/>
+                        </a:solidFill>
+                        <a:latin typeface="Cambria Math" panose="02040503050406030204" pitchFamily="18" charset="0"/>
+                      </a:rPr>
+                      <m:t>i</m:t>
+                    </m:r>
+                  </m:sub>
+                </m:sSub>
+                <m:r>
+                  <a:rPr xmlns:a="http://schemas.openxmlformats.org/drawingml/2006/main" sz="2200" i="1">
+                    <a:solidFill>
+                      <a:srgbClr val="000000"/>
+                    </a:solidFill>
+                    <a:latin typeface="Cambria Math" panose="02040503050406030204" pitchFamily="18" charset="0"/>
+                  </a:rPr>
+                  <m:t>=</m:t>
+                </m:r>
+                <m:r>
+                  <a:rPr xmlns:a="http://schemas.openxmlformats.org/drawingml/2006/main" sz="2200" i="1">
+                    <a:solidFill>
+                      <a:srgbClr val="000000"/>
+                    </a:solidFill>
+                    <a:latin typeface="Cambria Math" panose="02040503050406030204" pitchFamily="18" charset="0"/>
+                  </a:rPr>
+                  <m:t>f</m:t>
+                </m:r>
+                <m:d>
+                  <m:dPr>
+                    <m:ctrlPr>
+                      <a:rPr xmlns:a="http://schemas.openxmlformats.org/drawingml/2006/main" sz="2200" i="1">
+                        <a:solidFill>
+                          <a:srgbClr val="000000"/>
+                        </a:solidFill>
+                        <a:latin typeface="Cambria Math" panose="02040503050406030204" pitchFamily="18" charset="0"/>
+                      </a:rPr>
+                    </m:ctrlPr>
+                  </m:dPr>
+                  <m:e>
+                    <m:sSup>
+                      <m:e>
+                        <m:limUpp>
+                          <m:e>
+                            <m:r>
+                              <m:rPr>
+                                <m:sty m:val="b"/>
+                              </m:rPr>
+                              <a:rPr xmlns:a="http://schemas.openxmlformats.org/drawingml/2006/main" sz="2200" i="1">
+                                <a:solidFill>
+                                  <a:srgbClr val="000000"/>
+                                </a:solidFill>
+                                <a:latin typeface="Cambria Math" panose="02040503050406030204" pitchFamily="18" charset="0"/>
+                              </a:rPr>
+                              <m:t>w</m:t>
+                            </m:r>
+                          </m:e>
+                          <m:lim>
+                            <m:r>
+                              <a:rPr xmlns:a="http://schemas.openxmlformats.org/drawingml/2006/main" sz="2200" i="1">
+                                <a:solidFill>
+                                  <a:srgbClr val="000000"/>
+                                </a:solidFill>
+                                <a:latin typeface="Cambria Math" panose="02040503050406030204" pitchFamily="18" charset="0"/>
+                              </a:rPr>
+                              <m:t>⃗</m:t>
+                            </m:r>
+                          </m:lim>
+                        </m:limUpp>
+                      </m:e>
+                      <m:sup>
+                        <m:r>
+                          <a:rPr xmlns:a="http://schemas.openxmlformats.org/drawingml/2006/main" sz="2200" i="1">
+                            <a:solidFill>
+                              <a:srgbClr val="000000"/>
+                            </a:solidFill>
+                            <a:latin typeface="Cambria Math" panose="02040503050406030204" pitchFamily="18" charset="0"/>
+                          </a:rPr>
+                          <m:t>(</m:t>
+                        </m:r>
+                        <m:r>
+                          <a:rPr xmlns:a="http://schemas.openxmlformats.org/drawingml/2006/main" sz="2200" i="1">
+                            <a:solidFill>
+                              <a:srgbClr val="000000"/>
+                            </a:solidFill>
+                            <a:latin typeface="Cambria Math" panose="02040503050406030204" pitchFamily="18" charset="0"/>
+                          </a:rPr>
+                          <m:t>i</m:t>
+                        </m:r>
+                        <m:r>
+                          <a:rPr xmlns:a="http://schemas.openxmlformats.org/drawingml/2006/main" sz="2200" i="1">
+                            <a:solidFill>
+                              <a:srgbClr val="000000"/>
+                            </a:solidFill>
+                            <a:latin typeface="Cambria Math" panose="02040503050406030204" pitchFamily="18" charset="0"/>
+                          </a:rPr>
+                          <m:t>)</m:t>
+                        </m:r>
+                      </m:sup>
+                    </m:sSup>
+                    <m:r>
+                      <a:rPr xmlns:a="http://schemas.openxmlformats.org/drawingml/2006/main" sz="2200" i="1">
+                        <a:solidFill>
+                          <a:srgbClr val="000000"/>
+                        </a:solidFill>
+                        <a:latin typeface="Cambria Math" panose="02040503050406030204" pitchFamily="18" charset="0"/>
+                      </a:rPr>
+                      <m:t>⋅</m:t>
+                    </m:r>
+                    <m:sSup>
+                      <m:e>
+                        <m:limUpp>
+                          <m:e>
+                            <m:r>
+                              <m:rPr>
+                                <m:sty m:val="b"/>
+                              </m:rPr>
+                              <a:rPr xmlns:a="http://schemas.openxmlformats.org/drawingml/2006/main" sz="2200" i="1">
+                                <a:solidFill>
+                                  <a:srgbClr val="000000"/>
+                                </a:solidFill>
+                                <a:latin typeface="Cambria Math" panose="02040503050406030204" pitchFamily="18" charset="0"/>
+                              </a:rPr>
+                              <m:t>x</m:t>
+                            </m:r>
+                          </m:e>
+                          <m:lim>
+                            <m:r>
+                              <a:rPr xmlns:a="http://schemas.openxmlformats.org/drawingml/2006/main" sz="2200" i="1">
+                                <a:solidFill>
+                                  <a:srgbClr val="000000"/>
+                                </a:solidFill>
+                                <a:latin typeface="Cambria Math" panose="02040503050406030204" pitchFamily="18" charset="0"/>
+                              </a:rPr>
+                              <m:t>⃗</m:t>
+                            </m:r>
+                          </m:lim>
+                        </m:limUpp>
+                      </m:e>
+                      <m:sup>
+                        <m:r>
+                          <a:rPr xmlns:a="http://schemas.openxmlformats.org/drawingml/2006/main" sz="2200" i="1">
+                            <a:solidFill>
+                              <a:srgbClr val="000000"/>
+                            </a:solidFill>
+                            <a:latin typeface="Cambria Math" panose="02040503050406030204" pitchFamily="18" charset="0"/>
+                          </a:rPr>
+                          <m:t>T</m:t>
+                        </m:r>
+                      </m:sup>
+                    </m:sSup>
+                  </m:e>
+                </m:d>
+              </m:oMath>
+            </a14:m>
+            <a:r>
+              <a:t>                    mit </a:t>
+            </a:r>
+            <a14:m>
+              <m:oMath>
+                <m:sSup>
+                  <m:e>
+                    <m:limUpp>
+                      <m:e>
+                        <m:r>
+                          <m:rPr>
+                            <m:sty m:val="b"/>
+                          </m:rPr>
+                          <a:rPr xmlns:a="http://schemas.openxmlformats.org/drawingml/2006/main" sz="2150" i="1">
+                            <a:solidFill>
+                              <a:srgbClr val="000000"/>
+                            </a:solidFill>
+                            <a:latin typeface="Cambria Math" panose="02040503050406030204" pitchFamily="18" charset="0"/>
+                          </a:rPr>
+                          <m:t>w</m:t>
+                        </m:r>
+                      </m:e>
+                      <m:lim>
+                        <m:r>
+                          <a:rPr xmlns:a="http://schemas.openxmlformats.org/drawingml/2006/main" sz="2150" i="1">
+                            <a:solidFill>
+                              <a:srgbClr val="000000"/>
+                            </a:solidFill>
+                            <a:latin typeface="Cambria Math" panose="02040503050406030204" pitchFamily="18" charset="0"/>
+                          </a:rPr>
+                          <m:t>⃗</m:t>
+                        </m:r>
+                      </m:lim>
+                    </m:limUpp>
+                  </m:e>
+                  <m:sup>
+                    <m:r>
+                      <a:rPr xmlns:a="http://schemas.openxmlformats.org/drawingml/2006/main" sz="2150" i="1">
+                        <a:solidFill>
+                          <a:srgbClr val="000000"/>
+                        </a:solidFill>
+                        <a:latin typeface="Cambria Math" panose="02040503050406030204" pitchFamily="18" charset="0"/>
+                      </a:rPr>
+                      <m:t>(</m:t>
+                    </m:r>
+                    <m:r>
+                      <a:rPr xmlns:a="http://schemas.openxmlformats.org/drawingml/2006/main" sz="2150" i="1">
+                        <a:solidFill>
+                          <a:srgbClr val="000000"/>
+                        </a:solidFill>
+                        <a:latin typeface="Cambria Math" panose="02040503050406030204" pitchFamily="18" charset="0"/>
+                      </a:rPr>
+                      <m:t>i</m:t>
+                    </m:r>
+                    <m:r>
+                      <a:rPr xmlns:a="http://schemas.openxmlformats.org/drawingml/2006/main" sz="2150" i="1">
+                        <a:solidFill>
+                          <a:srgbClr val="000000"/>
+                        </a:solidFill>
+                        <a:latin typeface="Cambria Math" panose="02040503050406030204" pitchFamily="18" charset="0"/>
+                      </a:rPr>
+                      <m:t>)</m:t>
+                    </m:r>
+                  </m:sup>
+                </m:sSup>
+                <m:r>
+                  <a:rPr xmlns:a="http://schemas.openxmlformats.org/drawingml/2006/main" sz="2150" i="1">
+                    <a:solidFill>
+                      <a:srgbClr val="000000"/>
+                    </a:solidFill>
+                    <a:latin typeface="Cambria Math" panose="02040503050406030204" pitchFamily="18" charset="0"/>
+                  </a:rPr>
+                  <m:t>=</m:t>
+                </m:r>
+                <m:r>
+                  <a:rPr xmlns:a="http://schemas.openxmlformats.org/drawingml/2006/main" sz="2150" i="1">
+                    <a:solidFill>
+                      <a:srgbClr val="000000"/>
+                    </a:solidFill>
+                    <a:latin typeface="Cambria Math" panose="02040503050406030204" pitchFamily="18" charset="0"/>
+                  </a:rPr>
+                  <m:t>(</m:t>
+                </m:r>
+                <m:sSup>
+                  <m:e>
+                    <m:r>
+                      <a:rPr xmlns:a="http://schemas.openxmlformats.org/drawingml/2006/main" sz="2150" i="1">
+                        <a:solidFill>
+                          <a:srgbClr val="000000"/>
+                        </a:solidFill>
+                        <a:latin typeface="Cambria Math" panose="02040503050406030204" pitchFamily="18" charset="0"/>
+                      </a:rPr>
+                      <m:t>b</m:t>
+                    </m:r>
+                  </m:e>
+                  <m:sup>
+                    <m:r>
+                      <a:rPr xmlns:a="http://schemas.openxmlformats.org/drawingml/2006/main" sz="2150" i="1">
+                        <a:solidFill>
+                          <a:srgbClr val="000000"/>
+                        </a:solidFill>
+                        <a:latin typeface="Cambria Math" panose="02040503050406030204" pitchFamily="18" charset="0"/>
+                      </a:rPr>
+                      <m:t>(</m:t>
+                    </m:r>
+                    <m:r>
+                      <a:rPr xmlns:a="http://schemas.openxmlformats.org/drawingml/2006/main" sz="2150" i="1">
+                        <a:solidFill>
+                          <a:srgbClr val="000000"/>
+                        </a:solidFill>
+                        <a:latin typeface="Cambria Math" panose="02040503050406030204" pitchFamily="18" charset="0"/>
+                      </a:rPr>
+                      <m:t>i</m:t>
+                    </m:r>
+                    <m:r>
+                      <a:rPr xmlns:a="http://schemas.openxmlformats.org/drawingml/2006/main" sz="2150" i="1">
+                        <a:solidFill>
+                          <a:srgbClr val="000000"/>
+                        </a:solidFill>
+                        <a:latin typeface="Cambria Math" panose="02040503050406030204" pitchFamily="18" charset="0"/>
+                      </a:rPr>
+                      <m:t>)</m:t>
+                    </m:r>
+                  </m:sup>
+                </m:sSup>
+                <m:r>
+                  <a:rPr xmlns:a="http://schemas.openxmlformats.org/drawingml/2006/main" sz="2150" i="1">
+                    <a:solidFill>
+                      <a:srgbClr val="000000"/>
+                    </a:solidFill>
+                    <a:latin typeface="Cambria Math" panose="02040503050406030204" pitchFamily="18" charset="0"/>
+                  </a:rPr>
+                  <m:t>,</m:t>
+                </m:r>
+                <m:sSup>
+                  <m:e>
+                    <m:limUpp>
+                      <m:e>
+                        <m:r>
+                          <a:rPr xmlns:a="http://schemas.openxmlformats.org/drawingml/2006/main" sz="2150" i="1">
+                            <a:solidFill>
+                              <a:srgbClr val="000000"/>
+                            </a:solidFill>
+                            <a:latin typeface="Cambria Math" panose="02040503050406030204" pitchFamily="18" charset="0"/>
+                          </a:rPr>
+                          <m:t>w</m:t>
+                        </m:r>
+                      </m:e>
+                      <m:lim>
+                        <m:r>
+                          <a:rPr xmlns:a="http://schemas.openxmlformats.org/drawingml/2006/main" sz="2150" i="1">
+                            <a:solidFill>
+                              <a:srgbClr val="000000"/>
+                            </a:solidFill>
+                            <a:latin typeface="Cambria Math" panose="02040503050406030204" pitchFamily="18" charset="0"/>
+                          </a:rPr>
+                          <m:t>⃗</m:t>
+                        </m:r>
+                      </m:lim>
+                    </m:limUpp>
+                  </m:e>
+                  <m:sup>
+                    <m:r>
+                      <a:rPr xmlns:a="http://schemas.openxmlformats.org/drawingml/2006/main" sz="2150" i="1">
+                        <a:solidFill>
+                          <a:srgbClr val="000000"/>
+                        </a:solidFill>
+                        <a:latin typeface="Cambria Math" panose="02040503050406030204" pitchFamily="18" charset="0"/>
+                      </a:rPr>
+                      <m:t>(</m:t>
+                    </m:r>
+                    <m:r>
+                      <a:rPr xmlns:a="http://schemas.openxmlformats.org/drawingml/2006/main" sz="2150" i="1">
+                        <a:solidFill>
+                          <a:srgbClr val="000000"/>
+                        </a:solidFill>
+                        <a:latin typeface="Cambria Math" panose="02040503050406030204" pitchFamily="18" charset="0"/>
+                      </a:rPr>
+                      <m:t>i</m:t>
+                    </m:r>
+                    <m:r>
+                      <a:rPr xmlns:a="http://schemas.openxmlformats.org/drawingml/2006/main" sz="2150" i="1">
+                        <a:solidFill>
+                          <a:srgbClr val="000000"/>
+                        </a:solidFill>
+                        <a:latin typeface="Cambria Math" panose="02040503050406030204" pitchFamily="18" charset="0"/>
+                      </a:rPr>
+                      <m:t>)</m:t>
+                    </m:r>
+                  </m:sup>
+                </m:sSup>
+                <m:r>
+                  <a:rPr xmlns:a="http://schemas.openxmlformats.org/drawingml/2006/main" sz="2150" i="1">
+                    <a:solidFill>
+                      <a:srgbClr val="000000"/>
+                    </a:solidFill>
+                    <a:latin typeface="Cambria Math" panose="02040503050406030204" pitchFamily="18" charset="0"/>
+                  </a:rPr>
+                  <m:t>)</m:t>
+                </m:r>
+              </m:oMath>
+            </a14:m>
+            <a:r>
+              <a:t> und </a:t>
+            </a:r>
+            <a14:m>
+              <m:oMath>
+                <m:sSup>
+                  <m:e>
+                    <m:limUpp>
+                      <m:e>
+                        <m:r>
+                          <m:rPr>
+                            <m:sty m:val="b"/>
+                          </m:rPr>
+                          <a:rPr xmlns:a="http://schemas.openxmlformats.org/drawingml/2006/main" sz="2150" i="1">
+                            <a:solidFill>
+                              <a:srgbClr val="000000"/>
+                            </a:solidFill>
+                            <a:latin typeface="Cambria Math" panose="02040503050406030204" pitchFamily="18" charset="0"/>
+                          </a:rPr>
+                          <m:t>x</m:t>
+                        </m:r>
+                      </m:e>
+                      <m:lim>
+                        <m:r>
+                          <a:rPr xmlns:a="http://schemas.openxmlformats.org/drawingml/2006/main" sz="2150" i="1">
+                            <a:solidFill>
+                              <a:srgbClr val="000000"/>
+                            </a:solidFill>
+                            <a:latin typeface="Cambria Math" panose="02040503050406030204" pitchFamily="18" charset="0"/>
+                          </a:rPr>
+                          <m:t>⃗</m:t>
+                        </m:r>
+                      </m:lim>
+                    </m:limUpp>
+                  </m:e>
+                  <m:sup>
+                    <m:r>
+                      <a:rPr xmlns:a="http://schemas.openxmlformats.org/drawingml/2006/main" sz="2150" i="1">
+                        <a:solidFill>
+                          <a:srgbClr val="000000"/>
+                        </a:solidFill>
+                        <a:latin typeface="Cambria Math" panose="02040503050406030204" pitchFamily="18" charset="0"/>
+                      </a:rPr>
+                      <m:t>T</m:t>
+                    </m:r>
+                  </m:sup>
+                </m:sSup>
+                <m:r>
+                  <a:rPr xmlns:a="http://schemas.openxmlformats.org/drawingml/2006/main" sz="2150" i="1">
+                    <a:solidFill>
+                      <a:srgbClr val="000000"/>
+                    </a:solidFill>
+                    <a:latin typeface="Cambria Math" panose="02040503050406030204" pitchFamily="18" charset="0"/>
+                  </a:rPr>
+                  <m:t>=</m:t>
+                </m:r>
+                <m:r>
+                  <a:rPr xmlns:a="http://schemas.openxmlformats.org/drawingml/2006/main" sz="2150" i="1">
+                    <a:solidFill>
+                      <a:srgbClr val="000000"/>
+                    </a:solidFill>
+                    <a:latin typeface="Cambria Math" panose="02040503050406030204" pitchFamily="18" charset="0"/>
+                  </a:rPr>
+                  <m:t>(</m:t>
+                </m:r>
+                <m:r>
+                  <a:rPr xmlns:a="http://schemas.openxmlformats.org/drawingml/2006/main" sz="2150" i="1">
+                    <a:solidFill>
+                      <a:srgbClr val="000000"/>
+                    </a:solidFill>
+                    <a:latin typeface="Cambria Math" panose="02040503050406030204" pitchFamily="18" charset="0"/>
+                  </a:rPr>
+                  <m:t>1,</m:t>
+                </m:r>
+                <m:sSup>
+                  <m:e>
+                    <m:limUpp>
+                      <m:e>
+                        <m:r>
+                          <a:rPr xmlns:a="http://schemas.openxmlformats.org/drawingml/2006/main" sz="2150" i="1">
+                            <a:solidFill>
+                              <a:srgbClr val="000000"/>
+                            </a:solidFill>
+                            <a:latin typeface="Cambria Math" panose="02040503050406030204" pitchFamily="18" charset="0"/>
+                          </a:rPr>
+                          <m:t>x</m:t>
+                        </m:r>
+                      </m:e>
+                      <m:lim>
+                        <m:r>
+                          <a:rPr xmlns:a="http://schemas.openxmlformats.org/drawingml/2006/main" sz="2150" i="1">
+                            <a:solidFill>
+                              <a:srgbClr val="000000"/>
+                            </a:solidFill>
+                            <a:latin typeface="Cambria Math" panose="02040503050406030204" pitchFamily="18" charset="0"/>
+                          </a:rPr>
+                          <m:t>⃗</m:t>
+                        </m:r>
+                      </m:lim>
+                    </m:limUpp>
+                  </m:e>
+                  <m:sup>
+                    <m:r>
+                      <a:rPr xmlns:a="http://schemas.openxmlformats.org/drawingml/2006/main" sz="2150" i="1">
+                        <a:solidFill>
+                          <a:srgbClr val="000000"/>
+                        </a:solidFill>
+                        <a:latin typeface="Cambria Math" panose="02040503050406030204" pitchFamily="18" charset="0"/>
+                      </a:rPr>
+                      <m:t>(</m:t>
+                    </m:r>
+                    <m:r>
+                      <a:rPr xmlns:a="http://schemas.openxmlformats.org/drawingml/2006/main" sz="2150" i="1">
+                        <a:solidFill>
+                          <a:srgbClr val="000000"/>
+                        </a:solidFill>
+                        <a:latin typeface="Cambria Math" panose="02040503050406030204" pitchFamily="18" charset="0"/>
+                      </a:rPr>
+                      <m:t>i</m:t>
+                    </m:r>
+                    <m:r>
+                      <a:rPr xmlns:a="http://schemas.openxmlformats.org/drawingml/2006/main" sz="2150" i="1">
+                        <a:solidFill>
+                          <a:srgbClr val="000000"/>
+                        </a:solidFill>
+                        <a:latin typeface="Cambria Math" panose="02040503050406030204" pitchFamily="18" charset="0"/>
+                      </a:rPr>
+                      <m:t>)</m:t>
+                    </m:r>
+                  </m:sup>
+                </m:sSup>
+                <m:sSup>
+                  <m:e>
+                    <m:r>
+                      <a:rPr xmlns:a="http://schemas.openxmlformats.org/drawingml/2006/main" sz="2150" i="1">
+                        <a:solidFill>
+                          <a:srgbClr val="000000"/>
+                        </a:solidFill>
+                        <a:latin typeface="Cambria Math" panose="02040503050406030204" pitchFamily="18" charset="0"/>
+                      </a:rPr>
+                      <m:t>)</m:t>
+                    </m:r>
+                  </m:e>
+                  <m:sup>
+                    <m:r>
+                      <a:rPr xmlns:a="http://schemas.openxmlformats.org/drawingml/2006/main" sz="2150" i="1">
+                        <a:solidFill>
+                          <a:srgbClr val="000000"/>
+                        </a:solidFill>
+                        <a:latin typeface="Cambria Math" panose="02040503050406030204" pitchFamily="18" charset="0"/>
+                      </a:rPr>
+                      <m:t>T</m:t>
+                    </m:r>
+                  </m:sup>
+                </m:sSup>
+              </m:oMath>
+            </a14:m>
+          </a:p>
+          <a:p>
+            <a:pPr>
+              <a:defRPr b="0" sz="1800">
+                <a:solidFill>
+                  <a:srgbClr val="000000"/>
+                </a:solidFill>
+                <a:uFill>
+                  <a:solidFill>
+                    <a:schemeClr val="accent1"/>
+                  </a:solidFill>
+                </a:uFill>
+              </a:defRPr>
+            </a:pPr>
+          </a:p>
+          <a:p>
+            <a:pPr marL="160421" indent="-160421">
+              <a:buClr>
+                <a:srgbClr val="000000"/>
+              </a:buClr>
+              <a:buSzPct val="100000"/>
+              <a:buChar char="•"/>
+              <a:defRPr b="0" sz="1800">
+                <a:solidFill>
+                  <a:srgbClr val="000000"/>
+                </a:solidFill>
+                <a:uFill>
+                  <a:solidFill>
+                    <a:schemeClr val="accent1"/>
+                  </a:solidFill>
+                </a:uFill>
+              </a:defRPr>
+            </a:pPr>
+            <a:r>
+              <a:t>Nicht lineare Aktivierungsfunktionen für die    Neuronen</a:t>
+            </a:r>
           </a:p>
         </p:txBody>
       </p:sp>
@@ -4397,10 +5225,14 @@
           <p:cNvPr id="161" name="Foliennummer"/>
           <p:cNvSpPr txBox="1"/>
           <p:nvPr>
-            <p:ph type="sldNum" sz="quarter" idx="2"/>
+            <p:ph type="sldNum" sz="quarter" idx="4294967295"/>
           </p:nvPr>
         </p:nvSpPr>
         <p:spPr>
+          <a:xfrm>
+            <a:off x="323850" y="6542358"/>
+            <a:ext cx="127000" cy="127001"/>
+          </a:xfrm>
           <a:prstGeom prst="rect">
             <a:avLst/>
           </a:prstGeom>
@@ -4416,6 +5248,252 @@
           <a:p>
             <a:pPr/>
             <a:fld id="{86CB4B4D-7CA3-9044-876B-883B54F8677D}" type="slidenum"/>
+          </a:p>
+        </p:txBody>
+      </p:sp>
+      <p:grpSp>
+        <p:nvGrpSpPr>
+          <p:cNvPr id="164" name="Gruppieren"/>
+          <p:cNvGrpSpPr/>
+          <p:nvPr/>
+        </p:nvGrpSpPr>
+        <p:grpSpPr>
+          <a:xfrm>
+            <a:off x="5073577" y="288505"/>
+            <a:ext cx="3889844" cy="4308295"/>
+            <a:chOff x="0" y="0"/>
+            <a:chExt cx="3889843" cy="4308293"/>
+          </a:xfrm>
+        </p:grpSpPr>
+        <p:pic>
+          <p:nvPicPr>
+            <p:cNvPr id="162" name="FeedForwardNetwork.png" descr="FeedForwardNetwork.png"/>
+            <p:cNvPicPr>
+              <a:picLocks noChangeAspect="1"/>
+            </p:cNvPicPr>
+            <p:nvPr/>
+          </p:nvPicPr>
+          <p:blipFill>
+            <a:blip r:embed="rId2">
+              <a:extLst/>
+            </a:blip>
+            <a:stretch>
+              <a:fillRect/>
+            </a:stretch>
+          </p:blipFill>
+          <p:spPr>
+            <a:xfrm>
+              <a:off x="0" y="0"/>
+              <a:ext cx="3889844" cy="3895941"/>
+            </a:xfrm>
+            <a:prstGeom prst="rect">
+              <a:avLst/>
+            </a:prstGeom>
+            <a:ln w="12700" cap="flat">
+              <a:noFill/>
+              <a:miter lim="400000"/>
+            </a:ln>
+            <a:effectLst/>
+          </p:spPr>
+        </p:pic>
+        <p:sp>
+          <p:nvSpPr>
+            <p:cNvPr id="163" name="Caption"/>
+            <p:cNvSpPr/>
+            <p:nvPr/>
+          </p:nvSpPr>
+          <p:spPr>
+            <a:xfrm>
+              <a:off x="0" y="3997540"/>
+              <a:ext cx="3889844" cy="310754"/>
+            </a:xfrm>
+            <a:prstGeom prst="roundRect">
+              <a:avLst>
+                <a:gd name="adj" fmla="val 0"/>
+              </a:avLst>
+            </a:prstGeom>
+            <a:solidFill>
+              <a:srgbClr val="000000">
+                <a:alpha val="0"/>
+              </a:srgbClr>
+            </a:solidFill>
+            <a:ln w="12700" cap="flat">
+              <a:noFill/>
+              <a:miter lim="400000"/>
+            </a:ln>
+            <a:effectLst/>
+            <a:extLst>
+              <a:ext uri="{C572A759-6A51-4108-AA02-DFA0A04FC94B}">
+                <ma14:wrappingTextBoxFlag xmlns:ma14="http://schemas.microsoft.com/office/mac/drawingml/2011/main" val="1"/>
+              </a:ext>
+            </a:extLst>
+          </p:spPr>
+          <p:txBody>
+            <a:bodyPr wrap="square" lIns="50800" tIns="50800" rIns="50800" bIns="50800" numCol="1" anchor="t">
+              <a:noAutofit/>
+            </a:bodyPr>
+            <a:lstStyle>
+              <a:lvl1pPr>
+                <a:defRPr sz="1600"/>
+              </a:lvl1pPr>
+            </a:lstStyle>
+            <a:p>
+              <a:pPr/>
+              <a:r>
+                <a:t>  P. Mehta et al. / Phys. Rep. (2019) 810, 1-124</a:t>
+              </a:r>
+            </a:p>
+          </p:txBody>
+        </p:sp>
+      </p:grpSp>
+      <p:grpSp>
+        <p:nvGrpSpPr>
+          <p:cNvPr id="167" name="Gruppieren"/>
+          <p:cNvGrpSpPr/>
+          <p:nvPr/>
+        </p:nvGrpSpPr>
+        <p:grpSpPr>
+          <a:xfrm>
+            <a:off x="265112" y="3718414"/>
+            <a:ext cx="4752182" cy="2498436"/>
+            <a:chOff x="0" y="0"/>
+            <a:chExt cx="4752181" cy="2498435"/>
+          </a:xfrm>
+        </p:grpSpPr>
+        <p:pic>
+          <p:nvPicPr>
+            <p:cNvPr id="165" name="NichtlineareAktivierungsfunktionen.png" descr="NichtlineareAktivierungsfunktionen.png"/>
+            <p:cNvPicPr>
+              <a:picLocks noChangeAspect="1"/>
+            </p:cNvPicPr>
+            <p:nvPr/>
+          </p:nvPicPr>
+          <p:blipFill>
+            <a:blip r:embed="rId3">
+              <a:extLst/>
+            </a:blip>
+            <a:srcRect l="0" t="0" r="0" b="0"/>
+            <a:stretch>
+              <a:fillRect/>
+            </a:stretch>
+          </p:blipFill>
+          <p:spPr>
+            <a:xfrm>
+              <a:off x="0" y="0"/>
+              <a:ext cx="4752131" cy="2086083"/>
+            </a:xfrm>
+            <a:prstGeom prst="rect">
+              <a:avLst/>
+            </a:prstGeom>
+            <a:ln w="12700" cap="flat">
+              <a:noFill/>
+              <a:miter lim="400000"/>
+            </a:ln>
+            <a:effectLst/>
+          </p:spPr>
+        </p:pic>
+        <p:sp>
+          <p:nvSpPr>
+            <p:cNvPr id="166" name="Caption"/>
+            <p:cNvSpPr/>
+            <p:nvPr/>
+          </p:nvSpPr>
+          <p:spPr>
+            <a:xfrm>
+              <a:off x="0" y="2187682"/>
+              <a:ext cx="4752182" cy="310754"/>
+            </a:xfrm>
+            <a:prstGeom prst="roundRect">
+              <a:avLst>
+                <a:gd name="adj" fmla="val 0"/>
+              </a:avLst>
+            </a:prstGeom>
+            <a:solidFill>
+              <a:srgbClr val="000000">
+                <a:alpha val="0"/>
+              </a:srgbClr>
+            </a:solidFill>
+            <a:ln w="12700" cap="flat">
+              <a:noFill/>
+              <a:miter lim="400000"/>
+            </a:ln>
+            <a:effectLst/>
+            <a:extLst>
+              <a:ext uri="{C572A759-6A51-4108-AA02-DFA0A04FC94B}">
+                <ma14:wrappingTextBoxFlag xmlns:ma14="http://schemas.microsoft.com/office/mac/drawingml/2011/main" val="1"/>
+              </a:ext>
+            </a:extLst>
+          </p:spPr>
+          <p:txBody>
+            <a:bodyPr wrap="square" lIns="50800" tIns="50800" rIns="50800" bIns="50800" numCol="1" anchor="t">
+              <a:noAutofit/>
+            </a:bodyPr>
+            <a:lstStyle>
+              <a:lvl1pPr>
+                <a:defRPr sz="1600"/>
+              </a:lvl1pPr>
+            </a:lstStyle>
+            <a:p>
+              <a:pPr/>
+              <a:r>
+                <a:t>P. Mehta et al. / Phys. Rep. (2019) 810, 1-124</a:t>
+              </a:r>
+            </a:p>
+          </p:txBody>
+        </p:sp>
+      </p:grpSp>
+      <p:sp>
+        <p:nvSpPr>
+          <p:cNvPr id="168" name="Nicht saturierende Funktionen vorteilhaft für Training mit Gradient Descent"/>
+          <p:cNvSpPr txBox="1"/>
+          <p:nvPr/>
+        </p:nvSpPr>
+        <p:spPr>
+          <a:xfrm>
+            <a:off x="5281558" y="4862657"/>
+            <a:ext cx="3423083" cy="935905"/>
+          </a:xfrm>
+          <a:prstGeom prst="rect">
+            <a:avLst/>
+          </a:prstGeom>
+          <a:ln w="12700">
+            <a:miter lim="400000"/>
+          </a:ln>
+          <a:extLst>
+            <a:ext uri="{C572A759-6A51-4108-AA02-DFA0A04FC94B}">
+              <ma14:wrappingTextBoxFlag xmlns:ma14="http://schemas.microsoft.com/office/mac/drawingml/2011/main" val="1"/>
+            </a:ext>
+          </a:extLst>
+        </p:spPr>
+        <p:txBody>
+          <a:bodyPr lIns="45718" tIns="45718" rIns="45718" bIns="45718">
+            <a:spAutoFit/>
+          </a:bodyPr>
+          <a:lstStyle>
+            <a:lvl1pPr marL="200526" indent="-200526">
+              <a:lnSpc>
+                <a:spcPct val="110000"/>
+              </a:lnSpc>
+              <a:buSzPct val="100000"/>
+              <a:buChar char="•"/>
+              <a:defRPr>
+                <a:uFill>
+                  <a:solidFill>
+                    <a:schemeClr val="accent1"/>
+                  </a:solidFill>
+                </a:uFill>
+                <a:latin typeface="Arial"/>
+                <a:ea typeface="Arial"/>
+                <a:cs typeface="Arial"/>
+                <a:sym typeface="Arial"/>
+              </a:defRPr>
+            </a:lvl1pPr>
+          </a:lstStyle>
+          <a:p>
+            <a:pPr/>
+            <a:r>
+              <a:t>Nicht saturierende Funktionen vorteilhaft für Training mit Gradient Descent</a:t>
+            </a:r>
           </a:p>
         </p:txBody>
       </p:sp>
@@ -4447,7 +5525,1391 @@
       </p:grpSpPr>
       <p:sp>
         <p:nvSpPr>
-          <p:cNvPr id="163" name="Backpropagation Algorithmus"/>
+          <p:cNvPr id="170" name="Backpropagation Algorithmus"/>
+          <p:cNvSpPr txBox="1"/>
+          <p:nvPr>
+            <p:ph type="title"/>
+          </p:nvPr>
+        </p:nvSpPr>
+        <p:spPr>
+          <a:xfrm>
+            <a:off x="323849" y="404664"/>
+            <a:ext cx="6335715" cy="792090"/>
+          </a:xfrm>
+          <a:prstGeom prst="rect">
+            <a:avLst/>
+          </a:prstGeom>
+        </p:spPr>
+        <p:txBody>
+          <a:bodyPr/>
+          <a:lstStyle/>
+          <a:p>
+            <a:pPr/>
+            <a:r>
+              <a:t>Feedforward Netzwerke</a:t>
+            </a:r>
+          </a:p>
+        </p:txBody>
+      </p:sp>
+      <p:sp>
+        <p:nvSpPr>
+          <p:cNvPr id="171" name="Textmasterformate durch Klicken bearbeiten"/>
+          <p:cNvSpPr txBox="1"/>
+          <p:nvPr>
+            <p:ph type="body" idx="1"/>
+          </p:nvPr>
+        </p:nvSpPr>
+        <p:spPr>
+          <a:xfrm>
+            <a:off x="196849" y="939800"/>
+            <a:ext cx="8496623" cy="8496105"/>
+          </a:xfrm>
+          <a:prstGeom prst="rect">
+            <a:avLst/>
+          </a:prstGeom>
+        </p:spPr>
+        <p:txBody>
+          <a:bodyPr/>
+          <a:lstStyle/>
+          <a:p>
+            <a:pPr marL="180473" indent="-180473">
+              <a:spcBef>
+                <a:spcPts val="3200"/>
+              </a:spcBef>
+              <a:buSzPct val="100000"/>
+              <a:buChar char="•"/>
+              <a:defRPr b="0" sz="1800">
+                <a:solidFill>
+                  <a:srgbClr val="000000"/>
+                </a:solidFill>
+                <a:uFill>
+                  <a:solidFill>
+                    <a:schemeClr val="accent1"/>
+                  </a:solidFill>
+                </a:uFill>
+              </a:defRPr>
+            </a:pPr>
+            <a:r>
+              <a:t>Viele Hidden Layers bei                                                                                             Deep Learning</a:t>
+            </a:r>
+          </a:p>
+          <a:p>
+            <a:pPr marL="180473" indent="-180473">
+              <a:lnSpc>
+                <a:spcPct val="130000"/>
+              </a:lnSpc>
+              <a:spcBef>
+                <a:spcPts val="3200"/>
+              </a:spcBef>
+              <a:buSzPct val="100000"/>
+              <a:buChar char="•"/>
+              <a:defRPr b="0" sz="1800">
+                <a:solidFill>
+                  <a:srgbClr val="000000"/>
+                </a:solidFill>
+                <a:uFill>
+                  <a:solidFill>
+                    <a:schemeClr val="accent1"/>
+                  </a:solidFill>
+                </a:uFill>
+              </a:defRPr>
+            </a:pPr>
+            <a:r>
+              <a:t>Oft mit Softmaxfunktion                                                                     </a:t>
+            </a:r>
+            <a14:m>
+              <m:oMath>
+                <m:r>
+                  <a:rPr xmlns:a="http://schemas.openxmlformats.org/drawingml/2006/main" sz="2150" i="1">
+                    <a:solidFill>
+                      <a:srgbClr val="000000"/>
+                    </a:solidFill>
+                    <a:latin typeface="Cambria Math" panose="02040503050406030204" pitchFamily="18" charset="0"/>
+                  </a:rPr>
+                  <m:t>σ</m:t>
+                </m:r>
+                <m:sSub>
+                  <m:e>
+                    <m:d>
+                      <m:dPr>
+                        <m:ctrlPr>
+                          <a:rPr xmlns:a="http://schemas.openxmlformats.org/drawingml/2006/main" sz="2150" i="1">
+                            <a:solidFill>
+                              <a:srgbClr val="000000"/>
+                            </a:solidFill>
+                            <a:latin typeface="Cambria Math" panose="02040503050406030204" pitchFamily="18" charset="0"/>
+                          </a:rPr>
+                        </m:ctrlPr>
+                      </m:dPr>
+                      <m:e>
+                        <m:limUpp>
+                          <m:e>
+                            <m:r>
+                              <a:rPr xmlns:a="http://schemas.openxmlformats.org/drawingml/2006/main" sz="2150" i="1">
+                                <a:solidFill>
+                                  <a:srgbClr val="000000"/>
+                                </a:solidFill>
+                                <a:latin typeface="Cambria Math" panose="02040503050406030204" pitchFamily="18" charset="0"/>
+                              </a:rPr>
+                              <m:t>a</m:t>
+                            </m:r>
+                          </m:e>
+                          <m:lim>
+                            <m:r>
+                              <a:rPr xmlns:a="http://schemas.openxmlformats.org/drawingml/2006/main" sz="2150" i="1">
+                                <a:solidFill>
+                                  <a:srgbClr val="000000"/>
+                                </a:solidFill>
+                                <a:latin typeface="Cambria Math" panose="02040503050406030204" pitchFamily="18" charset="0"/>
+                              </a:rPr>
+                              <m:t>⃗</m:t>
+                            </m:r>
+                          </m:lim>
+                        </m:limUpp>
+                      </m:e>
+                    </m:d>
+                  </m:e>
+                  <m:sub>
+                    <m:r>
+                      <a:rPr xmlns:a="http://schemas.openxmlformats.org/drawingml/2006/main" sz="2150" i="1">
+                        <a:solidFill>
+                          <a:srgbClr val="000000"/>
+                        </a:solidFill>
+                        <a:latin typeface="Cambria Math" panose="02040503050406030204" pitchFamily="18" charset="0"/>
+                      </a:rPr>
+                      <m:t>j</m:t>
+                    </m:r>
+                  </m:sub>
+                </m:sSub>
+                <m:r>
+                  <a:rPr xmlns:a="http://schemas.openxmlformats.org/drawingml/2006/main" sz="2150" i="1">
+                    <a:solidFill>
+                      <a:srgbClr val="000000"/>
+                    </a:solidFill>
+                    <a:latin typeface="Cambria Math" panose="02040503050406030204" pitchFamily="18" charset="0"/>
+                  </a:rPr>
+                  <m:t>=</m:t>
+                </m:r>
+                <m:f>
+                  <m:fPr>
+                    <m:ctrlPr>
+                      <a:rPr xmlns:a="http://schemas.openxmlformats.org/drawingml/2006/main" sz="2150" i="1">
+                        <a:solidFill>
+                          <a:srgbClr val="000000"/>
+                        </a:solidFill>
+                        <a:latin typeface="Cambria Math" panose="02040503050406030204" pitchFamily="18" charset="0"/>
+                      </a:rPr>
+                    </m:ctrlPr>
+                    <m:type m:val="bar"/>
+                  </m:fPr>
+                  <m:num>
+                    <m:sSup>
+                      <m:e>
+                        <m:r>
+                          <a:rPr xmlns:a="http://schemas.openxmlformats.org/drawingml/2006/main" sz="2150" i="1">
+                            <a:solidFill>
+                              <a:srgbClr val="000000"/>
+                            </a:solidFill>
+                            <a:latin typeface="Cambria Math" panose="02040503050406030204" pitchFamily="18" charset="0"/>
+                          </a:rPr>
+                          <m:t>e</m:t>
+                        </m:r>
+                      </m:e>
+                      <m:sup>
+                        <m:sSub>
+                          <m:e>
+                            <m:r>
+                              <a:rPr xmlns:a="http://schemas.openxmlformats.org/drawingml/2006/main" sz="2150" i="1">
+                                <a:solidFill>
+                                  <a:srgbClr val="000000"/>
+                                </a:solidFill>
+                                <a:latin typeface="Cambria Math" panose="02040503050406030204" pitchFamily="18" charset="0"/>
+                              </a:rPr>
+                              <m:t>a</m:t>
+                            </m:r>
+                          </m:e>
+                          <m:sub>
+                            <m:r>
+                              <a:rPr xmlns:a="http://schemas.openxmlformats.org/drawingml/2006/main" sz="2150" i="1">
+                                <a:solidFill>
+                                  <a:srgbClr val="000000"/>
+                                </a:solidFill>
+                                <a:latin typeface="Cambria Math" panose="02040503050406030204" pitchFamily="18" charset="0"/>
+                              </a:rPr>
+                              <m:t>j</m:t>
+                            </m:r>
+                          </m:sub>
+                        </m:sSub>
+                      </m:sup>
+                    </m:sSup>
+                  </m:num>
+                  <m:den>
+                    <m:nary>
+                      <m:naryPr>
+                        <m:ctrlPr>
+                          <a:rPr xmlns:a="http://schemas.openxmlformats.org/drawingml/2006/main" sz="2150" i="1">
+                            <a:solidFill>
+                              <a:srgbClr val="000000"/>
+                            </a:solidFill>
+                            <a:latin typeface="Cambria Math" panose="02040503050406030204" pitchFamily="18" charset="0"/>
+                          </a:rPr>
+                        </m:ctrlPr>
+                        <m:chr m:val="∑"/>
+                        <m:limLoc m:val="undOvr"/>
+                        <m:grow m:val="1"/>
+                        <m:subHide m:val="off"/>
+                        <m:supHide m:val="off"/>
+                      </m:naryPr>
+                      <m:sub>
+                        <m:r>
+                          <a:rPr xmlns:a="http://schemas.openxmlformats.org/drawingml/2006/main" sz="2150" i="1">
+                            <a:solidFill>
+                              <a:srgbClr val="000000"/>
+                            </a:solidFill>
+                            <a:latin typeface="Cambria Math" panose="02040503050406030204" pitchFamily="18" charset="0"/>
+                          </a:rPr>
+                          <m:t>i</m:t>
+                        </m:r>
+                        <m:r>
+                          <a:rPr xmlns:a="http://schemas.openxmlformats.org/drawingml/2006/main" sz="2150" i="1">
+                            <a:solidFill>
+                              <a:srgbClr val="000000"/>
+                            </a:solidFill>
+                            <a:latin typeface="Cambria Math" panose="02040503050406030204" pitchFamily="18" charset="0"/>
+                          </a:rPr>
+                          <m:t>=</m:t>
+                        </m:r>
+                        <m:r>
+                          <a:rPr xmlns:a="http://schemas.openxmlformats.org/drawingml/2006/main" sz="2150" i="1">
+                            <a:solidFill>
+                              <a:srgbClr val="000000"/>
+                            </a:solidFill>
+                            <a:latin typeface="Cambria Math" panose="02040503050406030204" pitchFamily="18" charset="0"/>
+                          </a:rPr>
+                          <m:t>1</m:t>
+                        </m:r>
+                      </m:sub>
+                      <m:sup>
+                        <m:r>
+                          <a:rPr xmlns:a="http://schemas.openxmlformats.org/drawingml/2006/main" sz="2150" i="1">
+                            <a:solidFill>
+                              <a:srgbClr val="000000"/>
+                            </a:solidFill>
+                            <a:latin typeface="Cambria Math" panose="02040503050406030204" pitchFamily="18" charset="0"/>
+                          </a:rPr>
+                          <m:t>M</m:t>
+                        </m:r>
+                      </m:sup>
+                      <m:e>
+                        <m:sSup>
+                          <m:e>
+                            <m:r>
+                              <a:rPr xmlns:a="http://schemas.openxmlformats.org/drawingml/2006/main" sz="2150" i="1">
+                                <a:solidFill>
+                                  <a:srgbClr val="000000"/>
+                                </a:solidFill>
+                                <a:latin typeface="Cambria Math" panose="02040503050406030204" pitchFamily="18" charset="0"/>
+                              </a:rPr>
+                              <m:t>e</m:t>
+                            </m:r>
+                          </m:e>
+                          <m:sup>
+                            <m:sSub>
+                              <m:e>
+                                <m:r>
+                                  <a:rPr xmlns:a="http://schemas.openxmlformats.org/drawingml/2006/main" sz="2150" i="1">
+                                    <a:solidFill>
+                                      <a:srgbClr val="000000"/>
+                                    </a:solidFill>
+                                    <a:latin typeface="Cambria Math" panose="02040503050406030204" pitchFamily="18" charset="0"/>
+                                  </a:rPr>
+                                  <m:t>a</m:t>
+                                </m:r>
+                              </m:e>
+                              <m:sub>
+                                <m:r>
+                                  <a:rPr xmlns:a="http://schemas.openxmlformats.org/drawingml/2006/main" sz="2150" i="1">
+                                    <a:solidFill>
+                                      <a:srgbClr val="000000"/>
+                                    </a:solidFill>
+                                    <a:latin typeface="Cambria Math" panose="02040503050406030204" pitchFamily="18" charset="0"/>
+                                  </a:rPr>
+                                  <m:t>i</m:t>
+                                </m:r>
+                              </m:sub>
+                            </m:sSub>
+                          </m:sup>
+                        </m:sSup>
+                      </m:e>
+                    </m:nary>
+                  </m:den>
+                </m:f>
+              </m:oMath>
+            </a14:m>
+            <a:r>
+              <a:t>, </a:t>
+            </a:r>
+            <a14:m>
+              <m:oMath>
+                <m:r>
+                  <a:rPr xmlns:a="http://schemas.openxmlformats.org/drawingml/2006/main" sz="2050" i="1">
+                    <a:solidFill>
+                      <a:srgbClr val="000000"/>
+                    </a:solidFill>
+                    <a:latin typeface="Cambria Math" panose="02040503050406030204" pitchFamily="18" charset="0"/>
+                  </a:rPr>
+                  <m:t>j</m:t>
+                </m:r>
+                <m:r>
+                  <a:rPr xmlns:a="http://schemas.openxmlformats.org/drawingml/2006/main" sz="2050" i="1">
+                    <a:solidFill>
+                      <a:srgbClr val="000000"/>
+                    </a:solidFill>
+                    <a:latin typeface="Cambria Math" panose="02040503050406030204" pitchFamily="18" charset="0"/>
+                  </a:rPr>
+                  <m:t>=</m:t>
+                </m:r>
+                <m:r>
+                  <a:rPr xmlns:a="http://schemas.openxmlformats.org/drawingml/2006/main" sz="2050" i="1">
+                    <a:solidFill>
+                      <a:srgbClr val="000000"/>
+                    </a:solidFill>
+                    <a:latin typeface="Cambria Math" panose="02040503050406030204" pitchFamily="18" charset="0"/>
+                  </a:rPr>
+                  <m:t>1,</m:t>
+                </m:r>
+                <m:r>
+                  <a:rPr xmlns:a="http://schemas.openxmlformats.org/drawingml/2006/main" sz="2050" i="1">
+                    <a:solidFill>
+                      <a:srgbClr val="000000"/>
+                    </a:solidFill>
+                    <a:latin typeface="Cambria Math" panose="02040503050406030204" pitchFamily="18" charset="0"/>
+                  </a:rPr>
+                  <m:t>…</m:t>
+                </m:r>
+                <m:r>
+                  <a:rPr xmlns:a="http://schemas.openxmlformats.org/drawingml/2006/main" sz="2050" i="1">
+                    <a:solidFill>
+                      <a:srgbClr val="000000"/>
+                    </a:solidFill>
+                    <a:latin typeface="Cambria Math" panose="02040503050406030204" pitchFamily="18" charset="0"/>
+                  </a:rPr>
+                  <m:t>,</m:t>
+                </m:r>
+                <m:r>
+                  <a:rPr xmlns:a="http://schemas.openxmlformats.org/drawingml/2006/main" sz="2050" i="1">
+                    <a:solidFill>
+                      <a:srgbClr val="000000"/>
+                    </a:solidFill>
+                    <a:latin typeface="Cambria Math" panose="02040503050406030204" pitchFamily="18" charset="0"/>
+                  </a:rPr>
+                  <m:t>M</m:t>
+                </m:r>
+              </m:oMath>
+            </a14:m>
+            <a:r>
+              <a:t>                                                                                                                                                          als Aktivierungsfunktion der Output-                                                                                   Layer bei Klassifizierungsproblemen</a:t>
+            </a:r>
+          </a:p>
+          <a:p>
+            <a:pPr marL="180473" indent="-180473">
+              <a:spcBef>
+                <a:spcPts val="3200"/>
+              </a:spcBef>
+              <a:buSzPct val="100000"/>
+              <a:buChar char="•"/>
+              <a:defRPr b="0" sz="1800">
+                <a:solidFill>
+                  <a:srgbClr val="000000"/>
+                </a:solidFill>
+                <a:uFill>
+                  <a:solidFill>
+                    <a:schemeClr val="accent1"/>
+                  </a:solidFill>
+                </a:uFill>
+              </a:defRPr>
+            </a:pPr>
+            <a:r>
+              <a:t>Forward propagation durch das Netzwerk:</a:t>
+            </a:r>
+            <a14:m>
+              <m:oMath>
+                <m:sSub>
+                  <m:e>
+                    <m:r>
+                      <a:rPr xmlns:a="http://schemas.openxmlformats.org/drawingml/2006/main" sz="2000" i="1">
+                        <a:solidFill>
+                          <a:srgbClr val="000000"/>
+                        </a:solidFill>
+                        <a:latin typeface="Cambria Math" panose="02040503050406030204" pitchFamily="18" charset="0"/>
+                      </a:rPr>
+                      <m:t>y</m:t>
+                    </m:r>
+                  </m:e>
+                  <m:sub>
+                    <m:r>
+                      <a:rPr xmlns:a="http://schemas.openxmlformats.org/drawingml/2006/main" sz="2000" i="1">
+                        <a:solidFill>
+                          <a:srgbClr val="000000"/>
+                        </a:solidFill>
+                        <a:latin typeface="Cambria Math" panose="02040503050406030204" pitchFamily="18" charset="0"/>
+                      </a:rPr>
+                      <m:t>k</m:t>
+                    </m:r>
+                  </m:sub>
+                </m:sSub>
+                <m:r>
+                  <a:rPr xmlns:a="http://schemas.openxmlformats.org/drawingml/2006/main" sz="2000" i="1">
+                    <a:solidFill>
+                      <a:srgbClr val="000000"/>
+                    </a:solidFill>
+                    <a:latin typeface="Cambria Math" panose="02040503050406030204" pitchFamily="18" charset="0"/>
+                  </a:rPr>
+                  <m:t>=</m:t>
+                </m:r>
+                <m:r>
+                  <a:rPr xmlns:a="http://schemas.openxmlformats.org/drawingml/2006/main" sz="2000" i="1">
+                    <a:solidFill>
+                      <a:srgbClr val="000000"/>
+                    </a:solidFill>
+                    <a:latin typeface="Cambria Math" panose="02040503050406030204" pitchFamily="18" charset="0"/>
+                  </a:rPr>
+                  <m:t>σ</m:t>
+                </m:r>
+                <m:d>
+                  <m:dPr>
+                    <m:ctrlPr>
+                      <a:rPr xmlns:a="http://schemas.openxmlformats.org/drawingml/2006/main" sz="2000" i="1">
+                        <a:solidFill>
+                          <a:srgbClr val="000000"/>
+                        </a:solidFill>
+                        <a:latin typeface="Cambria Math" panose="02040503050406030204" pitchFamily="18" charset="0"/>
+                      </a:rPr>
+                    </m:ctrlPr>
+                  </m:dPr>
+                  <m:e>
+                    <m:limUpp>
+                      <m:e>
+                        <m:limLow>
+                          <m:e>
+                            <m:r>
+                              <a:rPr xmlns:a="http://schemas.openxmlformats.org/drawingml/2006/main" sz="2000" i="1">
+                                <a:solidFill>
+                                  <a:srgbClr val="000000"/>
+                                </a:solidFill>
+                                <a:latin typeface="Cambria Math" panose="02040503050406030204" pitchFamily="18" charset="0"/>
+                              </a:rPr>
+                              <m:t>∑</m:t>
+                            </m:r>
+                          </m:e>
+                          <m:lim>
+                            <m:r>
+                              <a:rPr xmlns:a="http://schemas.openxmlformats.org/drawingml/2006/main" sz="2000" i="1">
+                                <a:solidFill>
+                                  <a:srgbClr val="000000"/>
+                                </a:solidFill>
+                                <a:latin typeface="Cambria Math" panose="02040503050406030204" pitchFamily="18" charset="0"/>
+                              </a:rPr>
+                              <m:t>j</m:t>
+                            </m:r>
+                            <m:r>
+                              <a:rPr xmlns:a="http://schemas.openxmlformats.org/drawingml/2006/main" sz="2000" i="1">
+                                <a:solidFill>
+                                  <a:srgbClr val="000000"/>
+                                </a:solidFill>
+                                <a:latin typeface="Cambria Math" panose="02040503050406030204" pitchFamily="18" charset="0"/>
+                              </a:rPr>
+                              <m:t>=</m:t>
+                            </m:r>
+                            <m:r>
+                              <a:rPr xmlns:a="http://schemas.openxmlformats.org/drawingml/2006/main" sz="2000" i="1">
+                                <a:solidFill>
+                                  <a:srgbClr val="000000"/>
+                                </a:solidFill>
+                                <a:latin typeface="Cambria Math" panose="02040503050406030204" pitchFamily="18" charset="0"/>
+                              </a:rPr>
+                              <m:t>1</m:t>
+                            </m:r>
+                          </m:lim>
+                        </m:limLow>
+                      </m:e>
+                      <m:lim>
+                        <m:r>
+                          <a:rPr xmlns:a="http://schemas.openxmlformats.org/drawingml/2006/main" sz="2000" i="1">
+                            <a:solidFill>
+                              <a:srgbClr val="000000"/>
+                            </a:solidFill>
+                            <a:latin typeface="Cambria Math" panose="02040503050406030204" pitchFamily="18" charset="0"/>
+                          </a:rPr>
+                          <m:t>M</m:t>
+                        </m:r>
+                      </m:lim>
+                    </m:limUpp>
+                    <m:sSubSup>
+                      <m:e>
+                        <m:r>
+                          <a:rPr xmlns:a="http://schemas.openxmlformats.org/drawingml/2006/main" sz="2000" i="1">
+                            <a:solidFill>
+                              <a:srgbClr val="000000"/>
+                            </a:solidFill>
+                            <a:latin typeface="Cambria Math" panose="02040503050406030204" pitchFamily="18" charset="0"/>
+                          </a:rPr>
+                          <m:t>w</m:t>
+                        </m:r>
+                      </m:e>
+                      <m:sub>
+                        <m:r>
+                          <a:rPr xmlns:a="http://schemas.openxmlformats.org/drawingml/2006/main" sz="2000" i="1">
+                            <a:solidFill>
+                              <a:srgbClr val="000000"/>
+                            </a:solidFill>
+                            <a:latin typeface="Cambria Math" panose="02040503050406030204" pitchFamily="18" charset="0"/>
+                          </a:rPr>
+                          <m:t>j</m:t>
+                        </m:r>
+                        <m:r>
+                          <a:rPr xmlns:a="http://schemas.openxmlformats.org/drawingml/2006/main" sz="2000" i="1">
+                            <a:solidFill>
+                              <a:srgbClr val="000000"/>
+                            </a:solidFill>
+                            <a:latin typeface="Cambria Math" panose="02040503050406030204" pitchFamily="18" charset="0"/>
+                          </a:rPr>
+                          <m:t>k</m:t>
+                        </m:r>
+                      </m:sub>
+                      <m:sup>
+                        <m:r>
+                          <a:rPr xmlns:a="http://schemas.openxmlformats.org/drawingml/2006/main" sz="2000" i="1">
+                            <a:solidFill>
+                              <a:srgbClr val="000000"/>
+                            </a:solidFill>
+                            <a:latin typeface="Cambria Math" panose="02040503050406030204" pitchFamily="18" charset="0"/>
+                          </a:rPr>
+                          <m:t>(</m:t>
+                        </m:r>
+                        <m:r>
+                          <a:rPr xmlns:a="http://schemas.openxmlformats.org/drawingml/2006/main" sz="2000" i="1">
+                            <a:solidFill>
+                              <a:srgbClr val="000000"/>
+                            </a:solidFill>
+                            <a:latin typeface="Cambria Math" panose="02040503050406030204" pitchFamily="18" charset="0"/>
+                          </a:rPr>
+                          <m:t>N</m:t>
+                        </m:r>
+                        <m:r>
+                          <a:rPr xmlns:a="http://schemas.openxmlformats.org/drawingml/2006/main" sz="2000" i="1">
+                            <a:solidFill>
+                              <a:srgbClr val="000000"/>
+                            </a:solidFill>
+                            <a:latin typeface="Cambria Math" panose="02040503050406030204" pitchFamily="18" charset="0"/>
+                          </a:rPr>
+                          <m:t>)</m:t>
+                        </m:r>
+                      </m:sup>
+                    </m:sSubSup>
+                    <m:r>
+                      <a:rPr xmlns:a="http://schemas.openxmlformats.org/drawingml/2006/main" sz="2000" i="1">
+                        <a:solidFill>
+                          <a:srgbClr val="000000"/>
+                        </a:solidFill>
+                        <a:latin typeface="Cambria Math" panose="02040503050406030204" pitchFamily="18" charset="0"/>
+                      </a:rPr>
+                      <m:t>⋅</m:t>
+                    </m:r>
+                    <m:r>
+                      <a:rPr xmlns:a="http://schemas.openxmlformats.org/drawingml/2006/main" sz="2000" i="1">
+                        <a:solidFill>
+                          <a:srgbClr val="000000"/>
+                        </a:solidFill>
+                        <a:latin typeface="Cambria Math" panose="02040503050406030204" pitchFamily="18" charset="0"/>
+                      </a:rPr>
+                      <m:t>f</m:t>
+                    </m:r>
+                    <m:d>
+                      <m:dPr>
+                        <m:ctrlPr>
+                          <a:rPr xmlns:a="http://schemas.openxmlformats.org/drawingml/2006/main" sz="2000" i="1">
+                            <a:solidFill>
+                              <a:srgbClr val="000000"/>
+                            </a:solidFill>
+                            <a:latin typeface="Cambria Math" panose="02040503050406030204" pitchFamily="18" charset="0"/>
+                          </a:rPr>
+                        </m:ctrlPr>
+                      </m:dPr>
+                      <m:e>
+                        <m:r>
+                          <a:rPr xmlns:a="http://schemas.openxmlformats.org/drawingml/2006/main" sz="2000" i="1">
+                            <a:solidFill>
+                              <a:srgbClr val="000000"/>
+                            </a:solidFill>
+                            <a:latin typeface="Cambria Math" panose="02040503050406030204" pitchFamily="18" charset="0"/>
+                          </a:rPr>
+                          <m:t>⋯</m:t>
+                        </m:r>
+                        <m:r>
+                          <a:rPr xmlns:a="http://schemas.openxmlformats.org/drawingml/2006/main" sz="2000" i="1">
+                            <a:solidFill>
+                              <a:srgbClr val="000000"/>
+                            </a:solidFill>
+                            <a:latin typeface="Cambria Math" panose="02040503050406030204" pitchFamily="18" charset="0"/>
+                          </a:rPr>
+                          <m:t>f</m:t>
+                        </m:r>
+                        <m:d>
+                          <m:dPr>
+                            <m:ctrlPr>
+                              <a:rPr xmlns:a="http://schemas.openxmlformats.org/drawingml/2006/main" sz="2000" i="1">
+                                <a:solidFill>
+                                  <a:srgbClr val="000000"/>
+                                </a:solidFill>
+                                <a:latin typeface="Cambria Math" panose="02040503050406030204" pitchFamily="18" charset="0"/>
+                              </a:rPr>
+                            </m:ctrlPr>
+                          </m:dPr>
+                          <m:e>
+                            <m:limUpp>
+                              <m:e>
+                                <m:limLow>
+                                  <m:e>
+                                    <m:r>
+                                      <a:rPr xmlns:a="http://schemas.openxmlformats.org/drawingml/2006/main" sz="2000" i="1">
+                                        <a:solidFill>
+                                          <a:srgbClr val="000000"/>
+                                        </a:solidFill>
+                                        <a:latin typeface="Cambria Math" panose="02040503050406030204" pitchFamily="18" charset="0"/>
+                                      </a:rPr>
+                                      <m:t>∑</m:t>
+                                    </m:r>
+                                  </m:e>
+                                  <m:lim>
+                                    <m:r>
+                                      <a:rPr xmlns:a="http://schemas.openxmlformats.org/drawingml/2006/main" sz="2000" i="1">
+                                        <a:solidFill>
+                                          <a:srgbClr val="000000"/>
+                                        </a:solidFill>
+                                        <a:latin typeface="Cambria Math" panose="02040503050406030204" pitchFamily="18" charset="0"/>
+                                      </a:rPr>
+                                      <m:t>l</m:t>
+                                    </m:r>
+                                    <m:r>
+                                      <a:rPr xmlns:a="http://schemas.openxmlformats.org/drawingml/2006/main" sz="2000" i="1">
+                                        <a:solidFill>
+                                          <a:srgbClr val="000000"/>
+                                        </a:solidFill>
+                                        <a:latin typeface="Cambria Math" panose="02040503050406030204" pitchFamily="18" charset="0"/>
+                                      </a:rPr>
+                                      <m:t>=</m:t>
+                                    </m:r>
+                                    <m:r>
+                                      <a:rPr xmlns:a="http://schemas.openxmlformats.org/drawingml/2006/main" sz="2000" i="1">
+                                        <a:solidFill>
+                                          <a:srgbClr val="000000"/>
+                                        </a:solidFill>
+                                        <a:latin typeface="Cambria Math" panose="02040503050406030204" pitchFamily="18" charset="0"/>
+                                      </a:rPr>
+                                      <m:t>0</m:t>
+                                    </m:r>
+                                  </m:lim>
+                                </m:limLow>
+                              </m:e>
+                              <m:lim>
+                                <m:r>
+                                  <a:rPr xmlns:a="http://schemas.openxmlformats.org/drawingml/2006/main" sz="2000" i="1">
+                                    <a:solidFill>
+                                      <a:srgbClr val="000000"/>
+                                    </a:solidFill>
+                                    <a:latin typeface="Cambria Math" panose="02040503050406030204" pitchFamily="18" charset="0"/>
+                                  </a:rPr>
+                                  <m:t>H</m:t>
+                                </m:r>
+                              </m:lim>
+                            </m:limUpp>
+                            <m:sSubSup>
+                              <m:e>
+                                <m:r>
+                                  <a:rPr xmlns:a="http://schemas.openxmlformats.org/drawingml/2006/main" sz="2000" i="1">
+                                    <a:solidFill>
+                                      <a:srgbClr val="000000"/>
+                                    </a:solidFill>
+                                    <a:latin typeface="Cambria Math" panose="02040503050406030204" pitchFamily="18" charset="0"/>
+                                  </a:rPr>
+                                  <m:t>w</m:t>
+                                </m:r>
+                              </m:e>
+                              <m:sub>
+                                <m:r>
+                                  <a:rPr xmlns:a="http://schemas.openxmlformats.org/drawingml/2006/main" sz="2000" i="1">
+                                    <a:solidFill>
+                                      <a:srgbClr val="000000"/>
+                                    </a:solidFill>
+                                    <a:latin typeface="Cambria Math" panose="02040503050406030204" pitchFamily="18" charset="0"/>
+                                  </a:rPr>
+                                  <m:t>h</m:t>
+                                </m:r>
+                                <m:r>
+                                  <a:rPr xmlns:a="http://schemas.openxmlformats.org/drawingml/2006/main" sz="2000" i="1">
+                                    <a:solidFill>
+                                      <a:srgbClr val="000000"/>
+                                    </a:solidFill>
+                                    <a:latin typeface="Cambria Math" panose="02040503050406030204" pitchFamily="18" charset="0"/>
+                                  </a:rPr>
+                                  <m:t>l</m:t>
+                                </m:r>
+                              </m:sub>
+                              <m:sup>
+                                <m:r>
+                                  <a:rPr xmlns:a="http://schemas.openxmlformats.org/drawingml/2006/main" sz="2000" i="1">
+                                    <a:solidFill>
+                                      <a:srgbClr val="000000"/>
+                                    </a:solidFill>
+                                    <a:latin typeface="Cambria Math" panose="02040503050406030204" pitchFamily="18" charset="0"/>
+                                  </a:rPr>
+                                  <m:t>(</m:t>
+                                </m:r>
+                                <m:r>
+                                  <a:rPr xmlns:a="http://schemas.openxmlformats.org/drawingml/2006/main" sz="2000" i="1">
+                                    <a:solidFill>
+                                      <a:srgbClr val="000000"/>
+                                    </a:solidFill>
+                                    <a:latin typeface="Cambria Math" panose="02040503050406030204" pitchFamily="18" charset="0"/>
+                                  </a:rPr>
+                                  <m:t>2</m:t>
+                                </m:r>
+                                <m:r>
+                                  <a:rPr xmlns:a="http://schemas.openxmlformats.org/drawingml/2006/main" sz="2000" i="1">
+                                    <a:solidFill>
+                                      <a:srgbClr val="000000"/>
+                                    </a:solidFill>
+                                    <a:latin typeface="Cambria Math" panose="02040503050406030204" pitchFamily="18" charset="0"/>
+                                  </a:rPr>
+                                  <m:t>)</m:t>
+                                </m:r>
+                              </m:sup>
+                            </m:sSubSup>
+                            <m:r>
+                              <a:rPr xmlns:a="http://schemas.openxmlformats.org/drawingml/2006/main" sz="2000" i="1">
+                                <a:solidFill>
+                                  <a:srgbClr val="000000"/>
+                                </a:solidFill>
+                                <a:latin typeface="Cambria Math" panose="02040503050406030204" pitchFamily="18" charset="0"/>
+                              </a:rPr>
+                              <m:t>⋅</m:t>
+                            </m:r>
+                            <m:r>
+                              <a:rPr xmlns:a="http://schemas.openxmlformats.org/drawingml/2006/main" sz="2000" i="1">
+                                <a:solidFill>
+                                  <a:srgbClr val="000000"/>
+                                </a:solidFill>
+                                <a:latin typeface="Cambria Math" panose="02040503050406030204" pitchFamily="18" charset="0"/>
+                              </a:rPr>
+                              <m:t>f</m:t>
+                            </m:r>
+                            <m:d>
+                              <m:dPr>
+                                <m:ctrlPr>
+                                  <a:rPr xmlns:a="http://schemas.openxmlformats.org/drawingml/2006/main" sz="2000" i="1">
+                                    <a:solidFill>
+                                      <a:srgbClr val="000000"/>
+                                    </a:solidFill>
+                                    <a:latin typeface="Cambria Math" panose="02040503050406030204" pitchFamily="18" charset="0"/>
+                                  </a:rPr>
+                                </m:ctrlPr>
+                              </m:dPr>
+                              <m:e>
+                                <m:limUpp>
+                                  <m:e>
+                                    <m:limLow>
+                                      <m:e>
+                                        <m:r>
+                                          <a:rPr xmlns:a="http://schemas.openxmlformats.org/drawingml/2006/main" sz="2000" i="1">
+                                            <a:solidFill>
+                                              <a:srgbClr val="000000"/>
+                                            </a:solidFill>
+                                            <a:latin typeface="Cambria Math" panose="02040503050406030204" pitchFamily="18" charset="0"/>
+                                          </a:rPr>
+                                          <m:t>∑</m:t>
+                                        </m:r>
+                                      </m:e>
+                                      <m:lim>
+                                        <m:r>
+                                          <a:rPr xmlns:a="http://schemas.openxmlformats.org/drawingml/2006/main" sz="2000" i="1">
+                                            <a:solidFill>
+                                              <a:srgbClr val="000000"/>
+                                            </a:solidFill>
+                                            <a:latin typeface="Cambria Math" panose="02040503050406030204" pitchFamily="18" charset="0"/>
+                                          </a:rPr>
+                                          <m:t>i</m:t>
+                                        </m:r>
+                                        <m:r>
+                                          <a:rPr xmlns:a="http://schemas.openxmlformats.org/drawingml/2006/main" sz="2000" i="1">
+                                            <a:solidFill>
+                                              <a:srgbClr val="000000"/>
+                                            </a:solidFill>
+                                            <a:latin typeface="Cambria Math" panose="02040503050406030204" pitchFamily="18" charset="0"/>
+                                          </a:rPr>
+                                          <m:t>=</m:t>
+                                        </m:r>
+                                        <m:r>
+                                          <a:rPr xmlns:a="http://schemas.openxmlformats.org/drawingml/2006/main" sz="2000" i="1">
+                                            <a:solidFill>
+                                              <a:srgbClr val="000000"/>
+                                            </a:solidFill>
+                                            <a:latin typeface="Cambria Math" panose="02040503050406030204" pitchFamily="18" charset="0"/>
+                                          </a:rPr>
+                                          <m:t>0</m:t>
+                                        </m:r>
+                                      </m:lim>
+                                    </m:limLow>
+                                  </m:e>
+                                  <m:lim>
+                                    <m:r>
+                                      <a:rPr xmlns:a="http://schemas.openxmlformats.org/drawingml/2006/main" sz="2000" i="1">
+                                        <a:solidFill>
+                                          <a:srgbClr val="000000"/>
+                                        </a:solidFill>
+                                        <a:latin typeface="Cambria Math" panose="02040503050406030204" pitchFamily="18" charset="0"/>
+                                      </a:rPr>
+                                      <m:t>D</m:t>
+                                    </m:r>
+                                  </m:lim>
+                                </m:limUpp>
+                                <m:sSubSup>
+                                  <m:e>
+                                    <m:r>
+                                      <a:rPr xmlns:a="http://schemas.openxmlformats.org/drawingml/2006/main" sz="2000" i="1">
+                                        <a:solidFill>
+                                          <a:srgbClr val="000000"/>
+                                        </a:solidFill>
+                                        <a:latin typeface="Cambria Math" panose="02040503050406030204" pitchFamily="18" charset="0"/>
+                                      </a:rPr>
+                                      <m:t>w</m:t>
+                                    </m:r>
+                                  </m:e>
+                                  <m:sub>
+                                    <m:r>
+                                      <a:rPr xmlns:a="http://schemas.openxmlformats.org/drawingml/2006/main" sz="2000" i="1">
+                                        <a:solidFill>
+                                          <a:srgbClr val="000000"/>
+                                        </a:solidFill>
+                                        <a:latin typeface="Cambria Math" panose="02040503050406030204" pitchFamily="18" charset="0"/>
+                                      </a:rPr>
+                                      <m:t>l</m:t>
+                                    </m:r>
+                                    <m:r>
+                                      <a:rPr xmlns:a="http://schemas.openxmlformats.org/drawingml/2006/main" sz="2000" i="1">
+                                        <a:solidFill>
+                                          <a:srgbClr val="000000"/>
+                                        </a:solidFill>
+                                        <a:latin typeface="Cambria Math" panose="02040503050406030204" pitchFamily="18" charset="0"/>
+                                      </a:rPr>
+                                      <m:t>i</m:t>
+                                    </m:r>
+                                  </m:sub>
+                                  <m:sup>
+                                    <m:r>
+                                      <a:rPr xmlns:a="http://schemas.openxmlformats.org/drawingml/2006/main" sz="2000" i="1">
+                                        <a:solidFill>
+                                          <a:srgbClr val="000000"/>
+                                        </a:solidFill>
+                                        <a:latin typeface="Cambria Math" panose="02040503050406030204" pitchFamily="18" charset="0"/>
+                                      </a:rPr>
+                                      <m:t>(</m:t>
+                                    </m:r>
+                                    <m:r>
+                                      <a:rPr xmlns:a="http://schemas.openxmlformats.org/drawingml/2006/main" sz="2000" i="1">
+                                        <a:solidFill>
+                                          <a:srgbClr val="000000"/>
+                                        </a:solidFill>
+                                        <a:latin typeface="Cambria Math" panose="02040503050406030204" pitchFamily="18" charset="0"/>
+                                      </a:rPr>
+                                      <m:t>1</m:t>
+                                    </m:r>
+                                    <m:r>
+                                      <a:rPr xmlns:a="http://schemas.openxmlformats.org/drawingml/2006/main" sz="2000" i="1">
+                                        <a:solidFill>
+                                          <a:srgbClr val="000000"/>
+                                        </a:solidFill>
+                                        <a:latin typeface="Cambria Math" panose="02040503050406030204" pitchFamily="18" charset="0"/>
+                                      </a:rPr>
+                                      <m:t>)</m:t>
+                                    </m:r>
+                                  </m:sup>
+                                </m:sSubSup>
+                                <m:sSubSup>
+                                  <m:e>
+                                    <m:r>
+                                      <a:rPr xmlns:a="http://schemas.openxmlformats.org/drawingml/2006/main" sz="2000" i="1">
+                                        <a:solidFill>
+                                          <a:srgbClr val="000000"/>
+                                        </a:solidFill>
+                                        <a:latin typeface="Cambria Math" panose="02040503050406030204" pitchFamily="18" charset="0"/>
+                                      </a:rPr>
+                                      <m:t>x</m:t>
+                                    </m:r>
+                                  </m:e>
+                                  <m:sub>
+                                    <m:r>
+                                      <a:rPr xmlns:a="http://schemas.openxmlformats.org/drawingml/2006/main" sz="2000" i="1">
+                                        <a:solidFill>
+                                          <a:srgbClr val="000000"/>
+                                        </a:solidFill>
+                                        <a:latin typeface="Cambria Math" panose="02040503050406030204" pitchFamily="18" charset="0"/>
+                                      </a:rPr>
+                                      <m:t>i</m:t>
+                                    </m:r>
+                                  </m:sub>
+                                  <m:sup>
+                                    <m:r>
+                                      <a:rPr xmlns:a="http://schemas.openxmlformats.org/drawingml/2006/main" sz="2000" i="1">
+                                        <a:solidFill>
+                                          <a:srgbClr val="000000"/>
+                                        </a:solidFill>
+                                        <a:latin typeface="Cambria Math" panose="02040503050406030204" pitchFamily="18" charset="0"/>
+                                      </a:rPr>
+                                      <m:t>(</m:t>
+                                    </m:r>
+                                    <m:r>
+                                      <a:rPr xmlns:a="http://schemas.openxmlformats.org/drawingml/2006/main" sz="2000" i="1">
+                                        <a:solidFill>
+                                          <a:srgbClr val="000000"/>
+                                        </a:solidFill>
+                                        <a:latin typeface="Cambria Math" panose="02040503050406030204" pitchFamily="18" charset="0"/>
+                                      </a:rPr>
+                                      <m:t>1</m:t>
+                                    </m:r>
+                                    <m:r>
+                                      <a:rPr xmlns:a="http://schemas.openxmlformats.org/drawingml/2006/main" sz="2000" i="1">
+                                        <a:solidFill>
+                                          <a:srgbClr val="000000"/>
+                                        </a:solidFill>
+                                        <a:latin typeface="Cambria Math" panose="02040503050406030204" pitchFamily="18" charset="0"/>
+                                      </a:rPr>
+                                      <m:t>)</m:t>
+                                    </m:r>
+                                  </m:sup>
+                                </m:sSubSup>
+                                <m:r>
+                                  <a:rPr xmlns:a="http://schemas.openxmlformats.org/drawingml/2006/main" sz="2000" i="1">
+                                    <a:solidFill>
+                                      <a:srgbClr val="000000"/>
+                                    </a:solidFill>
+                                    <a:latin typeface="Cambria Math" panose="02040503050406030204" pitchFamily="18" charset="0"/>
+                                  </a:rPr>
+                                  <m:t>+</m:t>
+                                </m:r>
+                                <m:sSubSup>
+                                  <m:e>
+                                    <m:r>
+                                      <a:rPr xmlns:a="http://schemas.openxmlformats.org/drawingml/2006/main" sz="2000" i="1">
+                                        <a:solidFill>
+                                          <a:srgbClr val="000000"/>
+                                        </a:solidFill>
+                                        <a:latin typeface="Cambria Math" panose="02040503050406030204" pitchFamily="18" charset="0"/>
+                                      </a:rPr>
+                                      <m:t>w</m:t>
+                                    </m:r>
+                                  </m:e>
+                                  <m:sub>
+                                    <m:r>
+                                      <a:rPr xmlns:a="http://schemas.openxmlformats.org/drawingml/2006/main" sz="2000" i="1">
+                                        <a:solidFill>
+                                          <a:srgbClr val="000000"/>
+                                        </a:solidFill>
+                                        <a:latin typeface="Cambria Math" panose="02040503050406030204" pitchFamily="18" charset="0"/>
+                                      </a:rPr>
+                                      <m:t>l</m:t>
+                                    </m:r>
+                                    <m:r>
+                                      <a:rPr xmlns:a="http://schemas.openxmlformats.org/drawingml/2006/main" sz="2000" i="1">
+                                        <a:solidFill>
+                                          <a:srgbClr val="000000"/>
+                                        </a:solidFill>
+                                        <a:latin typeface="Cambria Math" panose="02040503050406030204" pitchFamily="18" charset="0"/>
+                                      </a:rPr>
+                                      <m:t>0</m:t>
+                                    </m:r>
+                                  </m:sub>
+                                  <m:sup>
+                                    <m:r>
+                                      <a:rPr xmlns:a="http://schemas.openxmlformats.org/drawingml/2006/main" sz="2000" i="1">
+                                        <a:solidFill>
+                                          <a:srgbClr val="000000"/>
+                                        </a:solidFill>
+                                        <a:latin typeface="Cambria Math" panose="02040503050406030204" pitchFamily="18" charset="0"/>
+                                      </a:rPr>
+                                      <m:t>(</m:t>
+                                    </m:r>
+                                    <m:r>
+                                      <a:rPr xmlns:a="http://schemas.openxmlformats.org/drawingml/2006/main" sz="2000" i="1">
+                                        <a:solidFill>
+                                          <a:srgbClr val="000000"/>
+                                        </a:solidFill>
+                                        <a:latin typeface="Cambria Math" panose="02040503050406030204" pitchFamily="18" charset="0"/>
+                                      </a:rPr>
+                                      <m:t>1</m:t>
+                                    </m:r>
+                                    <m:r>
+                                      <a:rPr xmlns:a="http://schemas.openxmlformats.org/drawingml/2006/main" sz="2000" i="1">
+                                        <a:solidFill>
+                                          <a:srgbClr val="000000"/>
+                                        </a:solidFill>
+                                        <a:latin typeface="Cambria Math" panose="02040503050406030204" pitchFamily="18" charset="0"/>
+                                      </a:rPr>
+                                      <m:t>)</m:t>
+                                    </m:r>
+                                  </m:sup>
+                                </m:sSubSup>
+                              </m:e>
+                            </m:d>
+                            <m:r>
+                              <a:rPr xmlns:a="http://schemas.openxmlformats.org/drawingml/2006/main" sz="2000" i="1">
+                                <a:solidFill>
+                                  <a:srgbClr val="000000"/>
+                                </a:solidFill>
+                                <a:latin typeface="Cambria Math" panose="02040503050406030204" pitchFamily="18" charset="0"/>
+                              </a:rPr>
+                              <m:t>+</m:t>
+                            </m:r>
+                            <m:sSubSup>
+                              <m:e>
+                                <m:r>
+                                  <a:rPr xmlns:a="http://schemas.openxmlformats.org/drawingml/2006/main" sz="2000" i="1">
+                                    <a:solidFill>
+                                      <a:srgbClr val="000000"/>
+                                    </a:solidFill>
+                                    <a:latin typeface="Cambria Math" panose="02040503050406030204" pitchFamily="18" charset="0"/>
+                                  </a:rPr>
+                                  <m:t>w</m:t>
+                                </m:r>
+                              </m:e>
+                              <m:sub>
+                                <m:r>
+                                  <a:rPr xmlns:a="http://schemas.openxmlformats.org/drawingml/2006/main" sz="2000" i="1">
+                                    <a:solidFill>
+                                      <a:srgbClr val="000000"/>
+                                    </a:solidFill>
+                                    <a:latin typeface="Cambria Math" panose="02040503050406030204" pitchFamily="18" charset="0"/>
+                                  </a:rPr>
+                                  <m:t>h</m:t>
+                                </m:r>
+                                <m:r>
+                                  <a:rPr xmlns:a="http://schemas.openxmlformats.org/drawingml/2006/main" sz="2000" i="1">
+                                    <a:solidFill>
+                                      <a:srgbClr val="000000"/>
+                                    </a:solidFill>
+                                    <a:latin typeface="Cambria Math" panose="02040503050406030204" pitchFamily="18" charset="0"/>
+                                  </a:rPr>
+                                  <m:t>0</m:t>
+                                </m:r>
+                              </m:sub>
+                              <m:sup>
+                                <m:r>
+                                  <a:rPr xmlns:a="http://schemas.openxmlformats.org/drawingml/2006/main" sz="2000" i="1">
+                                    <a:solidFill>
+                                      <a:srgbClr val="000000"/>
+                                    </a:solidFill>
+                                    <a:latin typeface="Cambria Math" panose="02040503050406030204" pitchFamily="18" charset="0"/>
+                                  </a:rPr>
+                                  <m:t>(</m:t>
+                                </m:r>
+                                <m:r>
+                                  <a:rPr xmlns:a="http://schemas.openxmlformats.org/drawingml/2006/main" sz="2000" i="1">
+                                    <a:solidFill>
+                                      <a:srgbClr val="000000"/>
+                                    </a:solidFill>
+                                    <a:latin typeface="Cambria Math" panose="02040503050406030204" pitchFamily="18" charset="0"/>
+                                  </a:rPr>
+                                  <m:t>2</m:t>
+                                </m:r>
+                                <m:r>
+                                  <a:rPr xmlns:a="http://schemas.openxmlformats.org/drawingml/2006/main" sz="2000" i="1">
+                                    <a:solidFill>
+                                      <a:srgbClr val="000000"/>
+                                    </a:solidFill>
+                                    <a:latin typeface="Cambria Math" panose="02040503050406030204" pitchFamily="18" charset="0"/>
+                                  </a:rPr>
+                                  <m:t>)</m:t>
+                                </m:r>
+                              </m:sup>
+                            </m:sSubSup>
+                          </m:e>
+                        </m:d>
+                        <m:r>
+                          <a:rPr xmlns:a="http://schemas.openxmlformats.org/drawingml/2006/main" sz="2000" i="1">
+                            <a:solidFill>
+                              <a:srgbClr val="000000"/>
+                            </a:solidFill>
+                            <a:latin typeface="Cambria Math" panose="02040503050406030204" pitchFamily="18" charset="0"/>
+                          </a:rPr>
+                          <m:t>+</m:t>
+                        </m:r>
+                        <m:r>
+                          <a:rPr xmlns:a="http://schemas.openxmlformats.org/drawingml/2006/main" sz="2000" i="1">
+                            <a:solidFill>
+                              <a:srgbClr val="000000"/>
+                            </a:solidFill>
+                            <a:latin typeface="Cambria Math" panose="02040503050406030204" pitchFamily="18" charset="0"/>
+                          </a:rPr>
+                          <m:t>⋯</m:t>
+                        </m:r>
+                      </m:e>
+                    </m:d>
+                    <m:r>
+                      <a:rPr xmlns:a="http://schemas.openxmlformats.org/drawingml/2006/main" sz="2000" i="1">
+                        <a:solidFill>
+                          <a:srgbClr val="000000"/>
+                        </a:solidFill>
+                        <a:latin typeface="Cambria Math" panose="02040503050406030204" pitchFamily="18" charset="0"/>
+                      </a:rPr>
+                      <m:t>+</m:t>
+                    </m:r>
+                    <m:sSubSup>
+                      <m:e>
+                        <m:r>
+                          <a:rPr xmlns:a="http://schemas.openxmlformats.org/drawingml/2006/main" sz="2000" i="1">
+                            <a:solidFill>
+                              <a:srgbClr val="000000"/>
+                            </a:solidFill>
+                            <a:latin typeface="Cambria Math" panose="02040503050406030204" pitchFamily="18" charset="0"/>
+                          </a:rPr>
+                          <m:t>w</m:t>
+                        </m:r>
+                      </m:e>
+                      <m:sub>
+                        <m:r>
+                          <a:rPr xmlns:a="http://schemas.openxmlformats.org/drawingml/2006/main" sz="2000" i="1">
+                            <a:solidFill>
+                              <a:srgbClr val="000000"/>
+                            </a:solidFill>
+                            <a:latin typeface="Cambria Math" panose="02040503050406030204" pitchFamily="18" charset="0"/>
+                          </a:rPr>
+                          <m:t>k</m:t>
+                        </m:r>
+                        <m:r>
+                          <a:rPr xmlns:a="http://schemas.openxmlformats.org/drawingml/2006/main" sz="2000" i="1">
+                            <a:solidFill>
+                              <a:srgbClr val="000000"/>
+                            </a:solidFill>
+                            <a:latin typeface="Cambria Math" panose="02040503050406030204" pitchFamily="18" charset="0"/>
+                          </a:rPr>
+                          <m:t>0</m:t>
+                        </m:r>
+                      </m:sub>
+                      <m:sup>
+                        <m:r>
+                          <a:rPr xmlns:a="http://schemas.openxmlformats.org/drawingml/2006/main" sz="2000" i="1">
+                            <a:solidFill>
+                              <a:srgbClr val="000000"/>
+                            </a:solidFill>
+                            <a:latin typeface="Cambria Math" panose="02040503050406030204" pitchFamily="18" charset="0"/>
+                          </a:rPr>
+                          <m:t>(</m:t>
+                        </m:r>
+                        <m:r>
+                          <a:rPr xmlns:a="http://schemas.openxmlformats.org/drawingml/2006/main" sz="2000" i="1">
+                            <a:solidFill>
+                              <a:srgbClr val="000000"/>
+                            </a:solidFill>
+                            <a:latin typeface="Cambria Math" panose="02040503050406030204" pitchFamily="18" charset="0"/>
+                          </a:rPr>
+                          <m:t>N</m:t>
+                        </m:r>
+                        <m:r>
+                          <a:rPr xmlns:a="http://schemas.openxmlformats.org/drawingml/2006/main" sz="2000" i="1">
+                            <a:solidFill>
+                              <a:srgbClr val="000000"/>
+                            </a:solidFill>
+                            <a:latin typeface="Cambria Math" panose="02040503050406030204" pitchFamily="18" charset="0"/>
+                          </a:rPr>
+                          <m:t>)</m:t>
+                        </m:r>
+                      </m:sup>
+                    </m:sSubSup>
+                  </m:e>
+                </m:d>
+              </m:oMath>
+            </a14:m>
+          </a:p>
+        </p:txBody>
+      </p:sp>
+      <p:sp>
+        <p:nvSpPr>
+          <p:cNvPr id="172" name="Foliennummer"/>
+          <p:cNvSpPr txBox="1"/>
+          <p:nvPr>
+            <p:ph type="sldNum" sz="quarter" idx="4294967295"/>
+          </p:nvPr>
+        </p:nvSpPr>
+        <p:spPr>
+          <a:xfrm>
+            <a:off x="323850" y="6542358"/>
+            <a:ext cx="127000" cy="127001"/>
+          </a:xfrm>
+          <a:prstGeom prst="rect">
+            <a:avLst/>
+          </a:prstGeom>
+          <a:extLst>
+            <a:ext uri="{C572A759-6A51-4108-AA02-DFA0A04FC94B}">
+              <ma14:wrappingTextBoxFlag xmlns:ma14="http://schemas.microsoft.com/office/mac/drawingml/2011/main" val="1"/>
+            </a:ext>
+          </a:extLst>
+        </p:spPr>
+        <p:txBody>
+          <a:bodyPr/>
+          <a:lstStyle/>
+          <a:p>
+            <a:pPr/>
+            <a:fld id="{86CB4B4D-7CA3-9044-876B-883B54F8677D}" type="slidenum"/>
+          </a:p>
+        </p:txBody>
+      </p:sp>
+      <p:grpSp>
+        <p:nvGrpSpPr>
+          <p:cNvPr id="175" name="Gruppieren"/>
+          <p:cNvGrpSpPr/>
+          <p:nvPr/>
+        </p:nvGrpSpPr>
+        <p:grpSpPr>
+          <a:xfrm>
+            <a:off x="4172700" y="374632"/>
+            <a:ext cx="4928116" cy="3426806"/>
+            <a:chOff x="0" y="0"/>
+            <a:chExt cx="4928115" cy="3426804"/>
+          </a:xfrm>
+        </p:grpSpPr>
+        <p:pic>
+          <p:nvPicPr>
+            <p:cNvPr id="173" name="DeepNeuralNetwork.png" descr="DeepNeuralNetwork.png"/>
+            <p:cNvPicPr>
+              <a:picLocks noChangeAspect="1"/>
+            </p:cNvPicPr>
+            <p:nvPr/>
+          </p:nvPicPr>
+          <p:blipFill>
+            <a:blip r:embed="rId2">
+              <a:extLst/>
+            </a:blip>
+            <a:stretch>
+              <a:fillRect/>
+            </a:stretch>
+          </p:blipFill>
+          <p:spPr>
+            <a:xfrm>
+              <a:off x="0" y="0"/>
+              <a:ext cx="4928116" cy="2760452"/>
+            </a:xfrm>
+            <a:prstGeom prst="rect">
+              <a:avLst/>
+            </a:prstGeom>
+            <a:ln w="12700" cap="flat">
+              <a:noFill/>
+              <a:miter lim="400000"/>
+            </a:ln>
+            <a:effectLst/>
+          </p:spPr>
+        </p:pic>
+        <p:sp>
+          <p:nvSpPr>
+            <p:cNvPr id="174" name="Caption"/>
+            <p:cNvSpPr/>
+            <p:nvPr/>
+          </p:nvSpPr>
+          <p:spPr>
+            <a:xfrm>
+              <a:off x="0" y="2862051"/>
+              <a:ext cx="4928116" cy="564754"/>
+            </a:xfrm>
+            <a:prstGeom prst="roundRect">
+              <a:avLst>
+                <a:gd name="adj" fmla="val 0"/>
+              </a:avLst>
+            </a:prstGeom>
+            <a:solidFill>
+              <a:srgbClr val="000000">
+                <a:alpha val="0"/>
+              </a:srgbClr>
+            </a:solidFill>
+            <a:ln w="12700" cap="flat">
+              <a:noFill/>
+              <a:miter lim="400000"/>
+            </a:ln>
+            <a:effectLst/>
+            <a:extLst>
+              <a:ext uri="{C572A759-6A51-4108-AA02-DFA0A04FC94B}">
+                <ma14:wrappingTextBoxFlag xmlns:ma14="http://schemas.microsoft.com/office/mac/drawingml/2011/main" val="1"/>
+              </a:ext>
+            </a:extLst>
+          </p:spPr>
+          <p:txBody>
+            <a:bodyPr wrap="square" lIns="50800" tIns="50800" rIns="50800" bIns="50800" numCol="1" anchor="t">
+              <a:noAutofit/>
+            </a:bodyPr>
+            <a:lstStyle/>
+            <a:p>
+              <a:pPr>
+                <a:defRPr sz="1600"/>
+              </a:pPr>
+              <a:r>
+                <a:t>   </a:t>
+              </a:r>
+              <a:r>
+                <a:rPr u="sng">
+                  <a:solidFill>
+                    <a:srgbClr val="0000FF"/>
+                  </a:solidFill>
+                  <a:uFill>
+                    <a:solidFill>
+                      <a:srgbClr val="0000FF"/>
+                    </a:solidFill>
+                  </a:uFill>
+                  <a:hlinkClick r:id="rId3" invalidUrl="" action="" tgtFrame="" tooltip="" history="1" highlightClick="0" endSnd="0"/>
+                </a:rPr>
+                <a:t>https://commons.wikimedia.org/wiki/</a:t>
+              </a:r>
+              <a:r>
+                <a:t>.      </a:t>
+              </a:r>
+            </a:p>
+            <a:p>
+              <a:pPr>
+                <a:defRPr sz="1600"/>
+              </a:pPr>
+              <a:r>
+                <a:t>   File:Example_of_a_deep_neural_network.png</a:t>
+              </a:r>
+            </a:p>
+          </p:txBody>
+        </p:sp>
+      </p:grpSp>
+    </p:spTree>
+  </p:cSld>
+  <p:clrMapOvr>
+    <a:masterClrMapping/>
+  </p:clrMapOvr>
+  <p:transition xmlns:p14="http://schemas.microsoft.com/office/powerpoint/2010/main" spd="med" advClick="1"/>
+</p:sld>
+</file>
+
+<file path=ppt/slides/slide5.xml><?xml version="1.0" encoding="utf-8"?>
+<p:sld xmlns:a="http://schemas.openxmlformats.org/drawingml/2006/main" xmlns:r="http://schemas.openxmlformats.org/officeDocument/2006/relationships" xmlns:p="http://schemas.openxmlformats.org/presentationml/2006/main" xmlns:m="http://schemas.openxmlformats.org/officeDocument/2006/math" xmlns:a14="http://schemas.microsoft.com/office/drawing/2010/main" showMasterSp="1" showMasterPhAnim="1">
+  <p:cSld>
+    <p:spTree>
+      <p:nvGrpSpPr>
+        <p:cNvPr id="1" name=""/>
+        <p:cNvGrpSpPr/>
+        <p:nvPr/>
+      </p:nvGrpSpPr>
+      <p:grpSpPr>
+        <a:xfrm>
+          <a:off x="0" y="0"/>
+          <a:ext cx="0" cy="0"/>
+          <a:chOff x="0" y="0"/>
+          <a:chExt cx="0" cy="0"/>
+        </a:xfrm>
+      </p:grpSpPr>
+      <p:sp>
+        <p:nvSpPr>
+          <p:cNvPr id="177" name="Training bei Deep Learning"/>
           <p:cNvSpPr txBox="1"/>
           <p:nvPr>
             <p:ph type="title"/>
@@ -4464,14 +6926,4975 @@
           <a:p>
             <a:pPr/>
             <a:r>
-              <a:t>Backpropagation Algorithmus</a:t>
+              <a:t>Training bei Deep Learning</a:t>
             </a:r>
           </a:p>
         </p:txBody>
       </p:sp>
       <p:sp>
         <p:nvSpPr>
-          <p:cNvPr id="164" name="Textmasterformate durch Klicken bearbeiten"/>
+          <p:cNvPr id="178" name="Kreuzentropie Kostenfunktion:  , mit   und…"/>
+          <p:cNvSpPr txBox="1"/>
+          <p:nvPr>
+            <p:ph type="body" idx="1"/>
+          </p:nvPr>
+        </p:nvSpPr>
+        <p:spPr>
+          <a:xfrm>
+            <a:off x="323849" y="939799"/>
+            <a:ext cx="8338511" cy="4103987"/>
+          </a:xfrm>
+          <a:prstGeom prst="rect">
+            <a:avLst/>
+          </a:prstGeom>
+        </p:spPr>
+        <p:txBody>
+          <a:bodyPr/>
+          <a:lstStyle/>
+          <a:p>
+            <a:pPr marL="180473" indent="-180473">
+              <a:lnSpc>
+                <a:spcPct val="130000"/>
+              </a:lnSpc>
+              <a:spcBef>
+                <a:spcPts val="300"/>
+              </a:spcBef>
+              <a:buSzPct val="100000"/>
+              <a:buChar char="•"/>
+              <a:defRPr b="0" sz="1800">
+                <a:solidFill>
+                  <a:srgbClr val="000000"/>
+                </a:solidFill>
+              </a:defRPr>
+            </a:pPr>
+            <a:r>
+              <a:t>Kreuzentropie Kostenfunktion: </a:t>
+            </a:r>
+            <a14:m>
+              <m:oMath>
+                <m:r>
+                  <a:rPr xmlns:a="http://schemas.openxmlformats.org/drawingml/2006/main" sz="2150" i="1">
+                    <a:solidFill>
+                      <a:srgbClr val="000000"/>
+                    </a:solidFill>
+                    <a:latin typeface="Cambria Math" panose="02040503050406030204" pitchFamily="18" charset="0"/>
+                  </a:rPr>
+                  <m:t>C</m:t>
+                </m:r>
+                <m:r>
+                  <a:rPr xmlns:a="http://schemas.openxmlformats.org/drawingml/2006/main" sz="2150" i="1">
+                    <a:solidFill>
+                      <a:srgbClr val="000000"/>
+                    </a:solidFill>
+                    <a:latin typeface="Cambria Math" panose="02040503050406030204" pitchFamily="18" charset="0"/>
+                  </a:rPr>
+                  <m:t>(</m:t>
+                </m:r>
+                <m:r>
+                  <m:rPr>
+                    <m:sty m:val="b"/>
+                  </m:rPr>
+                  <a:rPr xmlns:a="http://schemas.openxmlformats.org/drawingml/2006/main" sz="2150" i="1">
+                    <a:solidFill>
+                      <a:srgbClr val="000000"/>
+                    </a:solidFill>
+                    <a:latin typeface="Cambria Math" panose="02040503050406030204" pitchFamily="18" charset="0"/>
+                  </a:rPr>
+                  <m:t>w</m:t>
+                </m:r>
+                <m:r>
+                  <a:rPr xmlns:a="http://schemas.openxmlformats.org/drawingml/2006/main" sz="2150" i="1">
+                    <a:solidFill>
+                      <a:srgbClr val="000000"/>
+                    </a:solidFill>
+                    <a:latin typeface="Cambria Math" panose="02040503050406030204" pitchFamily="18" charset="0"/>
+                  </a:rPr>
+                  <m:t>)</m:t>
+                </m:r>
+                <m:r>
+                  <a:rPr xmlns:a="http://schemas.openxmlformats.org/drawingml/2006/main" sz="2150" i="1">
+                    <a:solidFill>
+                      <a:srgbClr val="000000"/>
+                    </a:solidFill>
+                    <a:latin typeface="Cambria Math" panose="02040503050406030204" pitchFamily="18" charset="0"/>
+                  </a:rPr>
+                  <m:t>=</m:t>
+                </m:r>
+                <m:r>
+                  <a:rPr xmlns:a="http://schemas.openxmlformats.org/drawingml/2006/main" sz="2150" i="1">
+                    <a:solidFill>
+                      <a:srgbClr val="000000"/>
+                    </a:solidFill>
+                    <a:latin typeface="Cambria Math" panose="02040503050406030204" pitchFamily="18" charset="0"/>
+                  </a:rPr>
+                  <m:t>-</m:t>
+                </m:r>
+                <m:limLow>
+                  <m:e>
+                    <m:r>
+                      <a:rPr xmlns:a="http://schemas.openxmlformats.org/drawingml/2006/main" sz="2150" i="1">
+                        <a:solidFill>
+                          <a:srgbClr val="000000"/>
+                        </a:solidFill>
+                        <a:latin typeface="Cambria Math" panose="02040503050406030204" pitchFamily="18" charset="0"/>
+                      </a:rPr>
+                      <m:t>∑</m:t>
+                    </m:r>
+                  </m:e>
+                  <m:lim>
+                    <m:r>
+                      <a:rPr xmlns:a="http://schemas.openxmlformats.org/drawingml/2006/main" sz="2150" i="1">
+                        <a:solidFill>
+                          <a:srgbClr val="000000"/>
+                        </a:solidFill>
+                        <a:latin typeface="Cambria Math" panose="02040503050406030204" pitchFamily="18" charset="0"/>
+                      </a:rPr>
+                      <m:t>i</m:t>
+                    </m:r>
+                  </m:lim>
+                </m:limLow>
+                <m:sSub>
+                  <m:e>
+                    <m:r>
+                      <a:rPr xmlns:a="http://schemas.openxmlformats.org/drawingml/2006/main" sz="2150" i="1">
+                        <a:solidFill>
+                          <a:srgbClr val="000000"/>
+                        </a:solidFill>
+                        <a:latin typeface="Cambria Math" panose="02040503050406030204" pitchFamily="18" charset="0"/>
+                      </a:rPr>
+                      <m:t>y</m:t>
+                    </m:r>
+                  </m:e>
+                  <m:sub>
+                    <m:r>
+                      <a:rPr xmlns:a="http://schemas.openxmlformats.org/drawingml/2006/main" sz="2150" i="1">
+                        <a:solidFill>
+                          <a:srgbClr val="000000"/>
+                        </a:solidFill>
+                        <a:latin typeface="Cambria Math" panose="02040503050406030204" pitchFamily="18" charset="0"/>
+                      </a:rPr>
+                      <m:t>i</m:t>
+                    </m:r>
+                  </m:sub>
+                </m:sSub>
+                <m:r>
+                  <m:rPr>
+                    <m:sty m:val="p"/>
+                  </m:rPr>
+                  <a:rPr xmlns:a="http://schemas.openxmlformats.org/drawingml/2006/main" sz="2150" i="1">
+                    <a:solidFill>
+                      <a:srgbClr val="000000"/>
+                    </a:solidFill>
+                    <a:latin typeface="Cambria Math" panose="02040503050406030204" pitchFamily="18" charset="0"/>
+                  </a:rPr>
+                  <m:t>log</m:t>
+                </m:r>
+                <m:d>
+                  <m:dPr>
+                    <m:ctrlPr>
+                      <a:rPr xmlns:a="http://schemas.openxmlformats.org/drawingml/2006/main" sz="2150" i="1">
+                        <a:solidFill>
+                          <a:srgbClr val="000000"/>
+                        </a:solidFill>
+                        <a:latin typeface="Cambria Math" panose="02040503050406030204" pitchFamily="18" charset="0"/>
+                      </a:rPr>
+                    </m:ctrlPr>
+                  </m:dPr>
+                  <m:e>
+                    <m:sSub>
+                      <m:e>
+                        <m:limUpp>
+                          <m:e>
+                            <m:r>
+                              <a:rPr xmlns:a="http://schemas.openxmlformats.org/drawingml/2006/main" sz="2150" i="1">
+                                <a:solidFill>
+                                  <a:srgbClr val="000000"/>
+                                </a:solidFill>
+                                <a:latin typeface="Cambria Math" panose="02040503050406030204" pitchFamily="18" charset="0"/>
+                              </a:rPr>
+                              <m:t>y</m:t>
+                            </m:r>
+                          </m:e>
+                          <m:lim>
+                            <m:r>
+                              <a:rPr xmlns:a="http://schemas.openxmlformats.org/drawingml/2006/main" sz="2150" i="1">
+                                <a:solidFill>
+                                  <a:srgbClr val="000000"/>
+                                </a:solidFill>
+                                <a:latin typeface="Cambria Math" panose="02040503050406030204" pitchFamily="18" charset="0"/>
+                              </a:rPr>
+                              <m:t>̂</m:t>
+                            </m:r>
+                          </m:lim>
+                        </m:limUpp>
+                      </m:e>
+                      <m:sub>
+                        <m:r>
+                          <a:rPr xmlns:a="http://schemas.openxmlformats.org/drawingml/2006/main" sz="2150" i="1">
+                            <a:solidFill>
+                              <a:srgbClr val="000000"/>
+                            </a:solidFill>
+                            <a:latin typeface="Cambria Math" panose="02040503050406030204" pitchFamily="18" charset="0"/>
+                          </a:rPr>
+                          <m:t>i</m:t>
+                        </m:r>
+                      </m:sub>
+                    </m:sSub>
+                    <m:r>
+                      <a:rPr xmlns:a="http://schemas.openxmlformats.org/drawingml/2006/main" sz="2150" i="1">
+                        <a:solidFill>
+                          <a:srgbClr val="000000"/>
+                        </a:solidFill>
+                        <a:latin typeface="Cambria Math" panose="02040503050406030204" pitchFamily="18" charset="0"/>
+                      </a:rPr>
+                      <m:t>(</m:t>
+                    </m:r>
+                    <m:r>
+                      <m:rPr>
+                        <m:sty m:val="b"/>
+                      </m:rPr>
+                      <a:rPr xmlns:a="http://schemas.openxmlformats.org/drawingml/2006/main" sz="2150" i="1">
+                        <a:solidFill>
+                          <a:srgbClr val="000000"/>
+                        </a:solidFill>
+                        <a:latin typeface="Cambria Math" panose="02040503050406030204" pitchFamily="18" charset="0"/>
+                      </a:rPr>
+                      <m:t>w</m:t>
+                    </m:r>
+                    <m:r>
+                      <a:rPr xmlns:a="http://schemas.openxmlformats.org/drawingml/2006/main" sz="2150" i="1">
+                        <a:solidFill>
+                          <a:srgbClr val="000000"/>
+                        </a:solidFill>
+                        <a:latin typeface="Cambria Math" panose="02040503050406030204" pitchFamily="18" charset="0"/>
+                      </a:rPr>
+                      <m:t>)</m:t>
+                    </m:r>
+                  </m:e>
+                </m:d>
+                <m:r>
+                  <a:rPr xmlns:a="http://schemas.openxmlformats.org/drawingml/2006/main" sz="2150" i="1">
+                    <a:solidFill>
+                      <a:srgbClr val="000000"/>
+                    </a:solidFill>
+                    <a:latin typeface="Cambria Math" panose="02040503050406030204" pitchFamily="18" charset="0"/>
+                  </a:rPr>
+                  <m:t>+</m:t>
+                </m:r>
+                <m:r>
+                  <a:rPr xmlns:a="http://schemas.openxmlformats.org/drawingml/2006/main" sz="2150" i="1">
+                    <a:solidFill>
+                      <a:srgbClr val="000000"/>
+                    </a:solidFill>
+                    <a:latin typeface="Cambria Math" panose="02040503050406030204" pitchFamily="18" charset="0"/>
+                  </a:rPr>
+                  <m:t>(</m:t>
+                </m:r>
+                <m:r>
+                  <a:rPr xmlns:a="http://schemas.openxmlformats.org/drawingml/2006/main" sz="2150" i="1">
+                    <a:solidFill>
+                      <a:srgbClr val="000000"/>
+                    </a:solidFill>
+                    <a:latin typeface="Cambria Math" panose="02040503050406030204" pitchFamily="18" charset="0"/>
+                  </a:rPr>
+                  <m:t>1</m:t>
+                </m:r>
+                <m:r>
+                  <a:rPr xmlns:a="http://schemas.openxmlformats.org/drawingml/2006/main" sz="2150" i="1">
+                    <a:solidFill>
+                      <a:srgbClr val="000000"/>
+                    </a:solidFill>
+                    <a:latin typeface="Cambria Math" panose="02040503050406030204" pitchFamily="18" charset="0"/>
+                  </a:rPr>
+                  <m:t>-</m:t>
+                </m:r>
+                <m:sSub>
+                  <m:e>
+                    <m:r>
+                      <a:rPr xmlns:a="http://schemas.openxmlformats.org/drawingml/2006/main" sz="2150" i="1">
+                        <a:solidFill>
+                          <a:srgbClr val="000000"/>
+                        </a:solidFill>
+                        <a:latin typeface="Cambria Math" panose="02040503050406030204" pitchFamily="18" charset="0"/>
+                      </a:rPr>
+                      <m:t>y</m:t>
+                    </m:r>
+                  </m:e>
+                  <m:sub>
+                    <m:r>
+                      <a:rPr xmlns:a="http://schemas.openxmlformats.org/drawingml/2006/main" sz="2150" i="1">
+                        <a:solidFill>
+                          <a:srgbClr val="000000"/>
+                        </a:solidFill>
+                        <a:latin typeface="Cambria Math" panose="02040503050406030204" pitchFamily="18" charset="0"/>
+                      </a:rPr>
+                      <m:t>i</m:t>
+                    </m:r>
+                  </m:sub>
+                </m:sSub>
+                <m:r>
+                  <a:rPr xmlns:a="http://schemas.openxmlformats.org/drawingml/2006/main" sz="2150" i="1">
+                    <a:solidFill>
+                      <a:srgbClr val="000000"/>
+                    </a:solidFill>
+                    <a:latin typeface="Cambria Math" panose="02040503050406030204" pitchFamily="18" charset="0"/>
+                  </a:rPr>
+                  <m:t>)</m:t>
+                </m:r>
+                <m:r>
+                  <m:rPr>
+                    <m:sty m:val="p"/>
+                  </m:rPr>
+                  <a:rPr xmlns:a="http://schemas.openxmlformats.org/drawingml/2006/main" sz="2150" i="1">
+                    <a:solidFill>
+                      <a:srgbClr val="000000"/>
+                    </a:solidFill>
+                    <a:latin typeface="Cambria Math" panose="02040503050406030204" pitchFamily="18" charset="0"/>
+                  </a:rPr>
+                  <m:t>log</m:t>
+                </m:r>
+                <m:d>
+                  <m:dPr>
+                    <m:ctrlPr>
+                      <a:rPr xmlns:a="http://schemas.openxmlformats.org/drawingml/2006/main" sz="2150" i="1">
+                        <a:solidFill>
+                          <a:srgbClr val="000000"/>
+                        </a:solidFill>
+                        <a:latin typeface="Cambria Math" panose="02040503050406030204" pitchFamily="18" charset="0"/>
+                      </a:rPr>
+                    </m:ctrlPr>
+                  </m:dPr>
+                  <m:e>
+                    <m:r>
+                      <a:rPr xmlns:a="http://schemas.openxmlformats.org/drawingml/2006/main" sz="2150" i="1">
+                        <a:solidFill>
+                          <a:srgbClr val="000000"/>
+                        </a:solidFill>
+                        <a:latin typeface="Cambria Math" panose="02040503050406030204" pitchFamily="18" charset="0"/>
+                      </a:rPr>
+                      <m:t>1</m:t>
+                    </m:r>
+                    <m:r>
+                      <a:rPr xmlns:a="http://schemas.openxmlformats.org/drawingml/2006/main" sz="2150" i="1">
+                        <a:solidFill>
+                          <a:srgbClr val="000000"/>
+                        </a:solidFill>
+                        <a:latin typeface="Cambria Math" panose="02040503050406030204" pitchFamily="18" charset="0"/>
+                      </a:rPr>
+                      <m:t>-</m:t>
+                    </m:r>
+                    <m:sSub>
+                      <m:e>
+                        <m:limUpp>
+                          <m:e>
+                            <m:r>
+                              <a:rPr xmlns:a="http://schemas.openxmlformats.org/drawingml/2006/main" sz="2150" i="1">
+                                <a:solidFill>
+                                  <a:srgbClr val="000000"/>
+                                </a:solidFill>
+                                <a:latin typeface="Cambria Math" panose="02040503050406030204" pitchFamily="18" charset="0"/>
+                              </a:rPr>
+                              <m:t>y</m:t>
+                            </m:r>
+                          </m:e>
+                          <m:lim>
+                            <m:r>
+                              <a:rPr xmlns:a="http://schemas.openxmlformats.org/drawingml/2006/main" sz="2150" i="1">
+                                <a:solidFill>
+                                  <a:srgbClr val="000000"/>
+                                </a:solidFill>
+                                <a:latin typeface="Cambria Math" panose="02040503050406030204" pitchFamily="18" charset="0"/>
+                              </a:rPr>
+                              <m:t>̂</m:t>
+                            </m:r>
+                          </m:lim>
+                        </m:limUpp>
+                      </m:e>
+                      <m:sub>
+                        <m:r>
+                          <a:rPr xmlns:a="http://schemas.openxmlformats.org/drawingml/2006/main" sz="2150" i="1">
+                            <a:solidFill>
+                              <a:srgbClr val="000000"/>
+                            </a:solidFill>
+                            <a:latin typeface="Cambria Math" panose="02040503050406030204" pitchFamily="18" charset="0"/>
+                          </a:rPr>
+                          <m:t>i</m:t>
+                        </m:r>
+                      </m:sub>
+                    </m:sSub>
+                    <m:r>
+                      <a:rPr xmlns:a="http://schemas.openxmlformats.org/drawingml/2006/main" sz="2150" i="1">
+                        <a:solidFill>
+                          <a:srgbClr val="000000"/>
+                        </a:solidFill>
+                        <a:latin typeface="Cambria Math" panose="02040503050406030204" pitchFamily="18" charset="0"/>
+                      </a:rPr>
+                      <m:t>(</m:t>
+                    </m:r>
+                    <m:r>
+                      <m:rPr>
+                        <m:sty m:val="b"/>
+                      </m:rPr>
+                      <a:rPr xmlns:a="http://schemas.openxmlformats.org/drawingml/2006/main" sz="2150" i="1">
+                        <a:solidFill>
+                          <a:srgbClr val="000000"/>
+                        </a:solidFill>
+                        <a:latin typeface="Cambria Math" panose="02040503050406030204" pitchFamily="18" charset="0"/>
+                      </a:rPr>
+                      <m:t>w</m:t>
+                    </m:r>
+                    <m:r>
+                      <a:rPr xmlns:a="http://schemas.openxmlformats.org/drawingml/2006/main" sz="2150" i="1">
+                        <a:solidFill>
+                          <a:srgbClr val="000000"/>
+                        </a:solidFill>
+                        <a:latin typeface="Cambria Math" panose="02040503050406030204" pitchFamily="18" charset="0"/>
+                      </a:rPr>
+                      <m:t>)</m:t>
+                    </m:r>
+                  </m:e>
+                </m:d>
+              </m:oMath>
+            </a14:m>
+            <a:r>
+              <a:t>, mit </a:t>
+            </a:r>
+            <a14:m>
+              <m:oMath>
+                <m:sSub>
+                  <m:e>
+                    <m:r>
+                      <a:rPr xmlns:a="http://schemas.openxmlformats.org/drawingml/2006/main" sz="2200" i="1">
+                        <a:solidFill>
+                          <a:srgbClr val="000000"/>
+                        </a:solidFill>
+                        <a:latin typeface="Cambria Math" panose="02040503050406030204" pitchFamily="18" charset="0"/>
+                      </a:rPr>
+                      <m:t>y</m:t>
+                    </m:r>
+                  </m:e>
+                  <m:sub>
+                    <m:r>
+                      <a:rPr xmlns:a="http://schemas.openxmlformats.org/drawingml/2006/main" sz="2200" i="1">
+                        <a:solidFill>
+                          <a:srgbClr val="000000"/>
+                        </a:solidFill>
+                        <a:latin typeface="Cambria Math" panose="02040503050406030204" pitchFamily="18" charset="0"/>
+                      </a:rPr>
+                      <m:t>i</m:t>
+                    </m:r>
+                  </m:sub>
+                </m:sSub>
+                <m:r>
+                  <a:rPr xmlns:a="http://schemas.openxmlformats.org/drawingml/2006/main" sz="2200" i="1">
+                    <a:solidFill>
+                      <a:srgbClr val="000000"/>
+                    </a:solidFill>
+                    <a:latin typeface="Cambria Math" panose="02040503050406030204" pitchFamily="18" charset="0"/>
+                  </a:rPr>
+                  <m:t>∈</m:t>
+                </m:r>
+                <m:r>
+                  <a:rPr xmlns:a="http://schemas.openxmlformats.org/drawingml/2006/main" sz="2200" i="1">
+                    <a:solidFill>
+                      <a:srgbClr val="000000"/>
+                    </a:solidFill>
+                    <a:latin typeface="Cambria Math" panose="02040503050406030204" pitchFamily="18" charset="0"/>
+                  </a:rPr>
+                  <m:t>{</m:t>
+                </m:r>
+                <m:r>
+                  <a:rPr xmlns:a="http://schemas.openxmlformats.org/drawingml/2006/main" sz="2200" i="1">
+                    <a:solidFill>
+                      <a:srgbClr val="000000"/>
+                    </a:solidFill>
+                    <a:latin typeface="Cambria Math" panose="02040503050406030204" pitchFamily="18" charset="0"/>
+                  </a:rPr>
+                  <m:t>0,1</m:t>
+                </m:r>
+                <m:r>
+                  <a:rPr xmlns:a="http://schemas.openxmlformats.org/drawingml/2006/main" sz="2200" i="1">
+                    <a:solidFill>
+                      <a:srgbClr val="000000"/>
+                    </a:solidFill>
+                    <a:latin typeface="Cambria Math" panose="02040503050406030204" pitchFamily="18" charset="0"/>
+                  </a:rPr>
+                  <m:t>}</m:t>
+                </m:r>
+              </m:oMath>
+            </a14:m>
+            <a:r>
+              <a:t> und </a:t>
+            </a:r>
+            <a14:m>
+              <m:oMath>
+                <m:sSub>
+                  <m:e>
+                    <m:limUpp>
+                      <m:e>
+                        <m:r>
+                          <a:rPr xmlns:a="http://schemas.openxmlformats.org/drawingml/2006/main" sz="2150" i="1">
+                            <a:solidFill>
+                              <a:srgbClr val="000000"/>
+                            </a:solidFill>
+                            <a:latin typeface="Cambria Math" panose="02040503050406030204" pitchFamily="18" charset="0"/>
+                          </a:rPr>
+                          <m:t>y</m:t>
+                        </m:r>
+                      </m:e>
+                      <m:lim>
+                        <m:r>
+                          <a:rPr xmlns:a="http://schemas.openxmlformats.org/drawingml/2006/main" sz="2150" i="1">
+                            <a:solidFill>
+                              <a:srgbClr val="000000"/>
+                            </a:solidFill>
+                            <a:latin typeface="Cambria Math" panose="02040503050406030204" pitchFamily="18" charset="0"/>
+                          </a:rPr>
+                          <m:t>̂</m:t>
+                        </m:r>
+                      </m:lim>
+                    </m:limUpp>
+                  </m:e>
+                  <m:sub>
+                    <m:r>
+                      <a:rPr xmlns:a="http://schemas.openxmlformats.org/drawingml/2006/main" sz="2150" i="1">
+                        <a:solidFill>
+                          <a:srgbClr val="000000"/>
+                        </a:solidFill>
+                        <a:latin typeface="Cambria Math" panose="02040503050406030204" pitchFamily="18" charset="0"/>
+                      </a:rPr>
+                      <m:t>i</m:t>
+                    </m:r>
+                  </m:sub>
+                </m:sSub>
+                <m:r>
+                  <a:rPr xmlns:a="http://schemas.openxmlformats.org/drawingml/2006/main" sz="2150" i="1">
+                    <a:solidFill>
+                      <a:srgbClr val="000000"/>
+                    </a:solidFill>
+                    <a:latin typeface="Cambria Math" panose="02040503050406030204" pitchFamily="18" charset="0"/>
+                  </a:rPr>
+                  <m:t>=</m:t>
+                </m:r>
+                <m:r>
+                  <a:rPr xmlns:a="http://schemas.openxmlformats.org/drawingml/2006/main" sz="2150" i="1">
+                    <a:solidFill>
+                      <a:srgbClr val="000000"/>
+                    </a:solidFill>
+                    <a:latin typeface="Cambria Math" panose="02040503050406030204" pitchFamily="18" charset="0"/>
+                  </a:rPr>
+                  <m:t>y</m:t>
+                </m:r>
+                <m:r>
+                  <a:rPr xmlns:a="http://schemas.openxmlformats.org/drawingml/2006/main" sz="2150" i="1">
+                    <a:solidFill>
+                      <a:srgbClr val="000000"/>
+                    </a:solidFill>
+                    <a:latin typeface="Cambria Math" panose="02040503050406030204" pitchFamily="18" charset="0"/>
+                  </a:rPr>
+                  <m:t>(</m:t>
+                </m:r>
+                <m:sSub>
+                  <m:e>
+                    <m:limUpp>
+                      <m:e>
+                        <m:r>
+                          <a:rPr xmlns:a="http://schemas.openxmlformats.org/drawingml/2006/main" sz="2150" i="1">
+                            <a:solidFill>
+                              <a:srgbClr val="000000"/>
+                            </a:solidFill>
+                            <a:latin typeface="Cambria Math" panose="02040503050406030204" pitchFamily="18" charset="0"/>
+                          </a:rPr>
+                          <m:t>x</m:t>
+                        </m:r>
+                      </m:e>
+                      <m:lim>
+                        <m:r>
+                          <a:rPr xmlns:a="http://schemas.openxmlformats.org/drawingml/2006/main" sz="2150" i="1">
+                            <a:solidFill>
+                              <a:srgbClr val="000000"/>
+                            </a:solidFill>
+                            <a:latin typeface="Cambria Math" panose="02040503050406030204" pitchFamily="18" charset="0"/>
+                          </a:rPr>
+                          <m:t>⃗</m:t>
+                        </m:r>
+                      </m:lim>
+                    </m:limUpp>
+                  </m:e>
+                  <m:sub>
+                    <m:r>
+                      <a:rPr xmlns:a="http://schemas.openxmlformats.org/drawingml/2006/main" sz="2150" i="1">
+                        <a:solidFill>
+                          <a:srgbClr val="000000"/>
+                        </a:solidFill>
+                        <a:latin typeface="Cambria Math" panose="02040503050406030204" pitchFamily="18" charset="0"/>
+                      </a:rPr>
+                      <m:t>i</m:t>
+                    </m:r>
+                  </m:sub>
+                </m:sSub>
+                <m:r>
+                  <a:rPr xmlns:a="http://schemas.openxmlformats.org/drawingml/2006/main" sz="2150" i="1">
+                    <a:solidFill>
+                      <a:srgbClr val="000000"/>
+                    </a:solidFill>
+                    <a:latin typeface="Cambria Math" panose="02040503050406030204" pitchFamily="18" charset="0"/>
+                  </a:rPr>
+                  <m:t>,</m:t>
+                </m:r>
+                <m:r>
+                  <m:rPr>
+                    <m:sty m:val="b"/>
+                  </m:rPr>
+                  <a:rPr xmlns:a="http://schemas.openxmlformats.org/drawingml/2006/main" sz="2150" i="1">
+                    <a:solidFill>
+                      <a:srgbClr val="000000"/>
+                    </a:solidFill>
+                    <a:latin typeface="Cambria Math" panose="02040503050406030204" pitchFamily="18" charset="0"/>
+                  </a:rPr>
+                  <m:t>w</m:t>
+                </m:r>
+                <m:r>
+                  <a:rPr xmlns:a="http://schemas.openxmlformats.org/drawingml/2006/main" sz="2150" i="1">
+                    <a:solidFill>
+                      <a:srgbClr val="000000"/>
+                    </a:solidFill>
+                    <a:latin typeface="Cambria Math" panose="02040503050406030204" pitchFamily="18" charset="0"/>
+                  </a:rPr>
+                  <m:t>)</m:t>
+                </m:r>
+                <m:r>
+                  <a:rPr xmlns:a="http://schemas.openxmlformats.org/drawingml/2006/main" sz="2150" i="1">
+                    <a:solidFill>
+                      <a:srgbClr val="000000"/>
+                    </a:solidFill>
+                    <a:latin typeface="Cambria Math" panose="02040503050406030204" pitchFamily="18" charset="0"/>
+                  </a:rPr>
+                  <m:t>=</m:t>
+                </m:r>
+                <m:r>
+                  <a:rPr xmlns:a="http://schemas.openxmlformats.org/drawingml/2006/main" sz="2150" i="1">
+                    <a:solidFill>
+                      <a:srgbClr val="000000"/>
+                    </a:solidFill>
+                    <a:latin typeface="Cambria Math" panose="02040503050406030204" pitchFamily="18" charset="0"/>
+                  </a:rPr>
+                  <m:t>p</m:t>
+                </m:r>
+                <m:r>
+                  <a:rPr xmlns:a="http://schemas.openxmlformats.org/drawingml/2006/main" sz="2150" i="1">
+                    <a:solidFill>
+                      <a:srgbClr val="000000"/>
+                    </a:solidFill>
+                    <a:latin typeface="Cambria Math" panose="02040503050406030204" pitchFamily="18" charset="0"/>
+                  </a:rPr>
+                  <m:t>(</m:t>
+                </m:r>
+                <m:sSub>
+                  <m:e>
+                    <m:r>
+                      <a:rPr xmlns:a="http://schemas.openxmlformats.org/drawingml/2006/main" sz="2150" i="1">
+                        <a:solidFill>
+                          <a:srgbClr val="000000"/>
+                        </a:solidFill>
+                        <a:latin typeface="Cambria Math" panose="02040503050406030204" pitchFamily="18" charset="0"/>
+                      </a:rPr>
+                      <m:t>y</m:t>
+                    </m:r>
+                  </m:e>
+                  <m:sub>
+                    <m:r>
+                      <a:rPr xmlns:a="http://schemas.openxmlformats.org/drawingml/2006/main" sz="2150" i="1">
+                        <a:solidFill>
+                          <a:srgbClr val="000000"/>
+                        </a:solidFill>
+                        <a:latin typeface="Cambria Math" panose="02040503050406030204" pitchFamily="18" charset="0"/>
+                      </a:rPr>
+                      <m:t>i</m:t>
+                    </m:r>
+                  </m:sub>
+                </m:sSub>
+                <m:r>
+                  <a:rPr xmlns:a="http://schemas.openxmlformats.org/drawingml/2006/main" sz="2150" i="1">
+                    <a:solidFill>
+                      <a:srgbClr val="000000"/>
+                    </a:solidFill>
+                    <a:latin typeface="Cambria Math" panose="02040503050406030204" pitchFamily="18" charset="0"/>
+                  </a:rPr>
+                  <m:t>=</m:t>
+                </m:r>
+                <m:r>
+                  <a:rPr xmlns:a="http://schemas.openxmlformats.org/drawingml/2006/main" sz="2150" i="1">
+                    <a:solidFill>
+                      <a:srgbClr val="000000"/>
+                    </a:solidFill>
+                    <a:latin typeface="Cambria Math" panose="02040503050406030204" pitchFamily="18" charset="0"/>
+                  </a:rPr>
+                  <m:t>1</m:t>
+                </m:r>
+                <m:r>
+                  <a:rPr xmlns:a="http://schemas.openxmlformats.org/drawingml/2006/main" sz="2150" i="1">
+                    <a:solidFill>
+                      <a:srgbClr val="000000"/>
+                    </a:solidFill>
+                    <a:latin typeface="Cambria Math" panose="02040503050406030204" pitchFamily="18" charset="0"/>
+                  </a:rPr>
+                  <m:t>|</m:t>
+                </m:r>
+                <m:sSub>
+                  <m:e>
+                    <m:limUpp>
+                      <m:e>
+                        <m:r>
+                          <a:rPr xmlns:a="http://schemas.openxmlformats.org/drawingml/2006/main" sz="2150" i="1">
+                            <a:solidFill>
+                              <a:srgbClr val="000000"/>
+                            </a:solidFill>
+                            <a:latin typeface="Cambria Math" panose="02040503050406030204" pitchFamily="18" charset="0"/>
+                          </a:rPr>
+                          <m:t>x</m:t>
+                        </m:r>
+                      </m:e>
+                      <m:lim>
+                        <m:r>
+                          <a:rPr xmlns:a="http://schemas.openxmlformats.org/drawingml/2006/main" sz="2150" i="1">
+                            <a:solidFill>
+                              <a:srgbClr val="000000"/>
+                            </a:solidFill>
+                            <a:latin typeface="Cambria Math" panose="02040503050406030204" pitchFamily="18" charset="0"/>
+                          </a:rPr>
+                          <m:t>⃗</m:t>
+                        </m:r>
+                      </m:lim>
+                    </m:limUpp>
+                  </m:e>
+                  <m:sub>
+                    <m:r>
+                      <a:rPr xmlns:a="http://schemas.openxmlformats.org/drawingml/2006/main" sz="2150" i="1">
+                        <a:solidFill>
+                          <a:srgbClr val="000000"/>
+                        </a:solidFill>
+                        <a:latin typeface="Cambria Math" panose="02040503050406030204" pitchFamily="18" charset="0"/>
+                      </a:rPr>
+                      <m:t>i</m:t>
+                    </m:r>
+                  </m:sub>
+                </m:sSub>
+                <m:r>
+                  <a:rPr xmlns:a="http://schemas.openxmlformats.org/drawingml/2006/main" sz="2150" i="1">
+                    <a:solidFill>
+                      <a:srgbClr val="000000"/>
+                    </a:solidFill>
+                    <a:latin typeface="Cambria Math" panose="02040503050406030204" pitchFamily="18" charset="0"/>
+                  </a:rPr>
+                  <m:t>,</m:t>
+                </m:r>
+                <m:r>
+                  <m:rPr>
+                    <m:sty m:val="b"/>
+                  </m:rPr>
+                  <a:rPr xmlns:a="http://schemas.openxmlformats.org/drawingml/2006/main" sz="2150" i="1">
+                    <a:solidFill>
+                      <a:srgbClr val="000000"/>
+                    </a:solidFill>
+                    <a:latin typeface="Cambria Math" panose="02040503050406030204" pitchFamily="18" charset="0"/>
+                  </a:rPr>
+                  <m:t>w</m:t>
+                </m:r>
+                <m:r>
+                  <a:rPr xmlns:a="http://schemas.openxmlformats.org/drawingml/2006/main" sz="2150" i="1">
+                    <a:solidFill>
+                      <a:srgbClr val="000000"/>
+                    </a:solidFill>
+                    <a:latin typeface="Cambria Math" panose="02040503050406030204" pitchFamily="18" charset="0"/>
+                  </a:rPr>
+                  <m:t>)</m:t>
+                </m:r>
+              </m:oMath>
+            </a14:m>
+          </a:p>
+          <a:p>
+            <a:pPr marL="180473" indent="-180473">
+              <a:lnSpc>
+                <a:spcPct val="130000"/>
+              </a:lnSpc>
+              <a:spcBef>
+                <a:spcPts val="300"/>
+              </a:spcBef>
+              <a:buSzPct val="100000"/>
+              <a:buChar char="•"/>
+              <a:defRPr b="0" sz="1800">
+                <a:solidFill>
+                  <a:srgbClr val="000000"/>
+                </a:solidFill>
+              </a:defRPr>
+            </a:pPr>
+            <a:r>
+              <a:t>Gradient Descent: Passe Parameter </a:t>
+            </a:r>
+            <a14:m>
+              <m:oMath>
+                <m:r>
+                  <m:rPr>
+                    <m:sty m:val="b"/>
+                  </m:rPr>
+                  <a:rPr xmlns:a="http://schemas.openxmlformats.org/drawingml/2006/main" sz="2300" i="1">
+                    <a:solidFill>
+                      <a:srgbClr val="000000"/>
+                    </a:solidFill>
+                    <a:latin typeface="Cambria Math" panose="02040503050406030204" pitchFamily="18" charset="0"/>
+                  </a:rPr>
+                  <m:t>w</m:t>
+                </m:r>
+              </m:oMath>
+            </a14:m>
+            <a:r>
+              <a:t> mit Lernrate </a:t>
+            </a:r>
+            <a14:m>
+              <m:oMath>
+                <m:r>
+                  <a:rPr xmlns:a="http://schemas.openxmlformats.org/drawingml/2006/main" sz="2400" i="1">
+                    <a:solidFill>
+                      <a:srgbClr val="000000"/>
+                    </a:solidFill>
+                    <a:latin typeface="Cambria Math" panose="02040503050406030204" pitchFamily="18" charset="0"/>
+                  </a:rPr>
+                  <m:t>η</m:t>
+                </m:r>
+              </m:oMath>
+            </a14:m>
+            <a:r>
+              <a:t> entgegen der Richtung des Gradienten der Kostenfunktion an </a:t>
+            </a:r>
+            <a14:m>
+              <m:oMath>
+                <m:sSup>
+                  <m:e>
+                    <m:r>
+                      <m:rPr>
+                        <m:sty m:val="b"/>
+                      </m:rPr>
+                      <a:rPr xmlns:a="http://schemas.openxmlformats.org/drawingml/2006/main" sz="2150" i="1">
+                        <a:solidFill>
+                          <a:srgbClr val="000000"/>
+                        </a:solidFill>
+                        <a:latin typeface="Cambria Math" panose="02040503050406030204" pitchFamily="18" charset="0"/>
+                      </a:rPr>
+                      <m:t>w</m:t>
+                    </m:r>
+                  </m:e>
+                  <m:sup>
+                    <m:r>
+                      <m:rPr>
+                        <m:sty m:val="p"/>
+                      </m:rPr>
+                      <a:rPr xmlns:a="http://schemas.openxmlformats.org/drawingml/2006/main" sz="2150" i="1">
+                        <a:solidFill>
+                          <a:srgbClr val="000000"/>
+                        </a:solidFill>
+                        <a:latin typeface="Cambria Math" panose="02040503050406030204" pitchFamily="18" charset="0"/>
+                      </a:rPr>
+                      <m:t>neu</m:t>
+                    </m:r>
+                  </m:sup>
+                </m:sSup>
+                <m:r>
+                  <a:rPr xmlns:a="http://schemas.openxmlformats.org/drawingml/2006/main" sz="2150" i="1">
+                    <a:solidFill>
+                      <a:srgbClr val="000000"/>
+                    </a:solidFill>
+                    <a:latin typeface="Cambria Math" panose="02040503050406030204" pitchFamily="18" charset="0"/>
+                  </a:rPr>
+                  <m:t>=</m:t>
+                </m:r>
+                <m:sSup>
+                  <m:e>
+                    <m:r>
+                      <m:rPr>
+                        <m:sty m:val="b"/>
+                      </m:rPr>
+                      <a:rPr xmlns:a="http://schemas.openxmlformats.org/drawingml/2006/main" sz="2150" i="1">
+                        <a:solidFill>
+                          <a:srgbClr val="000000"/>
+                        </a:solidFill>
+                        <a:latin typeface="Cambria Math" panose="02040503050406030204" pitchFamily="18" charset="0"/>
+                      </a:rPr>
+                      <m:t>w</m:t>
+                    </m:r>
+                  </m:e>
+                  <m:sup>
+                    <m:r>
+                      <m:rPr>
+                        <m:sty m:val="p"/>
+                      </m:rPr>
+                      <a:rPr xmlns:a="http://schemas.openxmlformats.org/drawingml/2006/main" sz="2150" i="1">
+                        <a:solidFill>
+                          <a:srgbClr val="000000"/>
+                        </a:solidFill>
+                        <a:latin typeface="Cambria Math" panose="02040503050406030204" pitchFamily="18" charset="0"/>
+                      </a:rPr>
+                      <m:t>alt</m:t>
+                    </m:r>
+                  </m:sup>
+                </m:sSup>
+                <m:r>
+                  <a:rPr xmlns:a="http://schemas.openxmlformats.org/drawingml/2006/main" sz="2150" i="1">
+                    <a:solidFill>
+                      <a:srgbClr val="000000"/>
+                    </a:solidFill>
+                    <a:latin typeface="Cambria Math" panose="02040503050406030204" pitchFamily="18" charset="0"/>
+                  </a:rPr>
+                  <m:t>-</m:t>
+                </m:r>
+                <m:r>
+                  <a:rPr xmlns:a="http://schemas.openxmlformats.org/drawingml/2006/main" sz="2150" i="1">
+                    <a:solidFill>
+                      <a:srgbClr val="000000"/>
+                    </a:solidFill>
+                    <a:latin typeface="Cambria Math" panose="02040503050406030204" pitchFamily="18" charset="0"/>
+                  </a:rPr>
+                  <m:t>η</m:t>
+                </m:r>
+                <m:sSub>
+                  <m:e>
+                    <m:r>
+                      <a:rPr xmlns:a="http://schemas.openxmlformats.org/drawingml/2006/main" sz="2150" i="1">
+                        <a:solidFill>
+                          <a:srgbClr val="000000"/>
+                        </a:solidFill>
+                        <a:latin typeface="Cambria Math" panose="02040503050406030204" pitchFamily="18" charset="0"/>
+                      </a:rPr>
+                      <m:t>∇</m:t>
+                    </m:r>
+                  </m:e>
+                  <m:sub>
+                    <m:r>
+                      <m:rPr>
+                        <m:sty m:val="b"/>
+                      </m:rPr>
+                      <a:rPr xmlns:a="http://schemas.openxmlformats.org/drawingml/2006/main" sz="2150" i="1">
+                        <a:solidFill>
+                          <a:srgbClr val="000000"/>
+                        </a:solidFill>
+                        <a:latin typeface="Cambria Math" panose="02040503050406030204" pitchFamily="18" charset="0"/>
+                      </a:rPr>
+                      <m:t>w</m:t>
+                    </m:r>
+                  </m:sub>
+                </m:sSub>
+                <m:r>
+                  <a:rPr xmlns:a="http://schemas.openxmlformats.org/drawingml/2006/main" sz="2150" i="1">
+                    <a:solidFill>
+                      <a:srgbClr val="000000"/>
+                    </a:solidFill>
+                    <a:latin typeface="Cambria Math" panose="02040503050406030204" pitchFamily="18" charset="0"/>
+                  </a:rPr>
+                  <m:t>C</m:t>
+                </m:r>
+                <m:r>
+                  <a:rPr xmlns:a="http://schemas.openxmlformats.org/drawingml/2006/main" sz="2150" i="1">
+                    <a:solidFill>
+                      <a:srgbClr val="000000"/>
+                    </a:solidFill>
+                    <a:latin typeface="Cambria Math" panose="02040503050406030204" pitchFamily="18" charset="0"/>
+                  </a:rPr>
+                  <m:t>(</m:t>
+                </m:r>
+                <m:r>
+                  <m:rPr>
+                    <m:sty m:val="b"/>
+                  </m:rPr>
+                  <a:rPr xmlns:a="http://schemas.openxmlformats.org/drawingml/2006/main" sz="2150" i="1">
+                    <a:solidFill>
+                      <a:srgbClr val="000000"/>
+                    </a:solidFill>
+                    <a:latin typeface="Cambria Math" panose="02040503050406030204" pitchFamily="18" charset="0"/>
+                  </a:rPr>
+                  <m:t>w</m:t>
+                </m:r>
+                <m:r>
+                  <a:rPr xmlns:a="http://schemas.openxmlformats.org/drawingml/2006/main" sz="2150" i="1">
+                    <a:solidFill>
+                      <a:srgbClr val="000000"/>
+                    </a:solidFill>
+                    <a:latin typeface="Cambria Math" panose="02040503050406030204" pitchFamily="18" charset="0"/>
+                  </a:rPr>
+                  <m:t>)</m:t>
+                </m:r>
+              </m:oMath>
+            </a14:m>
+          </a:p>
+        </p:txBody>
+      </p:sp>
+      <p:grpSp>
+        <p:nvGrpSpPr>
+          <p:cNvPr id="181" name="Gruppieren"/>
+          <p:cNvGrpSpPr/>
+          <p:nvPr/>
+        </p:nvGrpSpPr>
+        <p:grpSpPr>
+          <a:xfrm>
+            <a:off x="487001" y="3413164"/>
+            <a:ext cx="4556126" cy="3029533"/>
+            <a:chOff x="0" y="0"/>
+            <a:chExt cx="4556125" cy="3029531"/>
+          </a:xfrm>
+        </p:grpSpPr>
+        <p:pic>
+          <p:nvPicPr>
+            <p:cNvPr id="179" name="GradientDescent.jpg" descr="GradientDescent.jpg"/>
+            <p:cNvPicPr>
+              <a:picLocks noChangeAspect="1"/>
+            </p:cNvPicPr>
+            <p:nvPr/>
+          </p:nvPicPr>
+          <p:blipFill>
+            <a:blip r:embed="rId2">
+              <a:extLst/>
+            </a:blip>
+            <a:srcRect l="0" t="0" r="0" b="0"/>
+            <a:stretch>
+              <a:fillRect/>
+            </a:stretch>
+          </p:blipFill>
+          <p:spPr>
+            <a:xfrm>
+              <a:off x="0" y="0"/>
+              <a:ext cx="4556023" cy="2369132"/>
+            </a:xfrm>
+            <a:prstGeom prst="rect">
+              <a:avLst/>
+            </a:prstGeom>
+            <a:ln w="12700" cap="flat">
+              <a:noFill/>
+              <a:miter lim="400000"/>
+            </a:ln>
+            <a:effectLst/>
+          </p:spPr>
+        </p:pic>
+        <p:sp>
+          <p:nvSpPr>
+            <p:cNvPr id="180" name="Caption"/>
+            <p:cNvSpPr/>
+            <p:nvPr/>
+          </p:nvSpPr>
+          <p:spPr>
+            <a:xfrm>
+              <a:off x="0" y="2470731"/>
+              <a:ext cx="4556126" cy="558801"/>
+            </a:xfrm>
+            <a:prstGeom prst="roundRect">
+              <a:avLst>
+                <a:gd name="adj" fmla="val 0"/>
+              </a:avLst>
+            </a:prstGeom>
+            <a:solidFill>
+              <a:srgbClr val="000000">
+                <a:alpha val="0"/>
+              </a:srgbClr>
+            </a:solidFill>
+            <a:ln w="12700" cap="flat">
+              <a:noFill/>
+              <a:miter lim="400000"/>
+            </a:ln>
+            <a:effectLst/>
+            <a:extLst>
+              <a:ext uri="{C572A759-6A51-4108-AA02-DFA0A04FC94B}">
+                <ma14:wrappingTextBoxFlag xmlns:ma14="http://schemas.microsoft.com/office/mac/drawingml/2011/main" val="1"/>
+              </a:ext>
+            </a:extLst>
+          </p:spPr>
+          <p:txBody>
+            <a:bodyPr wrap="square" lIns="50800" tIns="50800" rIns="50800" bIns="50800" numCol="1" anchor="t">
+              <a:noAutofit/>
+            </a:bodyPr>
+            <a:lstStyle>
+              <a:lvl1pPr defTabSz="457200">
+                <a:defRPr sz="1500">
+                  <a:latin typeface="Times Roman"/>
+                  <a:ea typeface="Times Roman"/>
+                  <a:cs typeface="Times Roman"/>
+                  <a:sym typeface="Times Roman"/>
+                </a:defRPr>
+              </a:lvl1pPr>
+            </a:lstStyle>
+            <a:p>
+              <a:pPr/>
+              <a:r>
+                <a:t>Vakalopoulou M, et al. Deep Learning: Basics and Convolutional Neural Networks (CNNs) 2023 Jul 23</a:t>
+              </a:r>
+            </a:p>
+          </p:txBody>
+        </p:sp>
+      </p:grpSp>
+      <p:sp>
+        <p:nvSpPr>
+          <p:cNvPr id="182" name="Gradienten Berechnen:                                                                     Backpropagation-Backpropagation Algorithmus"/>
+          <p:cNvSpPr txBox="1"/>
+          <p:nvPr/>
+        </p:nvSpPr>
+        <p:spPr>
+          <a:xfrm>
+            <a:off x="5245523" y="3494993"/>
+            <a:ext cx="8822622" cy="695126"/>
+          </a:xfrm>
+          <a:prstGeom prst="rect">
+            <a:avLst/>
+          </a:prstGeom>
+          <a:ln w="12700">
+            <a:miter lim="400000"/>
+          </a:ln>
+          <a:extLst>
+            <a:ext uri="{C572A759-6A51-4108-AA02-DFA0A04FC94B}">
+              <ma14:wrappingTextBoxFlag xmlns:ma14="http://schemas.microsoft.com/office/mac/drawingml/2011/main" val="1"/>
+            </a:ext>
+          </a:extLst>
+        </p:spPr>
+        <p:txBody>
+          <a:bodyPr wrap="none" lIns="45718" tIns="45718" rIns="45718" bIns="45718">
+            <a:spAutoFit/>
+          </a:bodyPr>
+          <a:lstStyle>
+            <a:lvl1pPr marL="180473" indent="-180473">
+              <a:lnSpc>
+                <a:spcPct val="130000"/>
+              </a:lnSpc>
+              <a:spcBef>
+                <a:spcPts val="300"/>
+              </a:spcBef>
+              <a:buSzPct val="100000"/>
+              <a:buChar char="•"/>
+              <a:defRPr>
+                <a:latin typeface="Arial"/>
+                <a:ea typeface="Arial"/>
+                <a:cs typeface="Arial"/>
+                <a:sym typeface="Arial"/>
+              </a:defRPr>
+            </a:lvl1pPr>
+          </a:lstStyle>
+          <a:p>
+            <a:pPr/>
+            <a:r>
+              <a:t>Gradienten Berechnen:                                                                     Backpropagation-Backpropagation Algorithmus</a:t>
+            </a:r>
+          </a:p>
+        </p:txBody>
+      </p:sp>
+    </p:spTree>
+  </p:cSld>
+  <p:clrMapOvr>
+    <a:masterClrMapping/>
+  </p:clrMapOvr>
+  <p:transition xmlns:p14="http://schemas.microsoft.com/office/powerpoint/2010/main" spd="med" advClick="1"/>
+</p:sld>
+</file>
+
+<file path=ppt/slides/slide6.xml><?xml version="1.0" encoding="utf-8"?>
+<p:sld xmlns:a="http://schemas.openxmlformats.org/drawingml/2006/main" xmlns:r="http://schemas.openxmlformats.org/officeDocument/2006/relationships" xmlns:p="http://schemas.openxmlformats.org/presentationml/2006/main" xmlns:m="http://schemas.openxmlformats.org/officeDocument/2006/math" xmlns:a14="http://schemas.microsoft.com/office/drawing/2010/main" showMasterSp="1" showMasterPhAnim="1">
+  <p:cSld>
+    <p:spTree>
+      <p:nvGrpSpPr>
+        <p:cNvPr id="1" name=""/>
+        <p:cNvGrpSpPr/>
+        <p:nvPr/>
+      </p:nvGrpSpPr>
+      <p:grpSpPr>
+        <a:xfrm>
+          <a:off x="0" y="0"/>
+          <a:ext cx="0" cy="0"/>
+          <a:chOff x="0" y="0"/>
+          <a:chExt cx="0" cy="0"/>
+        </a:xfrm>
+      </p:grpSpPr>
+      <p:sp>
+        <p:nvSpPr>
+          <p:cNvPr id="184" name="Backpropagation Algorithmus"/>
+          <p:cNvSpPr txBox="1"/>
+          <p:nvPr>
+            <p:ph type="title"/>
+          </p:nvPr>
+        </p:nvSpPr>
+        <p:spPr>
+          <a:prstGeom prst="rect">
+            <a:avLst/>
+          </a:prstGeom>
+        </p:spPr>
+        <p:txBody>
+          <a:bodyPr/>
+          <a:lstStyle/>
+          <a:p>
+            <a:pPr/>
+            <a:r>
+              <a:t>Backpropagation Algorithmus</a:t>
+            </a:r>
+          </a:p>
+        </p:txBody>
+      </p:sp>
+      <p:sp>
+        <p:nvSpPr>
+          <p:cNvPr id="185" name="Output Layer:              (1)…"/>
+          <p:cNvSpPr txBox="1"/>
+          <p:nvPr/>
+        </p:nvSpPr>
+        <p:spPr>
+          <a:xfrm>
+            <a:off x="323403" y="825499"/>
+            <a:ext cx="5780184" cy="4082027"/>
+          </a:xfrm>
+          <a:prstGeom prst="rect">
+            <a:avLst/>
+          </a:prstGeom>
+          <a:ln w="12700">
+            <a:miter lim="400000"/>
+          </a:ln>
+          <a:extLst>
+            <a:ext uri="{C572A759-6A51-4108-AA02-DFA0A04FC94B}">
+              <ma14:wrappingTextBoxFlag xmlns:ma14="http://schemas.microsoft.com/office/mac/drawingml/2011/main" val="1"/>
+            </a:ext>
+          </a:extLst>
+        </p:spPr>
+        <p:txBody>
+          <a:bodyPr lIns="45718" tIns="45718" rIns="45718" bIns="45718">
+            <a:spAutoFit/>
+          </a:bodyPr>
+          <a:lstStyle/>
+          <a:p>
+            <a:pPr marL="200526" indent="-200526">
+              <a:lnSpc>
+                <a:spcPct val="110000"/>
+              </a:lnSpc>
+              <a:buSzPct val="100000"/>
+              <a:buChar char="•"/>
+              <a:defRPr sz="1600">
+                <a:uFill>
+                  <a:solidFill>
+                    <a:schemeClr val="accent1"/>
+                  </a:solidFill>
+                </a:uFill>
+                <a:latin typeface="Arial"/>
+                <a:ea typeface="Arial"/>
+                <a:cs typeface="Arial"/>
+                <a:sym typeface="Arial"/>
+              </a:defRPr>
+            </a:pPr>
+            <a:r>
+              <a:t>Output Layer: </a:t>
+            </a:r>
+            <a14:m>
+              <m:oMath>
+                <m:sSubSup>
+                  <m:e>
+                    <m:r>
+                      <m:rPr>
+                        <m:sty m:val="p"/>
+                      </m:rPr>
+                      <a:rPr xmlns:a="http://schemas.openxmlformats.org/drawingml/2006/main" sz="1950" i="1">
+                        <a:solidFill>
+                          <a:srgbClr val="000000"/>
+                        </a:solidFill>
+                        <a:latin typeface="Cambria Math" panose="02040503050406030204" pitchFamily="18" charset="0"/>
+                      </a:rPr>
+                      <m:t>Δ</m:t>
+                    </m:r>
+                  </m:e>
+                  <m:sub>
+                    <m:r>
+                      <a:rPr xmlns:a="http://schemas.openxmlformats.org/drawingml/2006/main" sz="1950" i="1">
+                        <a:solidFill>
+                          <a:srgbClr val="000000"/>
+                        </a:solidFill>
+                        <a:latin typeface="Cambria Math" panose="02040503050406030204" pitchFamily="18" charset="0"/>
+                      </a:rPr>
+                      <m:t>j</m:t>
+                    </m:r>
+                  </m:sub>
+                  <m:sup>
+                    <m:r>
+                      <a:rPr xmlns:a="http://schemas.openxmlformats.org/drawingml/2006/main" sz="1950" i="1">
+                        <a:solidFill>
+                          <a:srgbClr val="000000"/>
+                        </a:solidFill>
+                        <a:latin typeface="Cambria Math" panose="02040503050406030204" pitchFamily="18" charset="0"/>
+                      </a:rPr>
+                      <m:t>(</m:t>
+                    </m:r>
+                    <m:r>
+                      <a:rPr xmlns:a="http://schemas.openxmlformats.org/drawingml/2006/main" sz="1950" i="1">
+                        <a:solidFill>
+                          <a:srgbClr val="000000"/>
+                        </a:solidFill>
+                        <a:latin typeface="Cambria Math" panose="02040503050406030204" pitchFamily="18" charset="0"/>
+                      </a:rPr>
+                      <m:t>L</m:t>
+                    </m:r>
+                    <m:r>
+                      <a:rPr xmlns:a="http://schemas.openxmlformats.org/drawingml/2006/main" sz="1950" i="1">
+                        <a:solidFill>
+                          <a:srgbClr val="000000"/>
+                        </a:solidFill>
+                        <a:latin typeface="Cambria Math" panose="02040503050406030204" pitchFamily="18" charset="0"/>
+                      </a:rPr>
+                      <m:t>)</m:t>
+                    </m:r>
+                  </m:sup>
+                </m:sSubSup>
+                <m:r>
+                  <a:rPr xmlns:a="http://schemas.openxmlformats.org/drawingml/2006/main" sz="1950" i="1">
+                    <a:solidFill>
+                      <a:srgbClr val="000000"/>
+                    </a:solidFill>
+                    <a:latin typeface="Cambria Math" panose="02040503050406030204" pitchFamily="18" charset="0"/>
+                  </a:rPr>
+                  <m:t>=</m:t>
+                </m:r>
+                <m:f>
+                  <m:fPr>
+                    <m:ctrlPr>
+                      <a:rPr xmlns:a="http://schemas.openxmlformats.org/drawingml/2006/main" sz="1950" i="1">
+                        <a:solidFill>
+                          <a:srgbClr val="000000"/>
+                        </a:solidFill>
+                        <a:latin typeface="Cambria Math" panose="02040503050406030204" pitchFamily="18" charset="0"/>
+                      </a:rPr>
+                    </m:ctrlPr>
+                    <m:type m:val="bar"/>
+                  </m:fPr>
+                  <m:num>
+                    <m:r>
+                      <m:rPr>
+                        <m:sty m:val="p"/>
+                      </m:rPr>
+                      <a:rPr xmlns:a="http://schemas.openxmlformats.org/drawingml/2006/main" sz="1950" i="1">
+                        <a:solidFill>
+                          <a:srgbClr val="000000"/>
+                        </a:solidFill>
+                        <a:latin typeface="Cambria Math" panose="02040503050406030204" pitchFamily="18" charset="0"/>
+                      </a:rPr>
+                      <m:t>∂</m:t>
+                    </m:r>
+                    <m:r>
+                      <a:rPr xmlns:a="http://schemas.openxmlformats.org/drawingml/2006/main" sz="1950" i="1">
+                        <a:solidFill>
+                          <a:srgbClr val="000000"/>
+                        </a:solidFill>
+                        <a:latin typeface="Cambria Math" panose="02040503050406030204" pitchFamily="18" charset="0"/>
+                      </a:rPr>
+                      <m:t>C</m:t>
+                    </m:r>
+                  </m:num>
+                  <m:den>
+                    <m:r>
+                      <m:rPr>
+                        <m:sty m:val="p"/>
+                      </m:rPr>
+                      <a:rPr xmlns:a="http://schemas.openxmlformats.org/drawingml/2006/main" sz="1950" i="1">
+                        <a:solidFill>
+                          <a:srgbClr val="000000"/>
+                        </a:solidFill>
+                        <a:latin typeface="Cambria Math" panose="02040503050406030204" pitchFamily="18" charset="0"/>
+                      </a:rPr>
+                      <m:t>∂</m:t>
+                    </m:r>
+                    <m:sSubSup>
+                      <m:e>
+                        <m:r>
+                          <a:rPr xmlns:a="http://schemas.openxmlformats.org/drawingml/2006/main" sz="1950" i="1">
+                            <a:solidFill>
+                              <a:srgbClr val="000000"/>
+                            </a:solidFill>
+                            <a:latin typeface="Cambria Math" panose="02040503050406030204" pitchFamily="18" charset="0"/>
+                          </a:rPr>
+                          <m:t>z</m:t>
+                        </m:r>
+                      </m:e>
+                      <m:sub>
+                        <m:r>
+                          <a:rPr xmlns:a="http://schemas.openxmlformats.org/drawingml/2006/main" sz="1950" i="1">
+                            <a:solidFill>
+                              <a:srgbClr val="000000"/>
+                            </a:solidFill>
+                            <a:latin typeface="Cambria Math" panose="02040503050406030204" pitchFamily="18" charset="0"/>
+                          </a:rPr>
+                          <m:t>j</m:t>
+                        </m:r>
+                      </m:sub>
+                      <m:sup>
+                        <m:r>
+                          <a:rPr xmlns:a="http://schemas.openxmlformats.org/drawingml/2006/main" sz="1950" i="1">
+                            <a:solidFill>
+                              <a:srgbClr val="000000"/>
+                            </a:solidFill>
+                            <a:latin typeface="Cambria Math" panose="02040503050406030204" pitchFamily="18" charset="0"/>
+                          </a:rPr>
+                          <m:t>(</m:t>
+                        </m:r>
+                        <m:r>
+                          <a:rPr xmlns:a="http://schemas.openxmlformats.org/drawingml/2006/main" sz="1950" i="1">
+                            <a:solidFill>
+                              <a:srgbClr val="000000"/>
+                            </a:solidFill>
+                            <a:latin typeface="Cambria Math" panose="02040503050406030204" pitchFamily="18" charset="0"/>
+                          </a:rPr>
+                          <m:t>L</m:t>
+                        </m:r>
+                        <m:r>
+                          <a:rPr xmlns:a="http://schemas.openxmlformats.org/drawingml/2006/main" sz="1950" i="1">
+                            <a:solidFill>
+                              <a:srgbClr val="000000"/>
+                            </a:solidFill>
+                            <a:latin typeface="Cambria Math" panose="02040503050406030204" pitchFamily="18" charset="0"/>
+                          </a:rPr>
+                          <m:t>)</m:t>
+                        </m:r>
+                      </m:sup>
+                    </m:sSubSup>
+                  </m:den>
+                </m:f>
+                <m:r>
+                  <a:rPr xmlns:a="http://schemas.openxmlformats.org/drawingml/2006/main" sz="1950" i="1">
+                    <a:solidFill>
+                      <a:srgbClr val="000000"/>
+                    </a:solidFill>
+                    <a:latin typeface="Cambria Math" panose="02040503050406030204" pitchFamily="18" charset="0"/>
+                  </a:rPr>
+                  <m:t>=</m:t>
+                </m:r>
+                <m:f>
+                  <m:fPr>
+                    <m:ctrlPr>
+                      <a:rPr xmlns:a="http://schemas.openxmlformats.org/drawingml/2006/main" sz="1950" i="1">
+                        <a:solidFill>
+                          <a:srgbClr val="000000"/>
+                        </a:solidFill>
+                        <a:latin typeface="Cambria Math" panose="02040503050406030204" pitchFamily="18" charset="0"/>
+                      </a:rPr>
+                    </m:ctrlPr>
+                    <m:type m:val="bar"/>
+                  </m:fPr>
+                  <m:num>
+                    <m:r>
+                      <m:rPr>
+                        <m:sty m:val="p"/>
+                      </m:rPr>
+                      <a:rPr xmlns:a="http://schemas.openxmlformats.org/drawingml/2006/main" sz="1950" i="1">
+                        <a:solidFill>
+                          <a:srgbClr val="000000"/>
+                        </a:solidFill>
+                        <a:latin typeface="Cambria Math" panose="02040503050406030204" pitchFamily="18" charset="0"/>
+                      </a:rPr>
+                      <m:t>∂</m:t>
+                    </m:r>
+                    <m:r>
+                      <a:rPr xmlns:a="http://schemas.openxmlformats.org/drawingml/2006/main" sz="1950" i="1">
+                        <a:solidFill>
+                          <a:srgbClr val="000000"/>
+                        </a:solidFill>
+                        <a:latin typeface="Cambria Math" panose="02040503050406030204" pitchFamily="18" charset="0"/>
+                      </a:rPr>
+                      <m:t>C</m:t>
+                    </m:r>
+                  </m:num>
+                  <m:den>
+                    <m:r>
+                      <m:rPr>
+                        <m:sty m:val="p"/>
+                      </m:rPr>
+                      <a:rPr xmlns:a="http://schemas.openxmlformats.org/drawingml/2006/main" sz="1950" i="1">
+                        <a:solidFill>
+                          <a:srgbClr val="000000"/>
+                        </a:solidFill>
+                        <a:latin typeface="Cambria Math" panose="02040503050406030204" pitchFamily="18" charset="0"/>
+                      </a:rPr>
+                      <m:t>∂</m:t>
+                    </m:r>
+                    <m:sSubSup>
+                      <m:e>
+                        <m:r>
+                          <a:rPr xmlns:a="http://schemas.openxmlformats.org/drawingml/2006/main" sz="1950" i="1">
+                            <a:solidFill>
+                              <a:srgbClr val="000000"/>
+                            </a:solidFill>
+                            <a:latin typeface="Cambria Math" panose="02040503050406030204" pitchFamily="18" charset="0"/>
+                          </a:rPr>
+                          <m:t>a</m:t>
+                        </m:r>
+                      </m:e>
+                      <m:sub>
+                        <m:r>
+                          <a:rPr xmlns:a="http://schemas.openxmlformats.org/drawingml/2006/main" sz="1950" i="1">
+                            <a:solidFill>
+                              <a:srgbClr val="000000"/>
+                            </a:solidFill>
+                            <a:latin typeface="Cambria Math" panose="02040503050406030204" pitchFamily="18" charset="0"/>
+                          </a:rPr>
+                          <m:t>j</m:t>
+                        </m:r>
+                      </m:sub>
+                      <m:sup>
+                        <m:r>
+                          <a:rPr xmlns:a="http://schemas.openxmlformats.org/drawingml/2006/main" sz="1950" i="1">
+                            <a:solidFill>
+                              <a:srgbClr val="000000"/>
+                            </a:solidFill>
+                            <a:latin typeface="Cambria Math" panose="02040503050406030204" pitchFamily="18" charset="0"/>
+                          </a:rPr>
+                          <m:t>(</m:t>
+                        </m:r>
+                        <m:r>
+                          <a:rPr xmlns:a="http://schemas.openxmlformats.org/drawingml/2006/main" sz="1950" i="1">
+                            <a:solidFill>
+                              <a:srgbClr val="000000"/>
+                            </a:solidFill>
+                            <a:latin typeface="Cambria Math" panose="02040503050406030204" pitchFamily="18" charset="0"/>
+                          </a:rPr>
+                          <m:t>L</m:t>
+                        </m:r>
+                        <m:r>
+                          <a:rPr xmlns:a="http://schemas.openxmlformats.org/drawingml/2006/main" sz="1950" i="1">
+                            <a:solidFill>
+                              <a:srgbClr val="000000"/>
+                            </a:solidFill>
+                            <a:latin typeface="Cambria Math" panose="02040503050406030204" pitchFamily="18" charset="0"/>
+                          </a:rPr>
+                          <m:t>)</m:t>
+                        </m:r>
+                      </m:sup>
+                    </m:sSubSup>
+                  </m:den>
+                </m:f>
+                <m:r>
+                  <a:rPr xmlns:a="http://schemas.openxmlformats.org/drawingml/2006/main" sz="1950" i="1">
+                    <a:solidFill>
+                      <a:srgbClr val="000000"/>
+                    </a:solidFill>
+                    <a:latin typeface="Cambria Math" panose="02040503050406030204" pitchFamily="18" charset="0"/>
+                  </a:rPr>
+                  <m:t>⋅</m:t>
+                </m:r>
+                <m:sSup>
+                  <m:e>
+                    <m:r>
+                      <a:rPr xmlns:a="http://schemas.openxmlformats.org/drawingml/2006/main" sz="1950" i="1">
+                        <a:solidFill>
+                          <a:srgbClr val="000000"/>
+                        </a:solidFill>
+                        <a:latin typeface="Cambria Math" panose="02040503050406030204" pitchFamily="18" charset="0"/>
+                      </a:rPr>
+                      <m:t>σ</m:t>
+                    </m:r>
+                  </m:e>
+                  <m:sup>
+                    <m:r>
+                      <a:rPr xmlns:a="http://schemas.openxmlformats.org/drawingml/2006/main" sz="1950" i="1">
+                        <a:solidFill>
+                          <a:srgbClr val="000000"/>
+                        </a:solidFill>
+                        <a:latin typeface="Cambria Math" panose="02040503050406030204" pitchFamily="18" charset="0"/>
+                      </a:rPr>
+                      <m:t>′</m:t>
+                    </m:r>
+                  </m:sup>
+                </m:sSup>
+                <m:d>
+                  <m:dPr>
+                    <m:ctrlPr>
+                      <a:rPr xmlns:a="http://schemas.openxmlformats.org/drawingml/2006/main" sz="1950" i="1">
+                        <a:solidFill>
+                          <a:srgbClr val="000000"/>
+                        </a:solidFill>
+                        <a:latin typeface="Cambria Math" panose="02040503050406030204" pitchFamily="18" charset="0"/>
+                      </a:rPr>
+                    </m:ctrlPr>
+                  </m:dPr>
+                  <m:e>
+                    <m:sSubSup>
+                      <m:e>
+                        <m:r>
+                          <a:rPr xmlns:a="http://schemas.openxmlformats.org/drawingml/2006/main" sz="1950" i="1">
+                            <a:solidFill>
+                              <a:srgbClr val="000000"/>
+                            </a:solidFill>
+                            <a:latin typeface="Cambria Math" panose="02040503050406030204" pitchFamily="18" charset="0"/>
+                          </a:rPr>
+                          <m:t>z</m:t>
+                        </m:r>
+                      </m:e>
+                      <m:sub>
+                        <m:r>
+                          <a:rPr xmlns:a="http://schemas.openxmlformats.org/drawingml/2006/main" sz="1950" i="1">
+                            <a:solidFill>
+                              <a:srgbClr val="000000"/>
+                            </a:solidFill>
+                            <a:latin typeface="Cambria Math" panose="02040503050406030204" pitchFamily="18" charset="0"/>
+                          </a:rPr>
+                          <m:t>j</m:t>
+                        </m:r>
+                      </m:sub>
+                      <m:sup>
+                        <m:r>
+                          <a:rPr xmlns:a="http://schemas.openxmlformats.org/drawingml/2006/main" sz="1950" i="1">
+                            <a:solidFill>
+                              <a:srgbClr val="000000"/>
+                            </a:solidFill>
+                            <a:latin typeface="Cambria Math" panose="02040503050406030204" pitchFamily="18" charset="0"/>
+                          </a:rPr>
+                          <m:t>(</m:t>
+                        </m:r>
+                        <m:r>
+                          <a:rPr xmlns:a="http://schemas.openxmlformats.org/drawingml/2006/main" sz="1950" i="1">
+                            <a:solidFill>
+                              <a:srgbClr val="000000"/>
+                            </a:solidFill>
+                            <a:latin typeface="Cambria Math" panose="02040503050406030204" pitchFamily="18" charset="0"/>
+                          </a:rPr>
+                          <m:t>L</m:t>
+                        </m:r>
+                        <m:r>
+                          <a:rPr xmlns:a="http://schemas.openxmlformats.org/drawingml/2006/main" sz="1950" i="1">
+                            <a:solidFill>
+                              <a:srgbClr val="000000"/>
+                            </a:solidFill>
+                            <a:latin typeface="Cambria Math" panose="02040503050406030204" pitchFamily="18" charset="0"/>
+                          </a:rPr>
+                          <m:t>)</m:t>
+                        </m:r>
+                      </m:sup>
+                    </m:sSubSup>
+                  </m:e>
+                </m:d>
+              </m:oMath>
+            </a14:m>
+            <a:r>
+              <a:t>            </a:t>
+            </a:r>
+            <a:r>
+              <a:rPr b="1"/>
+              <a:t>(1)                           </a:t>
+            </a:r>
+            <a:endParaRPr b="1"/>
+          </a:p>
+          <a:p>
+            <a:pPr marL="200526" indent="-200526">
+              <a:lnSpc>
+                <a:spcPct val="110000"/>
+              </a:lnSpc>
+              <a:buSzPct val="100000"/>
+              <a:buChar char="•"/>
+              <a:defRPr sz="1600">
+                <a:uFill>
+                  <a:solidFill>
+                    <a:schemeClr val="accent1"/>
+                  </a:solidFill>
+                </a:uFill>
+                <a:latin typeface="Arial"/>
+                <a:ea typeface="Arial"/>
+                <a:cs typeface="Arial"/>
+                <a:sym typeface="Arial"/>
+              </a:defRPr>
+            </a:pPr>
+            <a:r>
+              <a:t>Layer </a:t>
+            </a:r>
+            <a14:m>
+              <m:oMath>
+                <m:r>
+                  <a:rPr xmlns:a="http://schemas.openxmlformats.org/drawingml/2006/main" sz="2250" i="1">
+                    <a:solidFill>
+                      <a:srgbClr val="000000"/>
+                    </a:solidFill>
+                    <a:latin typeface="Cambria Math" panose="02040503050406030204" pitchFamily="18" charset="0"/>
+                  </a:rPr>
+                  <m:t>l</m:t>
+                </m:r>
+              </m:oMath>
+            </a14:m>
+            <a:r>
+              <a:t>: </a:t>
+            </a:r>
+            <a14:m>
+              <m:oMath>
+                <m:sSubSup>
+                  <m:e>
+                    <m:r>
+                      <m:rPr>
+                        <m:sty m:val="p"/>
+                      </m:rPr>
+                      <a:rPr xmlns:a="http://schemas.openxmlformats.org/drawingml/2006/main" sz="1900" i="1">
+                        <a:solidFill>
+                          <a:srgbClr val="000000"/>
+                        </a:solidFill>
+                        <a:latin typeface="Cambria Math" panose="02040503050406030204" pitchFamily="18" charset="0"/>
+                      </a:rPr>
+                      <m:t>Δ</m:t>
+                    </m:r>
+                  </m:e>
+                  <m:sub>
+                    <m:r>
+                      <a:rPr xmlns:a="http://schemas.openxmlformats.org/drawingml/2006/main" sz="1900" i="1">
+                        <a:solidFill>
+                          <a:srgbClr val="000000"/>
+                        </a:solidFill>
+                        <a:latin typeface="Cambria Math" panose="02040503050406030204" pitchFamily="18" charset="0"/>
+                      </a:rPr>
+                      <m:t>j</m:t>
+                    </m:r>
+                  </m:sub>
+                  <m:sup>
+                    <m:r>
+                      <a:rPr xmlns:a="http://schemas.openxmlformats.org/drawingml/2006/main" sz="1900" i="1">
+                        <a:solidFill>
+                          <a:srgbClr val="000000"/>
+                        </a:solidFill>
+                        <a:latin typeface="Cambria Math" panose="02040503050406030204" pitchFamily="18" charset="0"/>
+                      </a:rPr>
+                      <m:t>(</m:t>
+                    </m:r>
+                    <m:r>
+                      <a:rPr xmlns:a="http://schemas.openxmlformats.org/drawingml/2006/main" sz="1900" i="1">
+                        <a:solidFill>
+                          <a:srgbClr val="000000"/>
+                        </a:solidFill>
+                        <a:latin typeface="Cambria Math" panose="02040503050406030204" pitchFamily="18" charset="0"/>
+                      </a:rPr>
+                      <m:t>l</m:t>
+                    </m:r>
+                    <m:r>
+                      <a:rPr xmlns:a="http://schemas.openxmlformats.org/drawingml/2006/main" sz="1900" i="1">
+                        <a:solidFill>
+                          <a:srgbClr val="000000"/>
+                        </a:solidFill>
+                        <a:latin typeface="Cambria Math" panose="02040503050406030204" pitchFamily="18" charset="0"/>
+                      </a:rPr>
+                      <m:t>)</m:t>
+                    </m:r>
+                  </m:sup>
+                </m:sSubSup>
+                <m:r>
+                  <a:rPr xmlns:a="http://schemas.openxmlformats.org/drawingml/2006/main" sz="1900" i="1">
+                    <a:solidFill>
+                      <a:srgbClr val="000000"/>
+                    </a:solidFill>
+                    <a:latin typeface="Cambria Math" panose="02040503050406030204" pitchFamily="18" charset="0"/>
+                  </a:rPr>
+                  <m:t>=</m:t>
+                </m:r>
+                <m:f>
+                  <m:fPr>
+                    <m:ctrlPr>
+                      <a:rPr xmlns:a="http://schemas.openxmlformats.org/drawingml/2006/main" sz="1900" i="1">
+                        <a:solidFill>
+                          <a:srgbClr val="000000"/>
+                        </a:solidFill>
+                        <a:latin typeface="Cambria Math" panose="02040503050406030204" pitchFamily="18" charset="0"/>
+                      </a:rPr>
+                    </m:ctrlPr>
+                    <m:type m:val="bar"/>
+                  </m:fPr>
+                  <m:num>
+                    <m:r>
+                      <m:rPr>
+                        <m:sty m:val="p"/>
+                      </m:rPr>
+                      <a:rPr xmlns:a="http://schemas.openxmlformats.org/drawingml/2006/main" sz="1900" i="1">
+                        <a:solidFill>
+                          <a:srgbClr val="000000"/>
+                        </a:solidFill>
+                        <a:latin typeface="Cambria Math" panose="02040503050406030204" pitchFamily="18" charset="0"/>
+                      </a:rPr>
+                      <m:t>∂</m:t>
+                    </m:r>
+                    <m:r>
+                      <a:rPr xmlns:a="http://schemas.openxmlformats.org/drawingml/2006/main" sz="1900" i="1">
+                        <a:solidFill>
+                          <a:srgbClr val="000000"/>
+                        </a:solidFill>
+                        <a:latin typeface="Cambria Math" panose="02040503050406030204" pitchFamily="18" charset="0"/>
+                      </a:rPr>
+                      <m:t>C</m:t>
+                    </m:r>
+                  </m:num>
+                  <m:den>
+                    <m:r>
+                      <m:rPr>
+                        <m:sty m:val="p"/>
+                      </m:rPr>
+                      <a:rPr xmlns:a="http://schemas.openxmlformats.org/drawingml/2006/main" sz="1900" i="1">
+                        <a:solidFill>
+                          <a:srgbClr val="000000"/>
+                        </a:solidFill>
+                        <a:latin typeface="Cambria Math" panose="02040503050406030204" pitchFamily="18" charset="0"/>
+                      </a:rPr>
+                      <m:t>∂</m:t>
+                    </m:r>
+                    <m:sSubSup>
+                      <m:e>
+                        <m:r>
+                          <a:rPr xmlns:a="http://schemas.openxmlformats.org/drawingml/2006/main" sz="1900" i="1">
+                            <a:solidFill>
+                              <a:srgbClr val="000000"/>
+                            </a:solidFill>
+                            <a:latin typeface="Cambria Math" panose="02040503050406030204" pitchFamily="18" charset="0"/>
+                          </a:rPr>
+                          <m:t>z</m:t>
+                        </m:r>
+                      </m:e>
+                      <m:sub>
+                        <m:r>
+                          <a:rPr xmlns:a="http://schemas.openxmlformats.org/drawingml/2006/main" sz="1900" i="1">
+                            <a:solidFill>
+                              <a:srgbClr val="000000"/>
+                            </a:solidFill>
+                            <a:latin typeface="Cambria Math" panose="02040503050406030204" pitchFamily="18" charset="0"/>
+                          </a:rPr>
+                          <m:t>j</m:t>
+                        </m:r>
+                      </m:sub>
+                      <m:sup>
+                        <m:r>
+                          <a:rPr xmlns:a="http://schemas.openxmlformats.org/drawingml/2006/main" sz="1900" i="1">
+                            <a:solidFill>
+                              <a:srgbClr val="000000"/>
+                            </a:solidFill>
+                            <a:latin typeface="Cambria Math" panose="02040503050406030204" pitchFamily="18" charset="0"/>
+                          </a:rPr>
+                          <m:t>(</m:t>
+                        </m:r>
+                        <m:r>
+                          <a:rPr xmlns:a="http://schemas.openxmlformats.org/drawingml/2006/main" sz="1900" i="1">
+                            <a:solidFill>
+                              <a:srgbClr val="000000"/>
+                            </a:solidFill>
+                            <a:latin typeface="Cambria Math" panose="02040503050406030204" pitchFamily="18" charset="0"/>
+                          </a:rPr>
+                          <m:t>l</m:t>
+                        </m:r>
+                        <m:r>
+                          <a:rPr xmlns:a="http://schemas.openxmlformats.org/drawingml/2006/main" sz="1900" i="1">
+                            <a:solidFill>
+                              <a:srgbClr val="000000"/>
+                            </a:solidFill>
+                            <a:latin typeface="Cambria Math" panose="02040503050406030204" pitchFamily="18" charset="0"/>
+                          </a:rPr>
+                          <m:t>)</m:t>
+                        </m:r>
+                      </m:sup>
+                    </m:sSubSup>
+                  </m:den>
+                </m:f>
+                <m:r>
+                  <a:rPr xmlns:a="http://schemas.openxmlformats.org/drawingml/2006/main" sz="1900" i="1">
+                    <a:solidFill>
+                      <a:srgbClr val="000000"/>
+                    </a:solidFill>
+                    <a:latin typeface="Cambria Math" panose="02040503050406030204" pitchFamily="18" charset="0"/>
+                  </a:rPr>
+                  <m:t>=</m:t>
+                </m:r>
+                <m:f>
+                  <m:fPr>
+                    <m:ctrlPr>
+                      <a:rPr xmlns:a="http://schemas.openxmlformats.org/drawingml/2006/main" sz="1900" i="1">
+                        <a:solidFill>
+                          <a:srgbClr val="000000"/>
+                        </a:solidFill>
+                        <a:latin typeface="Cambria Math" panose="02040503050406030204" pitchFamily="18" charset="0"/>
+                      </a:rPr>
+                    </m:ctrlPr>
+                    <m:type m:val="bar"/>
+                  </m:fPr>
+                  <m:num>
+                    <m:r>
+                      <m:rPr>
+                        <m:sty m:val="p"/>
+                      </m:rPr>
+                      <a:rPr xmlns:a="http://schemas.openxmlformats.org/drawingml/2006/main" sz="1900" i="1">
+                        <a:solidFill>
+                          <a:srgbClr val="000000"/>
+                        </a:solidFill>
+                        <a:latin typeface="Cambria Math" panose="02040503050406030204" pitchFamily="18" charset="0"/>
+                      </a:rPr>
+                      <m:t>∂</m:t>
+                    </m:r>
+                    <m:r>
+                      <a:rPr xmlns:a="http://schemas.openxmlformats.org/drawingml/2006/main" sz="1900" i="1">
+                        <a:solidFill>
+                          <a:srgbClr val="000000"/>
+                        </a:solidFill>
+                        <a:latin typeface="Cambria Math" panose="02040503050406030204" pitchFamily="18" charset="0"/>
+                      </a:rPr>
+                      <m:t>C</m:t>
+                    </m:r>
+                  </m:num>
+                  <m:den>
+                    <m:r>
+                      <m:rPr>
+                        <m:sty m:val="p"/>
+                      </m:rPr>
+                      <a:rPr xmlns:a="http://schemas.openxmlformats.org/drawingml/2006/main" sz="1900" i="1">
+                        <a:solidFill>
+                          <a:srgbClr val="000000"/>
+                        </a:solidFill>
+                        <a:latin typeface="Cambria Math" panose="02040503050406030204" pitchFamily="18" charset="0"/>
+                      </a:rPr>
+                      <m:t>∂</m:t>
+                    </m:r>
+                    <m:sSubSup>
+                      <m:e>
+                        <m:r>
+                          <a:rPr xmlns:a="http://schemas.openxmlformats.org/drawingml/2006/main" sz="1900" i="1">
+                            <a:solidFill>
+                              <a:srgbClr val="000000"/>
+                            </a:solidFill>
+                            <a:latin typeface="Cambria Math" panose="02040503050406030204" pitchFamily="18" charset="0"/>
+                          </a:rPr>
+                          <m:t>b</m:t>
+                        </m:r>
+                      </m:e>
+                      <m:sub>
+                        <m:r>
+                          <a:rPr xmlns:a="http://schemas.openxmlformats.org/drawingml/2006/main" sz="1900" i="1">
+                            <a:solidFill>
+                              <a:srgbClr val="000000"/>
+                            </a:solidFill>
+                            <a:latin typeface="Cambria Math" panose="02040503050406030204" pitchFamily="18" charset="0"/>
+                          </a:rPr>
+                          <m:t>j</m:t>
+                        </m:r>
+                      </m:sub>
+                      <m:sup>
+                        <m:r>
+                          <a:rPr xmlns:a="http://schemas.openxmlformats.org/drawingml/2006/main" sz="1900" i="1">
+                            <a:solidFill>
+                              <a:srgbClr val="000000"/>
+                            </a:solidFill>
+                            <a:latin typeface="Cambria Math" panose="02040503050406030204" pitchFamily="18" charset="0"/>
+                          </a:rPr>
+                          <m:t>(</m:t>
+                        </m:r>
+                        <m:r>
+                          <a:rPr xmlns:a="http://schemas.openxmlformats.org/drawingml/2006/main" sz="1900" i="1">
+                            <a:solidFill>
+                              <a:srgbClr val="000000"/>
+                            </a:solidFill>
+                            <a:latin typeface="Cambria Math" panose="02040503050406030204" pitchFamily="18" charset="0"/>
+                          </a:rPr>
+                          <m:t>l</m:t>
+                        </m:r>
+                        <m:r>
+                          <a:rPr xmlns:a="http://schemas.openxmlformats.org/drawingml/2006/main" sz="1900" i="1">
+                            <a:solidFill>
+                              <a:srgbClr val="000000"/>
+                            </a:solidFill>
+                            <a:latin typeface="Cambria Math" panose="02040503050406030204" pitchFamily="18" charset="0"/>
+                          </a:rPr>
+                          <m:t>)</m:t>
+                        </m:r>
+                      </m:sup>
+                    </m:sSubSup>
+                  </m:den>
+                </m:f>
+                <m:f>
+                  <m:fPr>
+                    <m:ctrlPr>
+                      <a:rPr xmlns:a="http://schemas.openxmlformats.org/drawingml/2006/main" sz="1900" i="1">
+                        <a:solidFill>
+                          <a:srgbClr val="000000"/>
+                        </a:solidFill>
+                        <a:latin typeface="Cambria Math" panose="02040503050406030204" pitchFamily="18" charset="0"/>
+                      </a:rPr>
+                    </m:ctrlPr>
+                    <m:type m:val="bar"/>
+                  </m:fPr>
+                  <m:num>
+                    <m:r>
+                      <m:rPr>
+                        <m:sty m:val="p"/>
+                      </m:rPr>
+                      <a:rPr xmlns:a="http://schemas.openxmlformats.org/drawingml/2006/main" sz="1900" i="1">
+                        <a:solidFill>
+                          <a:srgbClr val="000000"/>
+                        </a:solidFill>
+                        <a:latin typeface="Cambria Math" panose="02040503050406030204" pitchFamily="18" charset="0"/>
+                      </a:rPr>
+                      <m:t>∂</m:t>
+                    </m:r>
+                    <m:sSubSup>
+                      <m:e>
+                        <m:r>
+                          <a:rPr xmlns:a="http://schemas.openxmlformats.org/drawingml/2006/main" sz="1900" i="1">
+                            <a:solidFill>
+                              <a:srgbClr val="000000"/>
+                            </a:solidFill>
+                            <a:latin typeface="Cambria Math" panose="02040503050406030204" pitchFamily="18" charset="0"/>
+                          </a:rPr>
+                          <m:t>b</m:t>
+                        </m:r>
+                      </m:e>
+                      <m:sub>
+                        <m:r>
+                          <a:rPr xmlns:a="http://schemas.openxmlformats.org/drawingml/2006/main" sz="1900" i="1">
+                            <a:solidFill>
+                              <a:srgbClr val="000000"/>
+                            </a:solidFill>
+                            <a:latin typeface="Cambria Math" panose="02040503050406030204" pitchFamily="18" charset="0"/>
+                          </a:rPr>
+                          <m:t>j</m:t>
+                        </m:r>
+                      </m:sub>
+                      <m:sup>
+                        <m:r>
+                          <a:rPr xmlns:a="http://schemas.openxmlformats.org/drawingml/2006/main" sz="1900" i="1">
+                            <a:solidFill>
+                              <a:srgbClr val="000000"/>
+                            </a:solidFill>
+                            <a:latin typeface="Cambria Math" panose="02040503050406030204" pitchFamily="18" charset="0"/>
+                          </a:rPr>
+                          <m:t>(</m:t>
+                        </m:r>
+                        <m:r>
+                          <a:rPr xmlns:a="http://schemas.openxmlformats.org/drawingml/2006/main" sz="1900" i="1">
+                            <a:solidFill>
+                              <a:srgbClr val="000000"/>
+                            </a:solidFill>
+                            <a:latin typeface="Cambria Math" panose="02040503050406030204" pitchFamily="18" charset="0"/>
+                          </a:rPr>
+                          <m:t>l</m:t>
+                        </m:r>
+                        <m:r>
+                          <a:rPr xmlns:a="http://schemas.openxmlformats.org/drawingml/2006/main" sz="1900" i="1">
+                            <a:solidFill>
+                              <a:srgbClr val="000000"/>
+                            </a:solidFill>
+                            <a:latin typeface="Cambria Math" panose="02040503050406030204" pitchFamily="18" charset="0"/>
+                          </a:rPr>
+                          <m:t>)</m:t>
+                        </m:r>
+                      </m:sup>
+                    </m:sSubSup>
+                  </m:num>
+                  <m:den>
+                    <m:r>
+                      <m:rPr>
+                        <m:sty m:val="p"/>
+                      </m:rPr>
+                      <a:rPr xmlns:a="http://schemas.openxmlformats.org/drawingml/2006/main" sz="1900" i="1">
+                        <a:solidFill>
+                          <a:srgbClr val="000000"/>
+                        </a:solidFill>
+                        <a:latin typeface="Cambria Math" panose="02040503050406030204" pitchFamily="18" charset="0"/>
+                      </a:rPr>
+                      <m:t>∂</m:t>
+                    </m:r>
+                    <m:sSubSup>
+                      <m:e>
+                        <m:r>
+                          <a:rPr xmlns:a="http://schemas.openxmlformats.org/drawingml/2006/main" sz="1900" i="1">
+                            <a:solidFill>
+                              <a:srgbClr val="000000"/>
+                            </a:solidFill>
+                            <a:latin typeface="Cambria Math" panose="02040503050406030204" pitchFamily="18" charset="0"/>
+                          </a:rPr>
+                          <m:t>z</m:t>
+                        </m:r>
+                      </m:e>
+                      <m:sub>
+                        <m:r>
+                          <a:rPr xmlns:a="http://schemas.openxmlformats.org/drawingml/2006/main" sz="1900" i="1">
+                            <a:solidFill>
+                              <a:srgbClr val="000000"/>
+                            </a:solidFill>
+                            <a:latin typeface="Cambria Math" panose="02040503050406030204" pitchFamily="18" charset="0"/>
+                          </a:rPr>
+                          <m:t>j</m:t>
+                        </m:r>
+                      </m:sub>
+                      <m:sup>
+                        <m:r>
+                          <a:rPr xmlns:a="http://schemas.openxmlformats.org/drawingml/2006/main" sz="1900" i="1">
+                            <a:solidFill>
+                              <a:srgbClr val="000000"/>
+                            </a:solidFill>
+                            <a:latin typeface="Cambria Math" panose="02040503050406030204" pitchFamily="18" charset="0"/>
+                          </a:rPr>
+                          <m:t>(</m:t>
+                        </m:r>
+                        <m:r>
+                          <a:rPr xmlns:a="http://schemas.openxmlformats.org/drawingml/2006/main" sz="1900" i="1">
+                            <a:solidFill>
+                              <a:srgbClr val="000000"/>
+                            </a:solidFill>
+                            <a:latin typeface="Cambria Math" panose="02040503050406030204" pitchFamily="18" charset="0"/>
+                          </a:rPr>
+                          <m:t>l</m:t>
+                        </m:r>
+                        <m:r>
+                          <a:rPr xmlns:a="http://schemas.openxmlformats.org/drawingml/2006/main" sz="1900" i="1">
+                            <a:solidFill>
+                              <a:srgbClr val="000000"/>
+                            </a:solidFill>
+                            <a:latin typeface="Cambria Math" panose="02040503050406030204" pitchFamily="18" charset="0"/>
+                          </a:rPr>
+                          <m:t>)</m:t>
+                        </m:r>
+                      </m:sup>
+                    </m:sSubSup>
+                  </m:den>
+                </m:f>
+                <m:r>
+                  <a:rPr xmlns:a="http://schemas.openxmlformats.org/drawingml/2006/main" sz="1900" i="1">
+                    <a:solidFill>
+                      <a:srgbClr val="000000"/>
+                    </a:solidFill>
+                    <a:latin typeface="Cambria Math" panose="02040503050406030204" pitchFamily="18" charset="0"/>
+                  </a:rPr>
+                  <m:t>=</m:t>
+                </m:r>
+                <m:f>
+                  <m:fPr>
+                    <m:ctrlPr>
+                      <a:rPr xmlns:a="http://schemas.openxmlformats.org/drawingml/2006/main" sz="1900" i="1">
+                        <a:solidFill>
+                          <a:srgbClr val="000000"/>
+                        </a:solidFill>
+                        <a:latin typeface="Cambria Math" panose="02040503050406030204" pitchFamily="18" charset="0"/>
+                      </a:rPr>
+                    </m:ctrlPr>
+                    <m:type m:val="bar"/>
+                  </m:fPr>
+                  <m:num>
+                    <m:r>
+                      <m:rPr>
+                        <m:sty m:val="p"/>
+                      </m:rPr>
+                      <a:rPr xmlns:a="http://schemas.openxmlformats.org/drawingml/2006/main" sz="1900" i="1">
+                        <a:solidFill>
+                          <a:srgbClr val="000000"/>
+                        </a:solidFill>
+                        <a:latin typeface="Cambria Math" panose="02040503050406030204" pitchFamily="18" charset="0"/>
+                      </a:rPr>
+                      <m:t>∂</m:t>
+                    </m:r>
+                    <m:r>
+                      <a:rPr xmlns:a="http://schemas.openxmlformats.org/drawingml/2006/main" sz="1900" i="1">
+                        <a:solidFill>
+                          <a:srgbClr val="000000"/>
+                        </a:solidFill>
+                        <a:latin typeface="Cambria Math" panose="02040503050406030204" pitchFamily="18" charset="0"/>
+                      </a:rPr>
+                      <m:t>C</m:t>
+                    </m:r>
+                  </m:num>
+                  <m:den>
+                    <m:r>
+                      <m:rPr>
+                        <m:sty m:val="p"/>
+                      </m:rPr>
+                      <a:rPr xmlns:a="http://schemas.openxmlformats.org/drawingml/2006/main" sz="1900" i="1">
+                        <a:solidFill>
+                          <a:srgbClr val="000000"/>
+                        </a:solidFill>
+                        <a:latin typeface="Cambria Math" panose="02040503050406030204" pitchFamily="18" charset="0"/>
+                      </a:rPr>
+                      <m:t>∂</m:t>
+                    </m:r>
+                    <m:sSubSup>
+                      <m:e>
+                        <m:r>
+                          <a:rPr xmlns:a="http://schemas.openxmlformats.org/drawingml/2006/main" sz="1900" i="1">
+                            <a:solidFill>
+                              <a:srgbClr val="000000"/>
+                            </a:solidFill>
+                            <a:latin typeface="Cambria Math" panose="02040503050406030204" pitchFamily="18" charset="0"/>
+                          </a:rPr>
+                          <m:t>b</m:t>
+                        </m:r>
+                      </m:e>
+                      <m:sub>
+                        <m:r>
+                          <a:rPr xmlns:a="http://schemas.openxmlformats.org/drawingml/2006/main" sz="1900" i="1">
+                            <a:solidFill>
+                              <a:srgbClr val="000000"/>
+                            </a:solidFill>
+                            <a:latin typeface="Cambria Math" panose="02040503050406030204" pitchFamily="18" charset="0"/>
+                          </a:rPr>
+                          <m:t>j</m:t>
+                        </m:r>
+                      </m:sub>
+                      <m:sup>
+                        <m:r>
+                          <a:rPr xmlns:a="http://schemas.openxmlformats.org/drawingml/2006/main" sz="1900" i="1">
+                            <a:solidFill>
+                              <a:srgbClr val="000000"/>
+                            </a:solidFill>
+                            <a:latin typeface="Cambria Math" panose="02040503050406030204" pitchFamily="18" charset="0"/>
+                          </a:rPr>
+                          <m:t>(</m:t>
+                        </m:r>
+                        <m:r>
+                          <a:rPr xmlns:a="http://schemas.openxmlformats.org/drawingml/2006/main" sz="1900" i="1">
+                            <a:solidFill>
+                              <a:srgbClr val="000000"/>
+                            </a:solidFill>
+                            <a:latin typeface="Cambria Math" panose="02040503050406030204" pitchFamily="18" charset="0"/>
+                          </a:rPr>
+                          <m:t>l</m:t>
+                        </m:r>
+                        <m:r>
+                          <a:rPr xmlns:a="http://schemas.openxmlformats.org/drawingml/2006/main" sz="1900" i="1">
+                            <a:solidFill>
+                              <a:srgbClr val="000000"/>
+                            </a:solidFill>
+                            <a:latin typeface="Cambria Math" panose="02040503050406030204" pitchFamily="18" charset="0"/>
+                          </a:rPr>
+                          <m:t>)</m:t>
+                        </m:r>
+                      </m:sup>
+                    </m:sSubSup>
+                  </m:den>
+                </m:f>
+              </m:oMath>
+            </a14:m>
+            <a:r>
+              <a:t>                   </a:t>
+            </a:r>
+            <a:r>
+              <a:rPr b="1"/>
+              <a:t>(2)</a:t>
+            </a:r>
+          </a:p>
+          <a:p>
+            <a:pPr marL="177800" indent="-177800">
+              <a:lnSpc>
+                <a:spcPct val="120000"/>
+              </a:lnSpc>
+              <a:buSzPct val="100000"/>
+              <a:buChar char="•"/>
+              <a:defRPr sz="1600">
+                <a:uFill>
+                  <a:solidFill>
+                    <a:schemeClr val="accent1"/>
+                  </a:solidFill>
+                </a:uFill>
+                <a:latin typeface="Arial"/>
+                <a:ea typeface="Arial"/>
+                <a:cs typeface="Arial"/>
+                <a:sym typeface="Arial"/>
+              </a:defRPr>
+            </a:pPr>
+            <a:r>
+              <a:t>Kettenregel: </a:t>
+            </a:r>
+            <a14:m>
+              <m:oMath>
+                <m:sSubSup>
+                  <m:e>
+                    <m:r>
+                      <m:rPr>
+                        <m:sty m:val="p"/>
+                      </m:rPr>
+                      <a:rPr xmlns:a="http://schemas.openxmlformats.org/drawingml/2006/main" sz="1900" i="1">
+                        <a:solidFill>
+                          <a:srgbClr val="000000"/>
+                        </a:solidFill>
+                        <a:latin typeface="Cambria Math" panose="02040503050406030204" pitchFamily="18" charset="0"/>
+                      </a:rPr>
+                      <m:t>Δ</m:t>
+                    </m:r>
+                  </m:e>
+                  <m:sub>
+                    <m:r>
+                      <a:rPr xmlns:a="http://schemas.openxmlformats.org/drawingml/2006/main" sz="1900" i="1">
+                        <a:solidFill>
+                          <a:srgbClr val="000000"/>
+                        </a:solidFill>
+                        <a:latin typeface="Cambria Math" panose="02040503050406030204" pitchFamily="18" charset="0"/>
+                      </a:rPr>
+                      <m:t>j</m:t>
+                    </m:r>
+                  </m:sub>
+                  <m:sup>
+                    <m:r>
+                      <a:rPr xmlns:a="http://schemas.openxmlformats.org/drawingml/2006/main" sz="1900" i="1">
+                        <a:solidFill>
+                          <a:srgbClr val="000000"/>
+                        </a:solidFill>
+                        <a:latin typeface="Cambria Math" panose="02040503050406030204" pitchFamily="18" charset="0"/>
+                      </a:rPr>
+                      <m:t>(</m:t>
+                    </m:r>
+                    <m:r>
+                      <a:rPr xmlns:a="http://schemas.openxmlformats.org/drawingml/2006/main" sz="1900" i="1">
+                        <a:solidFill>
+                          <a:srgbClr val="000000"/>
+                        </a:solidFill>
+                        <a:latin typeface="Cambria Math" panose="02040503050406030204" pitchFamily="18" charset="0"/>
+                      </a:rPr>
+                      <m:t>l</m:t>
+                    </m:r>
+                    <m:r>
+                      <a:rPr xmlns:a="http://schemas.openxmlformats.org/drawingml/2006/main" sz="1900" i="1">
+                        <a:solidFill>
+                          <a:srgbClr val="000000"/>
+                        </a:solidFill>
+                        <a:latin typeface="Cambria Math" panose="02040503050406030204" pitchFamily="18" charset="0"/>
+                      </a:rPr>
+                      <m:t>)</m:t>
+                    </m:r>
+                  </m:sup>
+                </m:sSubSup>
+                <m:r>
+                  <a:rPr xmlns:a="http://schemas.openxmlformats.org/drawingml/2006/main" sz="1900" i="1">
+                    <a:solidFill>
+                      <a:srgbClr val="000000"/>
+                    </a:solidFill>
+                    <a:latin typeface="Cambria Math" panose="02040503050406030204" pitchFamily="18" charset="0"/>
+                  </a:rPr>
+                  <m:t>=</m:t>
+                </m:r>
+                <m:f>
+                  <m:fPr>
+                    <m:ctrlPr>
+                      <a:rPr xmlns:a="http://schemas.openxmlformats.org/drawingml/2006/main" sz="1900" i="1">
+                        <a:solidFill>
+                          <a:srgbClr val="000000"/>
+                        </a:solidFill>
+                        <a:latin typeface="Cambria Math" panose="02040503050406030204" pitchFamily="18" charset="0"/>
+                      </a:rPr>
+                    </m:ctrlPr>
+                    <m:type m:val="bar"/>
+                  </m:fPr>
+                  <m:num>
+                    <m:r>
+                      <m:rPr>
+                        <m:sty m:val="p"/>
+                      </m:rPr>
+                      <a:rPr xmlns:a="http://schemas.openxmlformats.org/drawingml/2006/main" sz="1900" i="1">
+                        <a:solidFill>
+                          <a:srgbClr val="000000"/>
+                        </a:solidFill>
+                        <a:latin typeface="Cambria Math" panose="02040503050406030204" pitchFamily="18" charset="0"/>
+                      </a:rPr>
+                      <m:t>∂</m:t>
+                    </m:r>
+                    <m:r>
+                      <a:rPr xmlns:a="http://schemas.openxmlformats.org/drawingml/2006/main" sz="1900" i="1">
+                        <a:solidFill>
+                          <a:srgbClr val="000000"/>
+                        </a:solidFill>
+                        <a:latin typeface="Cambria Math" panose="02040503050406030204" pitchFamily="18" charset="0"/>
+                      </a:rPr>
+                      <m:t>C</m:t>
+                    </m:r>
+                  </m:num>
+                  <m:den>
+                    <m:r>
+                      <m:rPr>
+                        <m:sty m:val="p"/>
+                      </m:rPr>
+                      <a:rPr xmlns:a="http://schemas.openxmlformats.org/drawingml/2006/main" sz="1900" i="1">
+                        <a:solidFill>
+                          <a:srgbClr val="000000"/>
+                        </a:solidFill>
+                        <a:latin typeface="Cambria Math" panose="02040503050406030204" pitchFamily="18" charset="0"/>
+                      </a:rPr>
+                      <m:t>∂</m:t>
+                    </m:r>
+                    <m:sSubSup>
+                      <m:e>
+                        <m:r>
+                          <a:rPr xmlns:a="http://schemas.openxmlformats.org/drawingml/2006/main" sz="1900" i="1">
+                            <a:solidFill>
+                              <a:srgbClr val="000000"/>
+                            </a:solidFill>
+                            <a:latin typeface="Cambria Math" panose="02040503050406030204" pitchFamily="18" charset="0"/>
+                          </a:rPr>
+                          <m:t>z</m:t>
+                        </m:r>
+                      </m:e>
+                      <m:sub>
+                        <m:r>
+                          <a:rPr xmlns:a="http://schemas.openxmlformats.org/drawingml/2006/main" sz="1900" i="1">
+                            <a:solidFill>
+                              <a:srgbClr val="000000"/>
+                            </a:solidFill>
+                            <a:latin typeface="Cambria Math" panose="02040503050406030204" pitchFamily="18" charset="0"/>
+                          </a:rPr>
+                          <m:t>j</m:t>
+                        </m:r>
+                      </m:sub>
+                      <m:sup>
+                        <m:r>
+                          <a:rPr xmlns:a="http://schemas.openxmlformats.org/drawingml/2006/main" sz="1900" i="1">
+                            <a:solidFill>
+                              <a:srgbClr val="000000"/>
+                            </a:solidFill>
+                            <a:latin typeface="Cambria Math" panose="02040503050406030204" pitchFamily="18" charset="0"/>
+                          </a:rPr>
+                          <m:t>(</m:t>
+                        </m:r>
+                        <m:r>
+                          <a:rPr xmlns:a="http://schemas.openxmlformats.org/drawingml/2006/main" sz="1900" i="1">
+                            <a:solidFill>
+                              <a:srgbClr val="000000"/>
+                            </a:solidFill>
+                            <a:latin typeface="Cambria Math" panose="02040503050406030204" pitchFamily="18" charset="0"/>
+                          </a:rPr>
+                          <m:t>l</m:t>
+                        </m:r>
+                        <m:r>
+                          <a:rPr xmlns:a="http://schemas.openxmlformats.org/drawingml/2006/main" sz="1900" i="1">
+                            <a:solidFill>
+                              <a:srgbClr val="000000"/>
+                            </a:solidFill>
+                            <a:latin typeface="Cambria Math" panose="02040503050406030204" pitchFamily="18" charset="0"/>
+                          </a:rPr>
+                          <m:t>)</m:t>
+                        </m:r>
+                      </m:sup>
+                    </m:sSubSup>
+                  </m:den>
+                </m:f>
+                <m:r>
+                  <a:rPr xmlns:a="http://schemas.openxmlformats.org/drawingml/2006/main" sz="1900" i="1">
+                    <a:solidFill>
+                      <a:srgbClr val="000000"/>
+                    </a:solidFill>
+                    <a:latin typeface="Cambria Math" panose="02040503050406030204" pitchFamily="18" charset="0"/>
+                  </a:rPr>
+                  <m:t>=</m:t>
+                </m:r>
+                <m:limLow>
+                  <m:e>
+                    <m:r>
+                      <a:rPr xmlns:a="http://schemas.openxmlformats.org/drawingml/2006/main" sz="1900" i="1">
+                        <a:solidFill>
+                          <a:srgbClr val="000000"/>
+                        </a:solidFill>
+                        <a:latin typeface="Cambria Math" panose="02040503050406030204" pitchFamily="18" charset="0"/>
+                      </a:rPr>
+                      <m:t>∑</m:t>
+                    </m:r>
+                  </m:e>
+                  <m:lim>
+                    <m:r>
+                      <a:rPr xmlns:a="http://schemas.openxmlformats.org/drawingml/2006/main" sz="1900" i="1">
+                        <a:solidFill>
+                          <a:srgbClr val="000000"/>
+                        </a:solidFill>
+                        <a:latin typeface="Cambria Math" panose="02040503050406030204" pitchFamily="18" charset="0"/>
+                      </a:rPr>
+                      <m:t>k</m:t>
+                    </m:r>
+                  </m:lim>
+                </m:limLow>
+                <m:f>
+                  <m:fPr>
+                    <m:ctrlPr>
+                      <a:rPr xmlns:a="http://schemas.openxmlformats.org/drawingml/2006/main" sz="1900" i="1">
+                        <a:solidFill>
+                          <a:srgbClr val="000000"/>
+                        </a:solidFill>
+                        <a:latin typeface="Cambria Math" panose="02040503050406030204" pitchFamily="18" charset="0"/>
+                      </a:rPr>
+                    </m:ctrlPr>
+                    <m:type m:val="bar"/>
+                  </m:fPr>
+                  <m:num>
+                    <m:r>
+                      <m:rPr>
+                        <m:sty m:val="p"/>
+                      </m:rPr>
+                      <a:rPr xmlns:a="http://schemas.openxmlformats.org/drawingml/2006/main" sz="1900" i="1">
+                        <a:solidFill>
+                          <a:srgbClr val="000000"/>
+                        </a:solidFill>
+                        <a:latin typeface="Cambria Math" panose="02040503050406030204" pitchFamily="18" charset="0"/>
+                      </a:rPr>
+                      <m:t>∂</m:t>
+                    </m:r>
+                    <m:r>
+                      <a:rPr xmlns:a="http://schemas.openxmlformats.org/drawingml/2006/main" sz="1900" i="1">
+                        <a:solidFill>
+                          <a:srgbClr val="000000"/>
+                        </a:solidFill>
+                        <a:latin typeface="Cambria Math" panose="02040503050406030204" pitchFamily="18" charset="0"/>
+                      </a:rPr>
+                      <m:t>C</m:t>
+                    </m:r>
+                  </m:num>
+                  <m:den>
+                    <m:r>
+                      <m:rPr>
+                        <m:sty m:val="p"/>
+                      </m:rPr>
+                      <a:rPr xmlns:a="http://schemas.openxmlformats.org/drawingml/2006/main" sz="1900" i="1">
+                        <a:solidFill>
+                          <a:srgbClr val="000000"/>
+                        </a:solidFill>
+                        <a:latin typeface="Cambria Math" panose="02040503050406030204" pitchFamily="18" charset="0"/>
+                      </a:rPr>
+                      <m:t>∂</m:t>
+                    </m:r>
+                    <m:sSubSup>
+                      <m:e>
+                        <m:r>
+                          <a:rPr xmlns:a="http://schemas.openxmlformats.org/drawingml/2006/main" sz="1900" i="1">
+                            <a:solidFill>
+                              <a:srgbClr val="000000"/>
+                            </a:solidFill>
+                            <a:latin typeface="Cambria Math" panose="02040503050406030204" pitchFamily="18" charset="0"/>
+                          </a:rPr>
+                          <m:t>z</m:t>
+                        </m:r>
+                      </m:e>
+                      <m:sub>
+                        <m:r>
+                          <a:rPr xmlns:a="http://schemas.openxmlformats.org/drawingml/2006/main" sz="1900" i="1">
+                            <a:solidFill>
+                              <a:srgbClr val="000000"/>
+                            </a:solidFill>
+                            <a:latin typeface="Cambria Math" panose="02040503050406030204" pitchFamily="18" charset="0"/>
+                          </a:rPr>
+                          <m:t>k</m:t>
+                        </m:r>
+                      </m:sub>
+                      <m:sup>
+                        <m:r>
+                          <a:rPr xmlns:a="http://schemas.openxmlformats.org/drawingml/2006/main" sz="1900" i="1">
+                            <a:solidFill>
+                              <a:srgbClr val="000000"/>
+                            </a:solidFill>
+                            <a:latin typeface="Cambria Math" panose="02040503050406030204" pitchFamily="18" charset="0"/>
+                          </a:rPr>
+                          <m:t>(</m:t>
+                        </m:r>
+                        <m:r>
+                          <a:rPr xmlns:a="http://schemas.openxmlformats.org/drawingml/2006/main" sz="1900" i="1">
+                            <a:solidFill>
+                              <a:srgbClr val="000000"/>
+                            </a:solidFill>
+                            <a:latin typeface="Cambria Math" panose="02040503050406030204" pitchFamily="18" charset="0"/>
+                          </a:rPr>
+                          <m:t>l</m:t>
+                        </m:r>
+                        <m:r>
+                          <a:rPr xmlns:a="http://schemas.openxmlformats.org/drawingml/2006/main" sz="1900" i="1">
+                            <a:solidFill>
+                              <a:srgbClr val="000000"/>
+                            </a:solidFill>
+                            <a:latin typeface="Cambria Math" panose="02040503050406030204" pitchFamily="18" charset="0"/>
+                          </a:rPr>
+                          <m:t>+</m:t>
+                        </m:r>
+                        <m:r>
+                          <a:rPr xmlns:a="http://schemas.openxmlformats.org/drawingml/2006/main" sz="1900" i="1">
+                            <a:solidFill>
+                              <a:srgbClr val="000000"/>
+                            </a:solidFill>
+                            <a:latin typeface="Cambria Math" panose="02040503050406030204" pitchFamily="18" charset="0"/>
+                          </a:rPr>
+                          <m:t>1</m:t>
+                        </m:r>
+                        <m:r>
+                          <a:rPr xmlns:a="http://schemas.openxmlformats.org/drawingml/2006/main" sz="1900" i="1">
+                            <a:solidFill>
+                              <a:srgbClr val="000000"/>
+                            </a:solidFill>
+                            <a:latin typeface="Cambria Math" panose="02040503050406030204" pitchFamily="18" charset="0"/>
+                          </a:rPr>
+                          <m:t>)</m:t>
+                        </m:r>
+                      </m:sup>
+                    </m:sSubSup>
+                  </m:den>
+                </m:f>
+                <m:f>
+                  <m:fPr>
+                    <m:ctrlPr>
+                      <a:rPr xmlns:a="http://schemas.openxmlformats.org/drawingml/2006/main" sz="1900" i="1">
+                        <a:solidFill>
+                          <a:srgbClr val="000000"/>
+                        </a:solidFill>
+                        <a:latin typeface="Cambria Math" panose="02040503050406030204" pitchFamily="18" charset="0"/>
+                      </a:rPr>
+                    </m:ctrlPr>
+                    <m:type m:val="bar"/>
+                  </m:fPr>
+                  <m:num>
+                    <m:r>
+                      <m:rPr>
+                        <m:sty m:val="p"/>
+                      </m:rPr>
+                      <a:rPr xmlns:a="http://schemas.openxmlformats.org/drawingml/2006/main" sz="1900" i="1">
+                        <a:solidFill>
+                          <a:srgbClr val="000000"/>
+                        </a:solidFill>
+                        <a:latin typeface="Cambria Math" panose="02040503050406030204" pitchFamily="18" charset="0"/>
+                      </a:rPr>
+                      <m:t>∂</m:t>
+                    </m:r>
+                    <m:sSubSup>
+                      <m:e>
+                        <m:r>
+                          <a:rPr xmlns:a="http://schemas.openxmlformats.org/drawingml/2006/main" sz="1900" i="1">
+                            <a:solidFill>
+                              <a:srgbClr val="000000"/>
+                            </a:solidFill>
+                            <a:latin typeface="Cambria Math" panose="02040503050406030204" pitchFamily="18" charset="0"/>
+                          </a:rPr>
+                          <m:t>z</m:t>
+                        </m:r>
+                      </m:e>
+                      <m:sub>
+                        <m:r>
+                          <a:rPr xmlns:a="http://schemas.openxmlformats.org/drawingml/2006/main" sz="1900" i="1">
+                            <a:solidFill>
+                              <a:srgbClr val="000000"/>
+                            </a:solidFill>
+                            <a:latin typeface="Cambria Math" panose="02040503050406030204" pitchFamily="18" charset="0"/>
+                          </a:rPr>
+                          <m:t>k</m:t>
+                        </m:r>
+                      </m:sub>
+                      <m:sup>
+                        <m:r>
+                          <a:rPr xmlns:a="http://schemas.openxmlformats.org/drawingml/2006/main" sz="1900" i="1">
+                            <a:solidFill>
+                              <a:srgbClr val="000000"/>
+                            </a:solidFill>
+                            <a:latin typeface="Cambria Math" panose="02040503050406030204" pitchFamily="18" charset="0"/>
+                          </a:rPr>
+                          <m:t>(</m:t>
+                        </m:r>
+                        <m:r>
+                          <a:rPr xmlns:a="http://schemas.openxmlformats.org/drawingml/2006/main" sz="1900" i="1">
+                            <a:solidFill>
+                              <a:srgbClr val="000000"/>
+                            </a:solidFill>
+                            <a:latin typeface="Cambria Math" panose="02040503050406030204" pitchFamily="18" charset="0"/>
+                          </a:rPr>
+                          <m:t>l</m:t>
+                        </m:r>
+                        <m:r>
+                          <a:rPr xmlns:a="http://schemas.openxmlformats.org/drawingml/2006/main" sz="1900" i="1">
+                            <a:solidFill>
+                              <a:srgbClr val="000000"/>
+                            </a:solidFill>
+                            <a:latin typeface="Cambria Math" panose="02040503050406030204" pitchFamily="18" charset="0"/>
+                          </a:rPr>
+                          <m:t>+</m:t>
+                        </m:r>
+                        <m:r>
+                          <a:rPr xmlns:a="http://schemas.openxmlformats.org/drawingml/2006/main" sz="1900" i="1">
+                            <a:solidFill>
+                              <a:srgbClr val="000000"/>
+                            </a:solidFill>
+                            <a:latin typeface="Cambria Math" panose="02040503050406030204" pitchFamily="18" charset="0"/>
+                          </a:rPr>
+                          <m:t>1</m:t>
+                        </m:r>
+                        <m:r>
+                          <a:rPr xmlns:a="http://schemas.openxmlformats.org/drawingml/2006/main" sz="1900" i="1">
+                            <a:solidFill>
+                              <a:srgbClr val="000000"/>
+                            </a:solidFill>
+                            <a:latin typeface="Cambria Math" panose="02040503050406030204" pitchFamily="18" charset="0"/>
+                          </a:rPr>
+                          <m:t>)</m:t>
+                        </m:r>
+                      </m:sup>
+                    </m:sSubSup>
+                  </m:num>
+                  <m:den>
+                    <m:r>
+                      <m:rPr>
+                        <m:sty m:val="p"/>
+                      </m:rPr>
+                      <a:rPr xmlns:a="http://schemas.openxmlformats.org/drawingml/2006/main" sz="1900" i="1">
+                        <a:solidFill>
+                          <a:srgbClr val="000000"/>
+                        </a:solidFill>
+                        <a:latin typeface="Cambria Math" panose="02040503050406030204" pitchFamily="18" charset="0"/>
+                      </a:rPr>
+                      <m:t>∂</m:t>
+                    </m:r>
+                    <m:sSubSup>
+                      <m:e>
+                        <m:r>
+                          <a:rPr xmlns:a="http://schemas.openxmlformats.org/drawingml/2006/main" sz="1900" i="1">
+                            <a:solidFill>
+                              <a:srgbClr val="000000"/>
+                            </a:solidFill>
+                            <a:latin typeface="Cambria Math" panose="02040503050406030204" pitchFamily="18" charset="0"/>
+                          </a:rPr>
+                          <m:t>z</m:t>
+                        </m:r>
+                      </m:e>
+                      <m:sub>
+                        <m:r>
+                          <a:rPr xmlns:a="http://schemas.openxmlformats.org/drawingml/2006/main" sz="1900" i="1">
+                            <a:solidFill>
+                              <a:srgbClr val="000000"/>
+                            </a:solidFill>
+                            <a:latin typeface="Cambria Math" panose="02040503050406030204" pitchFamily="18" charset="0"/>
+                          </a:rPr>
+                          <m:t>j</m:t>
+                        </m:r>
+                      </m:sub>
+                      <m:sup>
+                        <m:r>
+                          <a:rPr xmlns:a="http://schemas.openxmlformats.org/drawingml/2006/main" sz="1900" i="1">
+                            <a:solidFill>
+                              <a:srgbClr val="000000"/>
+                            </a:solidFill>
+                            <a:latin typeface="Cambria Math" panose="02040503050406030204" pitchFamily="18" charset="0"/>
+                          </a:rPr>
+                          <m:t>(</m:t>
+                        </m:r>
+                        <m:r>
+                          <a:rPr xmlns:a="http://schemas.openxmlformats.org/drawingml/2006/main" sz="1900" i="1">
+                            <a:solidFill>
+                              <a:srgbClr val="000000"/>
+                            </a:solidFill>
+                            <a:latin typeface="Cambria Math" panose="02040503050406030204" pitchFamily="18" charset="0"/>
+                          </a:rPr>
+                          <m:t>l</m:t>
+                        </m:r>
+                        <m:r>
+                          <a:rPr xmlns:a="http://schemas.openxmlformats.org/drawingml/2006/main" sz="1900" i="1">
+                            <a:solidFill>
+                              <a:srgbClr val="000000"/>
+                            </a:solidFill>
+                            <a:latin typeface="Cambria Math" panose="02040503050406030204" pitchFamily="18" charset="0"/>
+                          </a:rPr>
+                          <m:t>)</m:t>
+                        </m:r>
+                      </m:sup>
+                    </m:sSubSup>
+                  </m:den>
+                </m:f>
+              </m:oMath>
+            </a14:m>
+            <a:r>
+              <a:t>                                             </a:t>
+            </a:r>
+            <a14:m>
+              <m:oMath>
+                <m:r>
+                  <a:rPr xmlns:a="http://schemas.openxmlformats.org/drawingml/2006/main" sz="1950" i="1">
+                    <a:solidFill>
+                      <a:srgbClr val="000000"/>
+                    </a:solidFill>
+                    <a:latin typeface="Cambria Math" panose="02040503050406030204" pitchFamily="18" charset="0"/>
+                  </a:rPr>
+                  <m:t>=</m:t>
+                </m:r>
+                <m:limLow>
+                  <m:e>
+                    <m:r>
+                      <a:rPr xmlns:a="http://schemas.openxmlformats.org/drawingml/2006/main" sz="1950" i="1">
+                        <a:solidFill>
+                          <a:srgbClr val="000000"/>
+                        </a:solidFill>
+                        <a:latin typeface="Cambria Math" panose="02040503050406030204" pitchFamily="18" charset="0"/>
+                      </a:rPr>
+                      <m:t>∑</m:t>
+                    </m:r>
+                  </m:e>
+                  <m:lim>
+                    <m:r>
+                      <a:rPr xmlns:a="http://schemas.openxmlformats.org/drawingml/2006/main" sz="1950" i="1">
+                        <a:solidFill>
+                          <a:srgbClr val="000000"/>
+                        </a:solidFill>
+                        <a:latin typeface="Cambria Math" panose="02040503050406030204" pitchFamily="18" charset="0"/>
+                      </a:rPr>
+                      <m:t>k</m:t>
+                    </m:r>
+                  </m:lim>
+                </m:limLow>
+                <m:sSubSup>
+                  <m:e>
+                    <m:r>
+                      <m:rPr>
+                        <m:sty m:val="p"/>
+                      </m:rPr>
+                      <a:rPr xmlns:a="http://schemas.openxmlformats.org/drawingml/2006/main" sz="1950" i="1">
+                        <a:solidFill>
+                          <a:srgbClr val="000000"/>
+                        </a:solidFill>
+                        <a:latin typeface="Cambria Math" panose="02040503050406030204" pitchFamily="18" charset="0"/>
+                      </a:rPr>
+                      <m:t>Δ</m:t>
+                    </m:r>
+                  </m:e>
+                  <m:sub>
+                    <m:r>
+                      <a:rPr xmlns:a="http://schemas.openxmlformats.org/drawingml/2006/main" sz="1950" i="1">
+                        <a:solidFill>
+                          <a:srgbClr val="000000"/>
+                        </a:solidFill>
+                        <a:latin typeface="Cambria Math" panose="02040503050406030204" pitchFamily="18" charset="0"/>
+                      </a:rPr>
+                      <m:t>k</m:t>
+                    </m:r>
+                  </m:sub>
+                  <m:sup>
+                    <m:r>
+                      <a:rPr xmlns:a="http://schemas.openxmlformats.org/drawingml/2006/main" sz="1950" i="1">
+                        <a:solidFill>
+                          <a:srgbClr val="000000"/>
+                        </a:solidFill>
+                        <a:latin typeface="Cambria Math" panose="02040503050406030204" pitchFamily="18" charset="0"/>
+                      </a:rPr>
+                      <m:t>l</m:t>
+                    </m:r>
+                    <m:r>
+                      <a:rPr xmlns:a="http://schemas.openxmlformats.org/drawingml/2006/main" sz="1950" i="1">
+                        <a:solidFill>
+                          <a:srgbClr val="000000"/>
+                        </a:solidFill>
+                        <a:latin typeface="Cambria Math" panose="02040503050406030204" pitchFamily="18" charset="0"/>
+                      </a:rPr>
+                      <m:t>+</m:t>
+                    </m:r>
+                    <m:r>
+                      <a:rPr xmlns:a="http://schemas.openxmlformats.org/drawingml/2006/main" sz="1950" i="1">
+                        <a:solidFill>
+                          <a:srgbClr val="000000"/>
+                        </a:solidFill>
+                        <a:latin typeface="Cambria Math" panose="02040503050406030204" pitchFamily="18" charset="0"/>
+                      </a:rPr>
+                      <m:t>1</m:t>
+                    </m:r>
+                  </m:sup>
+                </m:sSubSup>
+                <m:f>
+                  <m:fPr>
+                    <m:ctrlPr>
+                      <a:rPr xmlns:a="http://schemas.openxmlformats.org/drawingml/2006/main" sz="1950" i="1">
+                        <a:solidFill>
+                          <a:srgbClr val="000000"/>
+                        </a:solidFill>
+                        <a:latin typeface="Cambria Math" panose="02040503050406030204" pitchFamily="18" charset="0"/>
+                      </a:rPr>
+                    </m:ctrlPr>
+                    <m:type m:val="bar"/>
+                  </m:fPr>
+                  <m:num>
+                    <m:r>
+                      <m:rPr>
+                        <m:sty m:val="p"/>
+                      </m:rPr>
+                      <a:rPr xmlns:a="http://schemas.openxmlformats.org/drawingml/2006/main" sz="1950" i="1">
+                        <a:solidFill>
+                          <a:srgbClr val="000000"/>
+                        </a:solidFill>
+                        <a:latin typeface="Cambria Math" panose="02040503050406030204" pitchFamily="18" charset="0"/>
+                      </a:rPr>
+                      <m:t>∂</m:t>
+                    </m:r>
+                    <m:sSubSup>
+                      <m:e>
+                        <m:r>
+                          <a:rPr xmlns:a="http://schemas.openxmlformats.org/drawingml/2006/main" sz="1950" i="1">
+                            <a:solidFill>
+                              <a:srgbClr val="000000"/>
+                            </a:solidFill>
+                            <a:latin typeface="Cambria Math" panose="02040503050406030204" pitchFamily="18" charset="0"/>
+                          </a:rPr>
+                          <m:t>z</m:t>
+                        </m:r>
+                      </m:e>
+                      <m:sub>
+                        <m:r>
+                          <a:rPr xmlns:a="http://schemas.openxmlformats.org/drawingml/2006/main" sz="1950" i="1">
+                            <a:solidFill>
+                              <a:srgbClr val="000000"/>
+                            </a:solidFill>
+                            <a:latin typeface="Cambria Math" panose="02040503050406030204" pitchFamily="18" charset="0"/>
+                          </a:rPr>
+                          <m:t>k</m:t>
+                        </m:r>
+                      </m:sub>
+                      <m:sup>
+                        <m:r>
+                          <a:rPr xmlns:a="http://schemas.openxmlformats.org/drawingml/2006/main" sz="1950" i="1">
+                            <a:solidFill>
+                              <a:srgbClr val="000000"/>
+                            </a:solidFill>
+                            <a:latin typeface="Cambria Math" panose="02040503050406030204" pitchFamily="18" charset="0"/>
+                          </a:rPr>
+                          <m:t>(</m:t>
+                        </m:r>
+                        <m:r>
+                          <a:rPr xmlns:a="http://schemas.openxmlformats.org/drawingml/2006/main" sz="1950" i="1">
+                            <a:solidFill>
+                              <a:srgbClr val="000000"/>
+                            </a:solidFill>
+                            <a:latin typeface="Cambria Math" panose="02040503050406030204" pitchFamily="18" charset="0"/>
+                          </a:rPr>
+                          <m:t>l</m:t>
+                        </m:r>
+                        <m:r>
+                          <a:rPr xmlns:a="http://schemas.openxmlformats.org/drawingml/2006/main" sz="1950" i="1">
+                            <a:solidFill>
+                              <a:srgbClr val="000000"/>
+                            </a:solidFill>
+                            <a:latin typeface="Cambria Math" panose="02040503050406030204" pitchFamily="18" charset="0"/>
+                          </a:rPr>
+                          <m:t>+</m:t>
+                        </m:r>
+                        <m:r>
+                          <a:rPr xmlns:a="http://schemas.openxmlformats.org/drawingml/2006/main" sz="1950" i="1">
+                            <a:solidFill>
+                              <a:srgbClr val="000000"/>
+                            </a:solidFill>
+                            <a:latin typeface="Cambria Math" panose="02040503050406030204" pitchFamily="18" charset="0"/>
+                          </a:rPr>
+                          <m:t>1</m:t>
+                        </m:r>
+                        <m:r>
+                          <a:rPr xmlns:a="http://schemas.openxmlformats.org/drawingml/2006/main" sz="1950" i="1">
+                            <a:solidFill>
+                              <a:srgbClr val="000000"/>
+                            </a:solidFill>
+                            <a:latin typeface="Cambria Math" panose="02040503050406030204" pitchFamily="18" charset="0"/>
+                          </a:rPr>
+                          <m:t>)</m:t>
+                        </m:r>
+                      </m:sup>
+                    </m:sSubSup>
+                  </m:num>
+                  <m:den>
+                    <m:r>
+                      <m:rPr>
+                        <m:sty m:val="p"/>
+                      </m:rPr>
+                      <a:rPr xmlns:a="http://schemas.openxmlformats.org/drawingml/2006/main" sz="1950" i="1">
+                        <a:solidFill>
+                          <a:srgbClr val="000000"/>
+                        </a:solidFill>
+                        <a:latin typeface="Cambria Math" panose="02040503050406030204" pitchFamily="18" charset="0"/>
+                      </a:rPr>
+                      <m:t>∂</m:t>
+                    </m:r>
+                    <m:sSubSup>
+                      <m:e>
+                        <m:r>
+                          <a:rPr xmlns:a="http://schemas.openxmlformats.org/drawingml/2006/main" sz="1950" i="1">
+                            <a:solidFill>
+                              <a:srgbClr val="000000"/>
+                            </a:solidFill>
+                            <a:latin typeface="Cambria Math" panose="02040503050406030204" pitchFamily="18" charset="0"/>
+                          </a:rPr>
+                          <m:t>z</m:t>
+                        </m:r>
+                      </m:e>
+                      <m:sub>
+                        <m:r>
+                          <a:rPr xmlns:a="http://schemas.openxmlformats.org/drawingml/2006/main" sz="1950" i="1">
+                            <a:solidFill>
+                              <a:srgbClr val="000000"/>
+                            </a:solidFill>
+                            <a:latin typeface="Cambria Math" panose="02040503050406030204" pitchFamily="18" charset="0"/>
+                          </a:rPr>
+                          <m:t>j</m:t>
+                        </m:r>
+                      </m:sub>
+                      <m:sup>
+                        <m:r>
+                          <a:rPr xmlns:a="http://schemas.openxmlformats.org/drawingml/2006/main" sz="1950" i="1">
+                            <a:solidFill>
+                              <a:srgbClr val="000000"/>
+                            </a:solidFill>
+                            <a:latin typeface="Cambria Math" panose="02040503050406030204" pitchFamily="18" charset="0"/>
+                          </a:rPr>
+                          <m:t>(</m:t>
+                        </m:r>
+                        <m:r>
+                          <a:rPr xmlns:a="http://schemas.openxmlformats.org/drawingml/2006/main" sz="1950" i="1">
+                            <a:solidFill>
+                              <a:srgbClr val="000000"/>
+                            </a:solidFill>
+                            <a:latin typeface="Cambria Math" panose="02040503050406030204" pitchFamily="18" charset="0"/>
+                          </a:rPr>
+                          <m:t>l</m:t>
+                        </m:r>
+                        <m:r>
+                          <a:rPr xmlns:a="http://schemas.openxmlformats.org/drawingml/2006/main" sz="1950" i="1">
+                            <a:solidFill>
+                              <a:srgbClr val="000000"/>
+                            </a:solidFill>
+                            <a:latin typeface="Cambria Math" panose="02040503050406030204" pitchFamily="18" charset="0"/>
+                          </a:rPr>
+                          <m:t>)</m:t>
+                        </m:r>
+                      </m:sup>
+                    </m:sSubSup>
+                  </m:den>
+                </m:f>
+                <m:r>
+                  <a:rPr xmlns:a="http://schemas.openxmlformats.org/drawingml/2006/main" sz="1950" i="1">
+                    <a:solidFill>
+                      <a:srgbClr val="000000"/>
+                    </a:solidFill>
+                    <a:latin typeface="Cambria Math" panose="02040503050406030204" pitchFamily="18" charset="0"/>
+                  </a:rPr>
+                  <m:t>=</m:t>
+                </m:r>
+                <m:d>
+                  <m:dPr>
+                    <m:ctrlPr>
+                      <a:rPr xmlns:a="http://schemas.openxmlformats.org/drawingml/2006/main" sz="1950" i="1">
+                        <a:solidFill>
+                          <a:srgbClr val="000000"/>
+                        </a:solidFill>
+                        <a:latin typeface="Cambria Math" panose="02040503050406030204" pitchFamily="18" charset="0"/>
+                      </a:rPr>
+                    </m:ctrlPr>
+                  </m:dPr>
+                  <m:e>
+                    <m:limLow>
+                      <m:e>
+                        <m:r>
+                          <a:rPr xmlns:a="http://schemas.openxmlformats.org/drawingml/2006/main" sz="1950" i="1">
+                            <a:solidFill>
+                              <a:srgbClr val="000000"/>
+                            </a:solidFill>
+                            <a:latin typeface="Cambria Math" panose="02040503050406030204" pitchFamily="18" charset="0"/>
+                          </a:rPr>
+                          <m:t>∑</m:t>
+                        </m:r>
+                      </m:e>
+                      <m:lim>
+                        <m:r>
+                          <a:rPr xmlns:a="http://schemas.openxmlformats.org/drawingml/2006/main" sz="1950" i="1">
+                            <a:solidFill>
+                              <a:srgbClr val="000000"/>
+                            </a:solidFill>
+                            <a:latin typeface="Cambria Math" panose="02040503050406030204" pitchFamily="18" charset="0"/>
+                          </a:rPr>
+                          <m:t>k</m:t>
+                        </m:r>
+                      </m:lim>
+                    </m:limLow>
+                    <m:sSubSup>
+                      <m:e>
+                        <m:r>
+                          <m:rPr>
+                            <m:sty m:val="p"/>
+                          </m:rPr>
+                          <a:rPr xmlns:a="http://schemas.openxmlformats.org/drawingml/2006/main" sz="1950" i="1">
+                            <a:solidFill>
+                              <a:srgbClr val="000000"/>
+                            </a:solidFill>
+                            <a:latin typeface="Cambria Math" panose="02040503050406030204" pitchFamily="18" charset="0"/>
+                          </a:rPr>
+                          <m:t>Δ</m:t>
+                        </m:r>
+                      </m:e>
+                      <m:sub>
+                        <m:r>
+                          <a:rPr xmlns:a="http://schemas.openxmlformats.org/drawingml/2006/main" sz="1950" i="1">
+                            <a:solidFill>
+                              <a:srgbClr val="000000"/>
+                            </a:solidFill>
+                            <a:latin typeface="Cambria Math" panose="02040503050406030204" pitchFamily="18" charset="0"/>
+                          </a:rPr>
+                          <m:t>k</m:t>
+                        </m:r>
+                      </m:sub>
+                      <m:sup>
+                        <m:r>
+                          <a:rPr xmlns:a="http://schemas.openxmlformats.org/drawingml/2006/main" sz="1950" i="1">
+                            <a:solidFill>
+                              <a:srgbClr val="000000"/>
+                            </a:solidFill>
+                            <a:latin typeface="Cambria Math" panose="02040503050406030204" pitchFamily="18" charset="0"/>
+                          </a:rPr>
+                          <m:t>(</m:t>
+                        </m:r>
+                        <m:r>
+                          <a:rPr xmlns:a="http://schemas.openxmlformats.org/drawingml/2006/main" sz="1950" i="1">
+                            <a:solidFill>
+                              <a:srgbClr val="000000"/>
+                            </a:solidFill>
+                            <a:latin typeface="Cambria Math" panose="02040503050406030204" pitchFamily="18" charset="0"/>
+                          </a:rPr>
+                          <m:t>l</m:t>
+                        </m:r>
+                        <m:r>
+                          <a:rPr xmlns:a="http://schemas.openxmlformats.org/drawingml/2006/main" sz="1950" i="1">
+                            <a:solidFill>
+                              <a:srgbClr val="000000"/>
+                            </a:solidFill>
+                            <a:latin typeface="Cambria Math" panose="02040503050406030204" pitchFamily="18" charset="0"/>
+                          </a:rPr>
+                          <m:t>+</m:t>
+                        </m:r>
+                        <m:r>
+                          <a:rPr xmlns:a="http://schemas.openxmlformats.org/drawingml/2006/main" sz="1950" i="1">
+                            <a:solidFill>
+                              <a:srgbClr val="000000"/>
+                            </a:solidFill>
+                            <a:latin typeface="Cambria Math" panose="02040503050406030204" pitchFamily="18" charset="0"/>
+                          </a:rPr>
+                          <m:t>1</m:t>
+                        </m:r>
+                        <m:r>
+                          <a:rPr xmlns:a="http://schemas.openxmlformats.org/drawingml/2006/main" sz="1950" i="1">
+                            <a:solidFill>
+                              <a:srgbClr val="000000"/>
+                            </a:solidFill>
+                            <a:latin typeface="Cambria Math" panose="02040503050406030204" pitchFamily="18" charset="0"/>
+                          </a:rPr>
+                          <m:t>)</m:t>
+                        </m:r>
+                      </m:sup>
+                    </m:sSubSup>
+                    <m:sSubSup>
+                      <m:e>
+                        <m:r>
+                          <a:rPr xmlns:a="http://schemas.openxmlformats.org/drawingml/2006/main" sz="1950" i="1">
+                            <a:solidFill>
+                              <a:srgbClr val="000000"/>
+                            </a:solidFill>
+                            <a:latin typeface="Cambria Math" panose="02040503050406030204" pitchFamily="18" charset="0"/>
+                          </a:rPr>
+                          <m:t>w</m:t>
+                        </m:r>
+                      </m:e>
+                      <m:sub>
+                        <m:r>
+                          <a:rPr xmlns:a="http://schemas.openxmlformats.org/drawingml/2006/main" sz="1950" i="1">
+                            <a:solidFill>
+                              <a:srgbClr val="000000"/>
+                            </a:solidFill>
+                            <a:latin typeface="Cambria Math" panose="02040503050406030204" pitchFamily="18" charset="0"/>
+                          </a:rPr>
+                          <m:t>k</m:t>
+                        </m:r>
+                        <m:r>
+                          <a:rPr xmlns:a="http://schemas.openxmlformats.org/drawingml/2006/main" sz="1950" i="1">
+                            <a:solidFill>
+                              <a:srgbClr val="000000"/>
+                            </a:solidFill>
+                            <a:latin typeface="Cambria Math" panose="02040503050406030204" pitchFamily="18" charset="0"/>
+                          </a:rPr>
+                          <m:t>j</m:t>
+                        </m:r>
+                      </m:sub>
+                      <m:sup>
+                        <m:r>
+                          <a:rPr xmlns:a="http://schemas.openxmlformats.org/drawingml/2006/main" sz="1950" i="1">
+                            <a:solidFill>
+                              <a:srgbClr val="000000"/>
+                            </a:solidFill>
+                            <a:latin typeface="Cambria Math" panose="02040503050406030204" pitchFamily="18" charset="0"/>
+                          </a:rPr>
+                          <m:t>(</m:t>
+                        </m:r>
+                        <m:r>
+                          <a:rPr xmlns:a="http://schemas.openxmlformats.org/drawingml/2006/main" sz="1950" i="1">
+                            <a:solidFill>
+                              <a:srgbClr val="000000"/>
+                            </a:solidFill>
+                            <a:latin typeface="Cambria Math" panose="02040503050406030204" pitchFamily="18" charset="0"/>
+                          </a:rPr>
+                          <m:t>l</m:t>
+                        </m:r>
+                        <m:r>
+                          <a:rPr xmlns:a="http://schemas.openxmlformats.org/drawingml/2006/main" sz="1950" i="1">
+                            <a:solidFill>
+                              <a:srgbClr val="000000"/>
+                            </a:solidFill>
+                            <a:latin typeface="Cambria Math" panose="02040503050406030204" pitchFamily="18" charset="0"/>
+                          </a:rPr>
+                          <m:t>+</m:t>
+                        </m:r>
+                        <m:r>
+                          <a:rPr xmlns:a="http://schemas.openxmlformats.org/drawingml/2006/main" sz="1950" i="1">
+                            <a:solidFill>
+                              <a:srgbClr val="000000"/>
+                            </a:solidFill>
+                            <a:latin typeface="Cambria Math" panose="02040503050406030204" pitchFamily="18" charset="0"/>
+                          </a:rPr>
+                          <m:t>1</m:t>
+                        </m:r>
+                        <m:r>
+                          <a:rPr xmlns:a="http://schemas.openxmlformats.org/drawingml/2006/main" sz="1950" i="1">
+                            <a:solidFill>
+                              <a:srgbClr val="000000"/>
+                            </a:solidFill>
+                            <a:latin typeface="Cambria Math" panose="02040503050406030204" pitchFamily="18" charset="0"/>
+                          </a:rPr>
+                          <m:t>)</m:t>
+                        </m:r>
+                      </m:sup>
+                    </m:sSubSup>
+                  </m:e>
+                </m:d>
+                <m:sSup>
+                  <m:e>
+                    <m:r>
+                      <a:rPr xmlns:a="http://schemas.openxmlformats.org/drawingml/2006/main" sz="1950" i="1">
+                        <a:solidFill>
+                          <a:srgbClr val="000000"/>
+                        </a:solidFill>
+                        <a:latin typeface="Cambria Math" panose="02040503050406030204" pitchFamily="18" charset="0"/>
+                      </a:rPr>
+                      <m:t>f</m:t>
+                    </m:r>
+                  </m:e>
+                  <m:sup>
+                    <m:r>
+                      <a:rPr xmlns:a="http://schemas.openxmlformats.org/drawingml/2006/main" sz="1950" i="1">
+                        <a:solidFill>
+                          <a:srgbClr val="000000"/>
+                        </a:solidFill>
+                        <a:latin typeface="Cambria Math" panose="02040503050406030204" pitchFamily="18" charset="0"/>
+                      </a:rPr>
+                      <m:t>′</m:t>
+                    </m:r>
+                  </m:sup>
+                </m:sSup>
+                <m:d>
+                  <m:dPr>
+                    <m:ctrlPr>
+                      <a:rPr xmlns:a="http://schemas.openxmlformats.org/drawingml/2006/main" sz="1950" i="1">
+                        <a:solidFill>
+                          <a:srgbClr val="000000"/>
+                        </a:solidFill>
+                        <a:latin typeface="Cambria Math" panose="02040503050406030204" pitchFamily="18" charset="0"/>
+                      </a:rPr>
+                    </m:ctrlPr>
+                  </m:dPr>
+                  <m:e>
+                    <m:sSubSup>
+                      <m:e>
+                        <m:r>
+                          <a:rPr xmlns:a="http://schemas.openxmlformats.org/drawingml/2006/main" sz="1950" i="1">
+                            <a:solidFill>
+                              <a:srgbClr val="000000"/>
+                            </a:solidFill>
+                            <a:latin typeface="Cambria Math" panose="02040503050406030204" pitchFamily="18" charset="0"/>
+                          </a:rPr>
+                          <m:t>z</m:t>
+                        </m:r>
+                      </m:e>
+                      <m:sub>
+                        <m:r>
+                          <a:rPr xmlns:a="http://schemas.openxmlformats.org/drawingml/2006/main" sz="1950" i="1">
+                            <a:solidFill>
+                              <a:srgbClr val="000000"/>
+                            </a:solidFill>
+                            <a:latin typeface="Cambria Math" panose="02040503050406030204" pitchFamily="18" charset="0"/>
+                          </a:rPr>
+                          <m:t>j</m:t>
+                        </m:r>
+                      </m:sub>
+                      <m:sup>
+                        <m:r>
+                          <a:rPr xmlns:a="http://schemas.openxmlformats.org/drawingml/2006/main" sz="1950" i="1">
+                            <a:solidFill>
+                              <a:srgbClr val="000000"/>
+                            </a:solidFill>
+                            <a:latin typeface="Cambria Math" panose="02040503050406030204" pitchFamily="18" charset="0"/>
+                          </a:rPr>
+                          <m:t>(</m:t>
+                        </m:r>
+                        <m:r>
+                          <a:rPr xmlns:a="http://schemas.openxmlformats.org/drawingml/2006/main" sz="1950" i="1">
+                            <a:solidFill>
+                              <a:srgbClr val="000000"/>
+                            </a:solidFill>
+                            <a:latin typeface="Cambria Math" panose="02040503050406030204" pitchFamily="18" charset="0"/>
+                          </a:rPr>
+                          <m:t>l</m:t>
+                        </m:r>
+                        <m:r>
+                          <a:rPr xmlns:a="http://schemas.openxmlformats.org/drawingml/2006/main" sz="1950" i="1">
+                            <a:solidFill>
+                              <a:srgbClr val="000000"/>
+                            </a:solidFill>
+                            <a:latin typeface="Cambria Math" panose="02040503050406030204" pitchFamily="18" charset="0"/>
+                          </a:rPr>
+                          <m:t>)</m:t>
+                        </m:r>
+                      </m:sup>
+                    </m:sSubSup>
+                  </m:e>
+                </m:d>
+              </m:oMath>
+            </a14:m>
+            <a:r>
+              <a:t>     </a:t>
+            </a:r>
+            <a:r>
+              <a:rPr b="1"/>
+              <a:t>(3)</a:t>
+            </a:r>
+            <a:endParaRPr b="1"/>
+          </a:p>
+          <a:p>
+            <a:pPr marL="177800" indent="-177800">
+              <a:lnSpc>
+                <a:spcPct val="120000"/>
+              </a:lnSpc>
+              <a:buSzPct val="100000"/>
+              <a:buChar char="•"/>
+              <a:defRPr sz="1600">
+                <a:uFill>
+                  <a:solidFill>
+                    <a:schemeClr val="accent1"/>
+                  </a:solidFill>
+                </a:uFill>
+                <a:latin typeface="Arial"/>
+                <a:ea typeface="Arial"/>
+                <a:cs typeface="Arial"/>
+                <a:sym typeface="Arial"/>
+              </a:defRPr>
+            </a:pPr>
+            <a14:m>
+              <m:oMath>
+                <m:f>
+                  <m:fPr>
+                    <m:ctrlPr>
+                      <a:rPr xmlns:a="http://schemas.openxmlformats.org/drawingml/2006/main" sz="1900" i="1">
+                        <a:solidFill>
+                          <a:srgbClr val="000000"/>
+                        </a:solidFill>
+                        <a:latin typeface="Cambria Math" panose="02040503050406030204" pitchFamily="18" charset="0"/>
+                      </a:rPr>
+                    </m:ctrlPr>
+                    <m:type m:val="bar"/>
+                  </m:fPr>
+                  <m:num>
+                    <m:r>
+                      <m:rPr>
+                        <m:sty m:val="p"/>
+                      </m:rPr>
+                      <a:rPr xmlns:a="http://schemas.openxmlformats.org/drawingml/2006/main" sz="1900" i="1">
+                        <a:solidFill>
+                          <a:srgbClr val="000000"/>
+                        </a:solidFill>
+                        <a:latin typeface="Cambria Math" panose="02040503050406030204" pitchFamily="18" charset="0"/>
+                      </a:rPr>
+                      <m:t>∂</m:t>
+                    </m:r>
+                    <m:r>
+                      <a:rPr xmlns:a="http://schemas.openxmlformats.org/drawingml/2006/main" sz="1900" i="1">
+                        <a:solidFill>
+                          <a:srgbClr val="000000"/>
+                        </a:solidFill>
+                        <a:latin typeface="Cambria Math" panose="02040503050406030204" pitchFamily="18" charset="0"/>
+                      </a:rPr>
+                      <m:t>C</m:t>
+                    </m:r>
+                  </m:num>
+                  <m:den>
+                    <m:r>
+                      <m:rPr>
+                        <m:sty m:val="p"/>
+                      </m:rPr>
+                      <a:rPr xmlns:a="http://schemas.openxmlformats.org/drawingml/2006/main" sz="1900" i="1">
+                        <a:solidFill>
+                          <a:srgbClr val="000000"/>
+                        </a:solidFill>
+                        <a:latin typeface="Cambria Math" panose="02040503050406030204" pitchFamily="18" charset="0"/>
+                      </a:rPr>
+                      <m:t>∂</m:t>
+                    </m:r>
+                    <m:sSubSup>
+                      <m:e>
+                        <m:r>
+                          <a:rPr xmlns:a="http://schemas.openxmlformats.org/drawingml/2006/main" sz="1900" i="1">
+                            <a:solidFill>
+                              <a:srgbClr val="000000"/>
+                            </a:solidFill>
+                            <a:latin typeface="Cambria Math" panose="02040503050406030204" pitchFamily="18" charset="0"/>
+                          </a:rPr>
+                          <m:t>w</m:t>
+                        </m:r>
+                      </m:e>
+                      <m:sub>
+                        <m:r>
+                          <a:rPr xmlns:a="http://schemas.openxmlformats.org/drawingml/2006/main" sz="1900" i="1">
+                            <a:solidFill>
+                              <a:srgbClr val="000000"/>
+                            </a:solidFill>
+                            <a:latin typeface="Cambria Math" panose="02040503050406030204" pitchFamily="18" charset="0"/>
+                          </a:rPr>
+                          <m:t>j</m:t>
+                        </m:r>
+                        <m:r>
+                          <a:rPr xmlns:a="http://schemas.openxmlformats.org/drawingml/2006/main" sz="1900" i="1">
+                            <a:solidFill>
+                              <a:srgbClr val="000000"/>
+                            </a:solidFill>
+                            <a:latin typeface="Cambria Math" panose="02040503050406030204" pitchFamily="18" charset="0"/>
+                          </a:rPr>
+                          <m:t>k</m:t>
+                        </m:r>
+                      </m:sub>
+                      <m:sup>
+                        <m:r>
+                          <a:rPr xmlns:a="http://schemas.openxmlformats.org/drawingml/2006/main" sz="1900" i="1">
+                            <a:solidFill>
+                              <a:srgbClr val="000000"/>
+                            </a:solidFill>
+                            <a:latin typeface="Cambria Math" panose="02040503050406030204" pitchFamily="18" charset="0"/>
+                          </a:rPr>
+                          <m:t>(</m:t>
+                        </m:r>
+                        <m:r>
+                          <a:rPr xmlns:a="http://schemas.openxmlformats.org/drawingml/2006/main" sz="1900" i="1">
+                            <a:solidFill>
+                              <a:srgbClr val="000000"/>
+                            </a:solidFill>
+                            <a:latin typeface="Cambria Math" panose="02040503050406030204" pitchFamily="18" charset="0"/>
+                          </a:rPr>
+                          <m:t>l</m:t>
+                        </m:r>
+                        <m:r>
+                          <a:rPr xmlns:a="http://schemas.openxmlformats.org/drawingml/2006/main" sz="1900" i="1">
+                            <a:solidFill>
+                              <a:srgbClr val="000000"/>
+                            </a:solidFill>
+                            <a:latin typeface="Cambria Math" panose="02040503050406030204" pitchFamily="18" charset="0"/>
+                          </a:rPr>
+                          <m:t>)</m:t>
+                        </m:r>
+                      </m:sup>
+                    </m:sSubSup>
+                  </m:den>
+                </m:f>
+                <m:r>
+                  <a:rPr xmlns:a="http://schemas.openxmlformats.org/drawingml/2006/main" sz="1900" i="1">
+                    <a:solidFill>
+                      <a:srgbClr val="000000"/>
+                    </a:solidFill>
+                    <a:latin typeface="Cambria Math" panose="02040503050406030204" pitchFamily="18" charset="0"/>
+                  </a:rPr>
+                  <m:t>=</m:t>
+                </m:r>
+                <m:f>
+                  <m:fPr>
+                    <m:ctrlPr>
+                      <a:rPr xmlns:a="http://schemas.openxmlformats.org/drawingml/2006/main" sz="1900" i="1">
+                        <a:solidFill>
+                          <a:srgbClr val="000000"/>
+                        </a:solidFill>
+                        <a:latin typeface="Cambria Math" panose="02040503050406030204" pitchFamily="18" charset="0"/>
+                      </a:rPr>
+                    </m:ctrlPr>
+                    <m:type m:val="bar"/>
+                  </m:fPr>
+                  <m:num>
+                    <m:r>
+                      <m:rPr>
+                        <m:sty m:val="p"/>
+                      </m:rPr>
+                      <a:rPr xmlns:a="http://schemas.openxmlformats.org/drawingml/2006/main" sz="1900" i="1">
+                        <a:solidFill>
+                          <a:srgbClr val="000000"/>
+                        </a:solidFill>
+                        <a:latin typeface="Cambria Math" panose="02040503050406030204" pitchFamily="18" charset="0"/>
+                      </a:rPr>
+                      <m:t>∂</m:t>
+                    </m:r>
+                    <m:r>
+                      <a:rPr xmlns:a="http://schemas.openxmlformats.org/drawingml/2006/main" sz="1900" i="1">
+                        <a:solidFill>
+                          <a:srgbClr val="000000"/>
+                        </a:solidFill>
+                        <a:latin typeface="Cambria Math" panose="02040503050406030204" pitchFamily="18" charset="0"/>
+                      </a:rPr>
+                      <m:t>C</m:t>
+                    </m:r>
+                  </m:num>
+                  <m:den>
+                    <m:r>
+                      <m:rPr>
+                        <m:sty m:val="p"/>
+                      </m:rPr>
+                      <a:rPr xmlns:a="http://schemas.openxmlformats.org/drawingml/2006/main" sz="1900" i="1">
+                        <a:solidFill>
+                          <a:srgbClr val="000000"/>
+                        </a:solidFill>
+                        <a:latin typeface="Cambria Math" panose="02040503050406030204" pitchFamily="18" charset="0"/>
+                      </a:rPr>
+                      <m:t>∂</m:t>
+                    </m:r>
+                    <m:sSubSup>
+                      <m:e>
+                        <m:r>
+                          <a:rPr xmlns:a="http://schemas.openxmlformats.org/drawingml/2006/main" sz="1900" i="1">
+                            <a:solidFill>
+                              <a:srgbClr val="000000"/>
+                            </a:solidFill>
+                            <a:latin typeface="Cambria Math" panose="02040503050406030204" pitchFamily="18" charset="0"/>
+                          </a:rPr>
+                          <m:t>z</m:t>
+                        </m:r>
+                      </m:e>
+                      <m:sub>
+                        <m:r>
+                          <a:rPr xmlns:a="http://schemas.openxmlformats.org/drawingml/2006/main" sz="1900" i="1">
+                            <a:solidFill>
+                              <a:srgbClr val="000000"/>
+                            </a:solidFill>
+                            <a:latin typeface="Cambria Math" panose="02040503050406030204" pitchFamily="18" charset="0"/>
+                          </a:rPr>
+                          <m:t>j</m:t>
+                        </m:r>
+                      </m:sub>
+                      <m:sup>
+                        <m:r>
+                          <a:rPr xmlns:a="http://schemas.openxmlformats.org/drawingml/2006/main" sz="1900" i="1">
+                            <a:solidFill>
+                              <a:srgbClr val="000000"/>
+                            </a:solidFill>
+                            <a:latin typeface="Cambria Math" panose="02040503050406030204" pitchFamily="18" charset="0"/>
+                          </a:rPr>
+                          <m:t>(</m:t>
+                        </m:r>
+                        <m:r>
+                          <a:rPr xmlns:a="http://schemas.openxmlformats.org/drawingml/2006/main" sz="1900" i="1">
+                            <a:solidFill>
+                              <a:srgbClr val="000000"/>
+                            </a:solidFill>
+                            <a:latin typeface="Cambria Math" panose="02040503050406030204" pitchFamily="18" charset="0"/>
+                          </a:rPr>
+                          <m:t>l</m:t>
+                        </m:r>
+                        <m:r>
+                          <a:rPr xmlns:a="http://schemas.openxmlformats.org/drawingml/2006/main" sz="1900" i="1">
+                            <a:solidFill>
+                              <a:srgbClr val="000000"/>
+                            </a:solidFill>
+                            <a:latin typeface="Cambria Math" panose="02040503050406030204" pitchFamily="18" charset="0"/>
+                          </a:rPr>
+                          <m:t>)</m:t>
+                        </m:r>
+                      </m:sup>
+                    </m:sSubSup>
+                  </m:den>
+                </m:f>
+                <m:f>
+                  <m:fPr>
+                    <m:ctrlPr>
+                      <a:rPr xmlns:a="http://schemas.openxmlformats.org/drawingml/2006/main" sz="1900" i="1">
+                        <a:solidFill>
+                          <a:srgbClr val="000000"/>
+                        </a:solidFill>
+                        <a:latin typeface="Cambria Math" panose="02040503050406030204" pitchFamily="18" charset="0"/>
+                      </a:rPr>
+                    </m:ctrlPr>
+                    <m:type m:val="bar"/>
+                  </m:fPr>
+                  <m:num>
+                    <m:r>
+                      <m:rPr>
+                        <m:sty m:val="p"/>
+                      </m:rPr>
+                      <a:rPr xmlns:a="http://schemas.openxmlformats.org/drawingml/2006/main" sz="1900" i="1">
+                        <a:solidFill>
+                          <a:srgbClr val="000000"/>
+                        </a:solidFill>
+                        <a:latin typeface="Cambria Math" panose="02040503050406030204" pitchFamily="18" charset="0"/>
+                      </a:rPr>
+                      <m:t>∂</m:t>
+                    </m:r>
+                    <m:sSubSup>
+                      <m:e>
+                        <m:r>
+                          <a:rPr xmlns:a="http://schemas.openxmlformats.org/drawingml/2006/main" sz="1900" i="1">
+                            <a:solidFill>
+                              <a:srgbClr val="000000"/>
+                            </a:solidFill>
+                            <a:latin typeface="Cambria Math" panose="02040503050406030204" pitchFamily="18" charset="0"/>
+                          </a:rPr>
+                          <m:t>z</m:t>
+                        </m:r>
+                      </m:e>
+                      <m:sub>
+                        <m:r>
+                          <a:rPr xmlns:a="http://schemas.openxmlformats.org/drawingml/2006/main" sz="1900" i="1">
+                            <a:solidFill>
+                              <a:srgbClr val="000000"/>
+                            </a:solidFill>
+                            <a:latin typeface="Cambria Math" panose="02040503050406030204" pitchFamily="18" charset="0"/>
+                          </a:rPr>
+                          <m:t>j</m:t>
+                        </m:r>
+                      </m:sub>
+                      <m:sup>
+                        <m:r>
+                          <a:rPr xmlns:a="http://schemas.openxmlformats.org/drawingml/2006/main" sz="1900" i="1">
+                            <a:solidFill>
+                              <a:srgbClr val="000000"/>
+                            </a:solidFill>
+                            <a:latin typeface="Cambria Math" panose="02040503050406030204" pitchFamily="18" charset="0"/>
+                          </a:rPr>
+                          <m:t>(</m:t>
+                        </m:r>
+                        <m:r>
+                          <a:rPr xmlns:a="http://schemas.openxmlformats.org/drawingml/2006/main" sz="1900" i="1">
+                            <a:solidFill>
+                              <a:srgbClr val="000000"/>
+                            </a:solidFill>
+                            <a:latin typeface="Cambria Math" panose="02040503050406030204" pitchFamily="18" charset="0"/>
+                          </a:rPr>
+                          <m:t>l</m:t>
+                        </m:r>
+                        <m:r>
+                          <a:rPr xmlns:a="http://schemas.openxmlformats.org/drawingml/2006/main" sz="1900" i="1">
+                            <a:solidFill>
+                              <a:srgbClr val="000000"/>
+                            </a:solidFill>
+                            <a:latin typeface="Cambria Math" panose="02040503050406030204" pitchFamily="18" charset="0"/>
+                          </a:rPr>
+                          <m:t>)</m:t>
+                        </m:r>
+                      </m:sup>
+                    </m:sSubSup>
+                  </m:num>
+                  <m:den>
+                    <m:r>
+                      <m:rPr>
+                        <m:sty m:val="p"/>
+                      </m:rPr>
+                      <a:rPr xmlns:a="http://schemas.openxmlformats.org/drawingml/2006/main" sz="1900" i="1">
+                        <a:solidFill>
+                          <a:srgbClr val="000000"/>
+                        </a:solidFill>
+                        <a:latin typeface="Cambria Math" panose="02040503050406030204" pitchFamily="18" charset="0"/>
+                      </a:rPr>
+                      <m:t>∂</m:t>
+                    </m:r>
+                    <m:sSubSup>
+                      <m:e>
+                        <m:r>
+                          <a:rPr xmlns:a="http://schemas.openxmlformats.org/drawingml/2006/main" sz="1900" i="1">
+                            <a:solidFill>
+                              <a:srgbClr val="000000"/>
+                            </a:solidFill>
+                            <a:latin typeface="Cambria Math" panose="02040503050406030204" pitchFamily="18" charset="0"/>
+                          </a:rPr>
+                          <m:t>w</m:t>
+                        </m:r>
+                      </m:e>
+                      <m:sub>
+                        <m:r>
+                          <a:rPr xmlns:a="http://schemas.openxmlformats.org/drawingml/2006/main" sz="1900" i="1">
+                            <a:solidFill>
+                              <a:srgbClr val="000000"/>
+                            </a:solidFill>
+                            <a:latin typeface="Cambria Math" panose="02040503050406030204" pitchFamily="18" charset="0"/>
+                          </a:rPr>
+                          <m:t>j</m:t>
+                        </m:r>
+                        <m:r>
+                          <a:rPr xmlns:a="http://schemas.openxmlformats.org/drawingml/2006/main" sz="1900" i="1">
+                            <a:solidFill>
+                              <a:srgbClr val="000000"/>
+                            </a:solidFill>
+                            <a:latin typeface="Cambria Math" panose="02040503050406030204" pitchFamily="18" charset="0"/>
+                          </a:rPr>
+                          <m:t>k</m:t>
+                        </m:r>
+                      </m:sub>
+                      <m:sup>
+                        <m:r>
+                          <a:rPr xmlns:a="http://schemas.openxmlformats.org/drawingml/2006/main" sz="1900" i="1">
+                            <a:solidFill>
+                              <a:srgbClr val="000000"/>
+                            </a:solidFill>
+                            <a:latin typeface="Cambria Math" panose="02040503050406030204" pitchFamily="18" charset="0"/>
+                          </a:rPr>
+                          <m:t>(</m:t>
+                        </m:r>
+                        <m:r>
+                          <a:rPr xmlns:a="http://schemas.openxmlformats.org/drawingml/2006/main" sz="1900" i="1">
+                            <a:solidFill>
+                              <a:srgbClr val="000000"/>
+                            </a:solidFill>
+                            <a:latin typeface="Cambria Math" panose="02040503050406030204" pitchFamily="18" charset="0"/>
+                          </a:rPr>
+                          <m:t>l</m:t>
+                        </m:r>
+                        <m:r>
+                          <a:rPr xmlns:a="http://schemas.openxmlformats.org/drawingml/2006/main" sz="1900" i="1">
+                            <a:solidFill>
+                              <a:srgbClr val="000000"/>
+                            </a:solidFill>
+                            <a:latin typeface="Cambria Math" panose="02040503050406030204" pitchFamily="18" charset="0"/>
+                          </a:rPr>
+                          <m:t>)</m:t>
+                        </m:r>
+                      </m:sup>
+                    </m:sSubSup>
+                  </m:den>
+                </m:f>
+                <m:r>
+                  <a:rPr xmlns:a="http://schemas.openxmlformats.org/drawingml/2006/main" sz="1900" i="1">
+                    <a:solidFill>
+                      <a:srgbClr val="000000"/>
+                    </a:solidFill>
+                    <a:latin typeface="Cambria Math" panose="02040503050406030204" pitchFamily="18" charset="0"/>
+                  </a:rPr>
+                  <m:t>=</m:t>
+                </m:r>
+                <m:sSubSup>
+                  <m:e>
+                    <m:r>
+                      <m:rPr>
+                        <m:sty m:val="p"/>
+                      </m:rPr>
+                      <a:rPr xmlns:a="http://schemas.openxmlformats.org/drawingml/2006/main" sz="1900" i="1">
+                        <a:solidFill>
+                          <a:srgbClr val="000000"/>
+                        </a:solidFill>
+                        <a:latin typeface="Cambria Math" panose="02040503050406030204" pitchFamily="18" charset="0"/>
+                      </a:rPr>
+                      <m:t>Δ</m:t>
+                    </m:r>
+                  </m:e>
+                  <m:sub>
+                    <m:r>
+                      <a:rPr xmlns:a="http://schemas.openxmlformats.org/drawingml/2006/main" sz="1900" i="1">
+                        <a:solidFill>
+                          <a:srgbClr val="000000"/>
+                        </a:solidFill>
+                        <a:latin typeface="Cambria Math" panose="02040503050406030204" pitchFamily="18" charset="0"/>
+                      </a:rPr>
+                      <m:t>j</m:t>
+                    </m:r>
+                  </m:sub>
+                  <m:sup>
+                    <m:r>
+                      <a:rPr xmlns:a="http://schemas.openxmlformats.org/drawingml/2006/main" sz="1900" i="1">
+                        <a:solidFill>
+                          <a:srgbClr val="000000"/>
+                        </a:solidFill>
+                        <a:latin typeface="Cambria Math" panose="02040503050406030204" pitchFamily="18" charset="0"/>
+                      </a:rPr>
+                      <m:t>(</m:t>
+                    </m:r>
+                    <m:r>
+                      <a:rPr xmlns:a="http://schemas.openxmlformats.org/drawingml/2006/main" sz="1900" i="1">
+                        <a:solidFill>
+                          <a:srgbClr val="000000"/>
+                        </a:solidFill>
+                        <a:latin typeface="Cambria Math" panose="02040503050406030204" pitchFamily="18" charset="0"/>
+                      </a:rPr>
+                      <m:t>l</m:t>
+                    </m:r>
+                    <m:r>
+                      <a:rPr xmlns:a="http://schemas.openxmlformats.org/drawingml/2006/main" sz="1900" i="1">
+                        <a:solidFill>
+                          <a:srgbClr val="000000"/>
+                        </a:solidFill>
+                        <a:latin typeface="Cambria Math" panose="02040503050406030204" pitchFamily="18" charset="0"/>
+                      </a:rPr>
+                      <m:t>)</m:t>
+                    </m:r>
+                  </m:sup>
+                </m:sSubSup>
+                <m:sSubSup>
+                  <m:e>
+                    <m:r>
+                      <a:rPr xmlns:a="http://schemas.openxmlformats.org/drawingml/2006/main" sz="1900" i="1">
+                        <a:solidFill>
+                          <a:srgbClr val="000000"/>
+                        </a:solidFill>
+                        <a:latin typeface="Cambria Math" panose="02040503050406030204" pitchFamily="18" charset="0"/>
+                      </a:rPr>
+                      <m:t>a</m:t>
+                    </m:r>
+                  </m:e>
+                  <m:sub>
+                    <m:r>
+                      <a:rPr xmlns:a="http://schemas.openxmlformats.org/drawingml/2006/main" sz="1900" i="1">
+                        <a:solidFill>
+                          <a:srgbClr val="000000"/>
+                        </a:solidFill>
+                        <a:latin typeface="Cambria Math" panose="02040503050406030204" pitchFamily="18" charset="0"/>
+                      </a:rPr>
+                      <m:t>k</m:t>
+                    </m:r>
+                  </m:sub>
+                  <m:sup>
+                    <m:r>
+                      <a:rPr xmlns:a="http://schemas.openxmlformats.org/drawingml/2006/main" sz="1900" i="1">
+                        <a:solidFill>
+                          <a:srgbClr val="000000"/>
+                        </a:solidFill>
+                        <a:latin typeface="Cambria Math" panose="02040503050406030204" pitchFamily="18" charset="0"/>
+                      </a:rPr>
+                      <m:t>(</m:t>
+                    </m:r>
+                    <m:r>
+                      <a:rPr xmlns:a="http://schemas.openxmlformats.org/drawingml/2006/main" sz="1900" i="1">
+                        <a:solidFill>
+                          <a:srgbClr val="000000"/>
+                        </a:solidFill>
+                        <a:latin typeface="Cambria Math" panose="02040503050406030204" pitchFamily="18" charset="0"/>
+                      </a:rPr>
+                      <m:t>l</m:t>
+                    </m:r>
+                    <m:r>
+                      <a:rPr xmlns:a="http://schemas.openxmlformats.org/drawingml/2006/main" sz="1900" i="1">
+                        <a:solidFill>
+                          <a:srgbClr val="000000"/>
+                        </a:solidFill>
+                        <a:latin typeface="Cambria Math" panose="02040503050406030204" pitchFamily="18" charset="0"/>
+                      </a:rPr>
+                      <m:t>-</m:t>
+                    </m:r>
+                    <m:r>
+                      <a:rPr xmlns:a="http://schemas.openxmlformats.org/drawingml/2006/main" sz="1900" i="1">
+                        <a:solidFill>
+                          <a:srgbClr val="000000"/>
+                        </a:solidFill>
+                        <a:latin typeface="Cambria Math" panose="02040503050406030204" pitchFamily="18" charset="0"/>
+                      </a:rPr>
+                      <m:t>1</m:t>
+                    </m:r>
+                    <m:r>
+                      <a:rPr xmlns:a="http://schemas.openxmlformats.org/drawingml/2006/main" sz="1900" i="1">
+                        <a:solidFill>
+                          <a:srgbClr val="000000"/>
+                        </a:solidFill>
+                        <a:latin typeface="Cambria Math" panose="02040503050406030204" pitchFamily="18" charset="0"/>
+                      </a:rPr>
+                      <m:t>)</m:t>
+                    </m:r>
+                  </m:sup>
+                </m:sSubSup>
+              </m:oMath>
+            </a14:m>
+            <a:r>
+              <a:t>                                   </a:t>
+            </a:r>
+            <a:r>
+              <a:rPr b="1"/>
+              <a:t> (4) </a:t>
+            </a:r>
+            <a:r>
+              <a:t> </a:t>
+            </a:r>
+          </a:p>
+        </p:txBody>
+      </p:sp>
+      <p:sp>
+        <p:nvSpPr>
+          <p:cNvPr id="186" name="Notation:…"/>
+          <p:cNvSpPr/>
+          <p:nvPr/>
+        </p:nvSpPr>
+        <p:spPr>
+          <a:xfrm>
+            <a:off x="5994039" y="473760"/>
+            <a:ext cx="3070549" cy="3273062"/>
+          </a:xfrm>
+          <a:prstGeom prst="rect">
+            <a:avLst/>
+          </a:prstGeom>
+          <a:solidFill>
+            <a:srgbClr val="FFFFFF"/>
+          </a:solidFill>
+          <a:ln w="25400">
+            <a:solidFill>
+              <a:schemeClr val="accent1"/>
+            </a:solidFill>
+          </a:ln>
+          <a:extLst>
+            <a:ext uri="{C572A759-6A51-4108-AA02-DFA0A04FC94B}">
+              <ma14:wrappingTextBoxFlag xmlns:ma14="http://schemas.microsoft.com/office/mac/drawingml/2011/main" val="1"/>
+            </a:ext>
+          </a:extLst>
+        </p:spPr>
+        <p:txBody>
+          <a:bodyPr lIns="45718" tIns="45718" rIns="45718" bIns="45718" anchor="ctr"/>
+          <a:lstStyle/>
+          <a:p>
+            <a:pPr algn="ctr">
+              <a:spcBef>
+                <a:spcPts val="400"/>
+              </a:spcBef>
+              <a:defRPr sz="1200" u="sng">
+                <a:latin typeface="Arial"/>
+                <a:ea typeface="Arial"/>
+                <a:cs typeface="Arial"/>
+                <a:sym typeface="Arial"/>
+              </a:defRPr>
+            </a:pPr>
+            <a:r>
+              <a:t>Notation:</a:t>
+            </a:r>
+          </a:p>
+          <a:p>
+            <a:pPr>
+              <a:spcBef>
+                <a:spcPts val="400"/>
+              </a:spcBef>
+              <a:defRPr sz="1200">
+                <a:latin typeface="Arial"/>
+                <a:ea typeface="Arial"/>
+                <a:cs typeface="Arial"/>
+                <a:sym typeface="Arial"/>
+              </a:defRPr>
+            </a:pPr>
+            <a14:m>
+              <m:oMath>
+                <m:sSubSup>
+                  <m:e>
+                    <m:r>
+                      <a:rPr xmlns:a="http://schemas.openxmlformats.org/drawingml/2006/main" sz="1450" i="1">
+                        <a:solidFill>
+                          <a:srgbClr val="000000"/>
+                        </a:solidFill>
+                        <a:latin typeface="Cambria Math" panose="02040503050406030204" pitchFamily="18" charset="0"/>
+                      </a:rPr>
+                      <m:t>w</m:t>
+                    </m:r>
+                  </m:e>
+                  <m:sub>
+                    <m:r>
+                      <a:rPr xmlns:a="http://schemas.openxmlformats.org/drawingml/2006/main" sz="1450" i="1">
+                        <a:solidFill>
+                          <a:srgbClr val="000000"/>
+                        </a:solidFill>
+                        <a:latin typeface="Cambria Math" panose="02040503050406030204" pitchFamily="18" charset="0"/>
+                      </a:rPr>
+                      <m:t>j</m:t>
+                    </m:r>
+                    <m:r>
+                      <a:rPr xmlns:a="http://schemas.openxmlformats.org/drawingml/2006/main" sz="1450" i="1">
+                        <a:solidFill>
+                          <a:srgbClr val="000000"/>
+                        </a:solidFill>
+                        <a:latin typeface="Cambria Math" panose="02040503050406030204" pitchFamily="18" charset="0"/>
+                      </a:rPr>
+                      <m:t>k</m:t>
+                    </m:r>
+                  </m:sub>
+                  <m:sup>
+                    <m:r>
+                      <a:rPr xmlns:a="http://schemas.openxmlformats.org/drawingml/2006/main" sz="1450" i="1">
+                        <a:solidFill>
+                          <a:srgbClr val="000000"/>
+                        </a:solidFill>
+                        <a:latin typeface="Cambria Math" panose="02040503050406030204" pitchFamily="18" charset="0"/>
+                      </a:rPr>
+                      <m:t>(</m:t>
+                    </m:r>
+                    <m:r>
+                      <a:rPr xmlns:a="http://schemas.openxmlformats.org/drawingml/2006/main" sz="1450" i="1">
+                        <a:solidFill>
+                          <a:srgbClr val="000000"/>
+                        </a:solidFill>
+                        <a:latin typeface="Cambria Math" panose="02040503050406030204" pitchFamily="18" charset="0"/>
+                      </a:rPr>
+                      <m:t>l</m:t>
+                    </m:r>
+                    <m:r>
+                      <a:rPr xmlns:a="http://schemas.openxmlformats.org/drawingml/2006/main" sz="1450" i="1">
+                        <a:solidFill>
+                          <a:srgbClr val="000000"/>
+                        </a:solidFill>
+                        <a:latin typeface="Cambria Math" panose="02040503050406030204" pitchFamily="18" charset="0"/>
+                      </a:rPr>
+                      <m:t>)</m:t>
+                    </m:r>
+                  </m:sup>
+                </m:sSubSup>
+              </m:oMath>
+            </a14:m>
+            <a:r>
+              <a:t>: Gewicht, das Neuron </a:t>
+            </a:r>
+            <a14:m>
+              <m:oMath>
+                <m:r>
+                  <a:rPr xmlns:a="http://schemas.openxmlformats.org/drawingml/2006/main" sz="1400" i="1">
+                    <a:solidFill>
+                      <a:srgbClr val="000000"/>
+                    </a:solidFill>
+                    <a:latin typeface="Cambria Math" panose="02040503050406030204" pitchFamily="18" charset="0"/>
+                  </a:rPr>
+                  <m:t>k</m:t>
+                </m:r>
+              </m:oMath>
+            </a14:m>
+            <a:r>
+              <a:t> der Layer </a:t>
+            </a:r>
+            <a14:m>
+              <m:oMath>
+                <m:r>
+                  <a:rPr xmlns:a="http://schemas.openxmlformats.org/drawingml/2006/main" sz="1500" i="1">
+                    <a:solidFill>
+                      <a:srgbClr val="000000"/>
+                    </a:solidFill>
+                    <a:latin typeface="Cambria Math" panose="02040503050406030204" pitchFamily="18" charset="0"/>
+                  </a:rPr>
+                  <m:t>l</m:t>
+                </m:r>
+                <m:r>
+                  <a:rPr xmlns:a="http://schemas.openxmlformats.org/drawingml/2006/main" sz="1500" i="1">
+                    <a:solidFill>
+                      <a:srgbClr val="000000"/>
+                    </a:solidFill>
+                    <a:latin typeface="Cambria Math" panose="02040503050406030204" pitchFamily="18" charset="0"/>
+                  </a:rPr>
+                  <m:t>-</m:t>
+                </m:r>
+                <m:r>
+                  <a:rPr xmlns:a="http://schemas.openxmlformats.org/drawingml/2006/main" sz="1500" i="1">
+                    <a:solidFill>
+                      <a:srgbClr val="000000"/>
+                    </a:solidFill>
+                    <a:latin typeface="Cambria Math" panose="02040503050406030204" pitchFamily="18" charset="0"/>
+                  </a:rPr>
+                  <m:t>1</m:t>
+                </m:r>
+              </m:oMath>
+            </a14:m>
+            <a:r>
+              <a:t> und Neuron </a:t>
+            </a:r>
+            <a14:m>
+              <m:oMath>
+                <m:r>
+                  <a:rPr xmlns:a="http://schemas.openxmlformats.org/drawingml/2006/main" sz="1000" i="1">
+                    <a:solidFill>
+                      <a:srgbClr val="000000"/>
+                    </a:solidFill>
+                    <a:latin typeface="Cambria Math" panose="02040503050406030204" pitchFamily="18" charset="0"/>
+                  </a:rPr>
+                  <m:t>j</m:t>
+                </m:r>
+              </m:oMath>
+            </a14:m>
+            <a:r>
+              <a:t> der  Layer </a:t>
+            </a:r>
+            <a14:m>
+              <m:oMath>
+                <m:r>
+                  <a:rPr xmlns:a="http://schemas.openxmlformats.org/drawingml/2006/main" sz="1650" i="1">
+                    <a:solidFill>
+                      <a:srgbClr val="000000"/>
+                    </a:solidFill>
+                    <a:latin typeface="Cambria Math" panose="02040503050406030204" pitchFamily="18" charset="0"/>
+                  </a:rPr>
+                  <m:t>l</m:t>
+                </m:r>
+              </m:oMath>
+            </a14:m>
+            <a:r>
+              <a:t> verbindet </a:t>
+            </a:r>
+          </a:p>
+          <a:p>
+            <a:pPr>
+              <a:spcBef>
+                <a:spcPts val="400"/>
+              </a:spcBef>
+              <a:defRPr sz="1200">
+                <a:latin typeface="Arial"/>
+                <a:ea typeface="Arial"/>
+                <a:cs typeface="Arial"/>
+                <a:sym typeface="Arial"/>
+              </a:defRPr>
+            </a:pPr>
+            <a14:m>
+              <m:oMath>
+                <m:sSubSup>
+                  <m:e>
+                    <m:r>
+                      <a:rPr xmlns:a="http://schemas.openxmlformats.org/drawingml/2006/main" sz="1500" i="1">
+                        <a:solidFill>
+                          <a:srgbClr val="000000"/>
+                        </a:solidFill>
+                        <a:latin typeface="Cambria Math" panose="02040503050406030204" pitchFamily="18" charset="0"/>
+                      </a:rPr>
+                      <m:t>b</m:t>
+                    </m:r>
+                  </m:e>
+                  <m:sub>
+                    <m:r>
+                      <a:rPr xmlns:a="http://schemas.openxmlformats.org/drawingml/2006/main" sz="1500" i="1">
+                        <a:solidFill>
+                          <a:srgbClr val="000000"/>
+                        </a:solidFill>
+                        <a:latin typeface="Cambria Math" panose="02040503050406030204" pitchFamily="18" charset="0"/>
+                      </a:rPr>
+                      <m:t>j</m:t>
+                    </m:r>
+                  </m:sub>
+                  <m:sup>
+                    <m:r>
+                      <a:rPr xmlns:a="http://schemas.openxmlformats.org/drawingml/2006/main" sz="1500" i="1">
+                        <a:solidFill>
+                          <a:srgbClr val="000000"/>
+                        </a:solidFill>
+                        <a:latin typeface="Cambria Math" panose="02040503050406030204" pitchFamily="18" charset="0"/>
+                      </a:rPr>
+                      <m:t>(</m:t>
+                    </m:r>
+                    <m:r>
+                      <a:rPr xmlns:a="http://schemas.openxmlformats.org/drawingml/2006/main" sz="1500" i="1">
+                        <a:solidFill>
+                          <a:srgbClr val="000000"/>
+                        </a:solidFill>
+                        <a:latin typeface="Cambria Math" panose="02040503050406030204" pitchFamily="18" charset="0"/>
+                      </a:rPr>
+                      <m:t>l</m:t>
+                    </m:r>
+                    <m:r>
+                      <a:rPr xmlns:a="http://schemas.openxmlformats.org/drawingml/2006/main" sz="1500" i="1">
+                        <a:solidFill>
+                          <a:srgbClr val="000000"/>
+                        </a:solidFill>
+                        <a:latin typeface="Cambria Math" panose="02040503050406030204" pitchFamily="18" charset="0"/>
+                      </a:rPr>
+                      <m:t>)</m:t>
+                    </m:r>
+                  </m:sup>
+                </m:sSubSup>
+              </m:oMath>
+            </a14:m>
+            <a:r>
+              <a:t>: Bias des Neurons </a:t>
+            </a:r>
+            <a14:m>
+              <m:oMath>
+                <m:r>
+                  <a:rPr xmlns:a="http://schemas.openxmlformats.org/drawingml/2006/main" sz="1000" i="1">
+                    <a:solidFill>
+                      <a:srgbClr val="000000"/>
+                    </a:solidFill>
+                    <a:latin typeface="Cambria Math" panose="02040503050406030204" pitchFamily="18" charset="0"/>
+                  </a:rPr>
+                  <m:t>j</m:t>
+                </m:r>
+              </m:oMath>
+            </a14:m>
+            <a:r>
+              <a:t> der  Layer </a:t>
+            </a:r>
+            <a14:m>
+              <m:oMath>
+                <m:r>
+                  <a:rPr xmlns:a="http://schemas.openxmlformats.org/drawingml/2006/main" sz="1650" i="1">
+                    <a:solidFill>
+                      <a:srgbClr val="000000"/>
+                    </a:solidFill>
+                    <a:latin typeface="Cambria Math" panose="02040503050406030204" pitchFamily="18" charset="0"/>
+                  </a:rPr>
+                  <m:t>l</m:t>
+                </m:r>
+              </m:oMath>
+            </a14:m>
+          </a:p>
+          <a:p>
+            <a:pPr>
+              <a:spcBef>
+                <a:spcPts val="400"/>
+              </a:spcBef>
+              <a:defRPr sz="1200">
+                <a:latin typeface="Arial"/>
+                <a:ea typeface="Arial"/>
+                <a:cs typeface="Arial"/>
+                <a:sym typeface="Arial"/>
+              </a:defRPr>
+            </a:pPr>
+            <a14:m>
+              <m:oMath>
+                <m:sSubSup>
+                  <m:e>
+                    <m:r>
+                      <a:rPr xmlns:a="http://schemas.openxmlformats.org/drawingml/2006/main" sz="1450" i="1">
+                        <a:solidFill>
+                          <a:srgbClr val="000000"/>
+                        </a:solidFill>
+                        <a:latin typeface="Cambria Math" panose="02040503050406030204" pitchFamily="18" charset="0"/>
+                      </a:rPr>
+                      <m:t>a</m:t>
+                    </m:r>
+                  </m:e>
+                  <m:sub>
+                    <m:r>
+                      <a:rPr xmlns:a="http://schemas.openxmlformats.org/drawingml/2006/main" sz="1450" i="1">
+                        <a:solidFill>
+                          <a:srgbClr val="000000"/>
+                        </a:solidFill>
+                        <a:latin typeface="Cambria Math" panose="02040503050406030204" pitchFamily="18" charset="0"/>
+                      </a:rPr>
+                      <m:t>j</m:t>
+                    </m:r>
+                  </m:sub>
+                  <m:sup>
+                    <m:r>
+                      <a:rPr xmlns:a="http://schemas.openxmlformats.org/drawingml/2006/main" sz="1450" i="1">
+                        <a:solidFill>
+                          <a:srgbClr val="000000"/>
+                        </a:solidFill>
+                        <a:latin typeface="Cambria Math" panose="02040503050406030204" pitchFamily="18" charset="0"/>
+                      </a:rPr>
+                      <m:t>(</m:t>
+                    </m:r>
+                    <m:r>
+                      <a:rPr xmlns:a="http://schemas.openxmlformats.org/drawingml/2006/main" sz="1450" i="1">
+                        <a:solidFill>
+                          <a:srgbClr val="000000"/>
+                        </a:solidFill>
+                        <a:latin typeface="Cambria Math" panose="02040503050406030204" pitchFamily="18" charset="0"/>
+                      </a:rPr>
+                      <m:t>l</m:t>
+                    </m:r>
+                    <m:r>
+                      <a:rPr xmlns:a="http://schemas.openxmlformats.org/drawingml/2006/main" sz="1450" i="1">
+                        <a:solidFill>
+                          <a:srgbClr val="000000"/>
+                        </a:solidFill>
+                        <a:latin typeface="Cambria Math" panose="02040503050406030204" pitchFamily="18" charset="0"/>
+                      </a:rPr>
+                      <m:t>)</m:t>
+                    </m:r>
+                  </m:sup>
+                </m:sSubSup>
+              </m:oMath>
+            </a14:m>
+            <a:r>
+              <a:t>: Aktivierung Neuron j der Layer </a:t>
+            </a:r>
+            <a14:m>
+              <m:oMath>
+                <m:r>
+                  <a:rPr xmlns:a="http://schemas.openxmlformats.org/drawingml/2006/main" sz="1650" i="1">
+                    <a:solidFill>
+                      <a:srgbClr val="000000"/>
+                    </a:solidFill>
+                    <a:latin typeface="Cambria Math" panose="02040503050406030204" pitchFamily="18" charset="0"/>
+                  </a:rPr>
+                  <m:t>l</m:t>
+                </m:r>
+              </m:oMath>
+            </a14:m>
+            <a:r>
+              <a:t>  </a:t>
+            </a:r>
+          </a:p>
+          <a:p>
+            <a:pPr>
+              <a:spcBef>
+                <a:spcPts val="400"/>
+              </a:spcBef>
+              <a:defRPr sz="1200">
+                <a:latin typeface="Arial"/>
+                <a:ea typeface="Arial"/>
+                <a:cs typeface="Arial"/>
+                <a:sym typeface="Arial"/>
+              </a:defRPr>
+            </a:pPr>
+            <a:r>
+              <a:t> </a:t>
+            </a:r>
+            <a14:m>
+              <m:oMath>
+                <m:sSubSup>
+                  <m:e>
+                    <m:r>
+                      <a:rPr xmlns:a="http://schemas.openxmlformats.org/drawingml/2006/main" sz="1400" i="1">
+                        <a:solidFill>
+                          <a:srgbClr val="000000"/>
+                        </a:solidFill>
+                        <a:latin typeface="Cambria Math" panose="02040503050406030204" pitchFamily="18" charset="0"/>
+                      </a:rPr>
+                      <m:t>z</m:t>
+                    </m:r>
+                  </m:e>
+                  <m:sub>
+                    <m:r>
+                      <a:rPr xmlns:a="http://schemas.openxmlformats.org/drawingml/2006/main" sz="1400" i="1">
+                        <a:solidFill>
+                          <a:srgbClr val="000000"/>
+                        </a:solidFill>
+                        <a:latin typeface="Cambria Math" panose="02040503050406030204" pitchFamily="18" charset="0"/>
+                      </a:rPr>
+                      <m:t>j</m:t>
+                    </m:r>
+                  </m:sub>
+                  <m:sup>
+                    <m:r>
+                      <a:rPr xmlns:a="http://schemas.openxmlformats.org/drawingml/2006/main" sz="1400" i="1">
+                        <a:solidFill>
+                          <a:srgbClr val="000000"/>
+                        </a:solidFill>
+                        <a:latin typeface="Cambria Math" panose="02040503050406030204" pitchFamily="18" charset="0"/>
+                      </a:rPr>
+                      <m:t>(</m:t>
+                    </m:r>
+                    <m:r>
+                      <a:rPr xmlns:a="http://schemas.openxmlformats.org/drawingml/2006/main" sz="1400" i="1">
+                        <a:solidFill>
+                          <a:srgbClr val="000000"/>
+                        </a:solidFill>
+                        <a:latin typeface="Cambria Math" panose="02040503050406030204" pitchFamily="18" charset="0"/>
+                      </a:rPr>
+                      <m:t>l</m:t>
+                    </m:r>
+                    <m:r>
+                      <a:rPr xmlns:a="http://schemas.openxmlformats.org/drawingml/2006/main" sz="1400" i="1">
+                        <a:solidFill>
+                          <a:srgbClr val="000000"/>
+                        </a:solidFill>
+                        <a:latin typeface="Cambria Math" panose="02040503050406030204" pitchFamily="18" charset="0"/>
+                      </a:rPr>
+                      <m:t>)</m:t>
+                    </m:r>
+                  </m:sup>
+                </m:sSubSup>
+                <m:r>
+                  <a:rPr xmlns:a="http://schemas.openxmlformats.org/drawingml/2006/main" sz="1400" i="1">
+                    <a:solidFill>
+                      <a:srgbClr val="000000"/>
+                    </a:solidFill>
+                    <a:latin typeface="Cambria Math" panose="02040503050406030204" pitchFamily="18" charset="0"/>
+                  </a:rPr>
+                  <m:t>=</m:t>
+                </m:r>
+                <m:limLow>
+                  <m:e>
+                    <m:r>
+                      <a:rPr xmlns:a="http://schemas.openxmlformats.org/drawingml/2006/main" sz="1400" i="1">
+                        <a:solidFill>
+                          <a:srgbClr val="000000"/>
+                        </a:solidFill>
+                        <a:latin typeface="Cambria Math" panose="02040503050406030204" pitchFamily="18" charset="0"/>
+                      </a:rPr>
+                      <m:t>∑</m:t>
+                    </m:r>
+                  </m:e>
+                  <m:lim>
+                    <m:r>
+                      <a:rPr xmlns:a="http://schemas.openxmlformats.org/drawingml/2006/main" sz="1400" i="1">
+                        <a:solidFill>
+                          <a:srgbClr val="000000"/>
+                        </a:solidFill>
+                        <a:latin typeface="Cambria Math" panose="02040503050406030204" pitchFamily="18" charset="0"/>
+                      </a:rPr>
+                      <m:t>k</m:t>
+                    </m:r>
+                  </m:lim>
+                </m:limLow>
+                <m:sSubSup>
+                  <m:e>
+                    <m:r>
+                      <a:rPr xmlns:a="http://schemas.openxmlformats.org/drawingml/2006/main" sz="1400" i="1">
+                        <a:solidFill>
+                          <a:srgbClr val="000000"/>
+                        </a:solidFill>
+                        <a:latin typeface="Cambria Math" panose="02040503050406030204" pitchFamily="18" charset="0"/>
+                      </a:rPr>
+                      <m:t>w</m:t>
+                    </m:r>
+                  </m:e>
+                  <m:sub>
+                    <m:r>
+                      <a:rPr xmlns:a="http://schemas.openxmlformats.org/drawingml/2006/main" sz="1400" i="1">
+                        <a:solidFill>
+                          <a:srgbClr val="000000"/>
+                        </a:solidFill>
+                        <a:latin typeface="Cambria Math" panose="02040503050406030204" pitchFamily="18" charset="0"/>
+                      </a:rPr>
+                      <m:t>j</m:t>
+                    </m:r>
+                    <m:r>
+                      <a:rPr xmlns:a="http://schemas.openxmlformats.org/drawingml/2006/main" sz="1400" i="1">
+                        <a:solidFill>
+                          <a:srgbClr val="000000"/>
+                        </a:solidFill>
+                        <a:latin typeface="Cambria Math" panose="02040503050406030204" pitchFamily="18" charset="0"/>
+                      </a:rPr>
+                      <m:t>k</m:t>
+                    </m:r>
+                  </m:sub>
+                  <m:sup>
+                    <m:r>
+                      <a:rPr xmlns:a="http://schemas.openxmlformats.org/drawingml/2006/main" sz="1400" i="1">
+                        <a:solidFill>
+                          <a:srgbClr val="000000"/>
+                        </a:solidFill>
+                        <a:latin typeface="Cambria Math" panose="02040503050406030204" pitchFamily="18" charset="0"/>
+                      </a:rPr>
+                      <m:t>(</m:t>
+                    </m:r>
+                    <m:r>
+                      <a:rPr xmlns:a="http://schemas.openxmlformats.org/drawingml/2006/main" sz="1400" i="1">
+                        <a:solidFill>
+                          <a:srgbClr val="000000"/>
+                        </a:solidFill>
+                        <a:latin typeface="Cambria Math" panose="02040503050406030204" pitchFamily="18" charset="0"/>
+                      </a:rPr>
+                      <m:t>l</m:t>
+                    </m:r>
+                    <m:r>
+                      <a:rPr xmlns:a="http://schemas.openxmlformats.org/drawingml/2006/main" sz="1400" i="1">
+                        <a:solidFill>
+                          <a:srgbClr val="000000"/>
+                        </a:solidFill>
+                        <a:latin typeface="Cambria Math" panose="02040503050406030204" pitchFamily="18" charset="0"/>
+                      </a:rPr>
+                      <m:t>)</m:t>
+                    </m:r>
+                  </m:sup>
+                </m:sSubSup>
+                <m:sSubSup>
+                  <m:e>
+                    <m:r>
+                      <a:rPr xmlns:a="http://schemas.openxmlformats.org/drawingml/2006/main" sz="1400" i="1">
+                        <a:solidFill>
+                          <a:srgbClr val="000000"/>
+                        </a:solidFill>
+                        <a:latin typeface="Cambria Math" panose="02040503050406030204" pitchFamily="18" charset="0"/>
+                      </a:rPr>
+                      <m:t>a</m:t>
+                    </m:r>
+                  </m:e>
+                  <m:sub>
+                    <m:r>
+                      <a:rPr xmlns:a="http://schemas.openxmlformats.org/drawingml/2006/main" sz="1400" i="1">
+                        <a:solidFill>
+                          <a:srgbClr val="000000"/>
+                        </a:solidFill>
+                        <a:latin typeface="Cambria Math" panose="02040503050406030204" pitchFamily="18" charset="0"/>
+                      </a:rPr>
+                      <m:t>k</m:t>
+                    </m:r>
+                  </m:sub>
+                  <m:sup>
+                    <m:r>
+                      <a:rPr xmlns:a="http://schemas.openxmlformats.org/drawingml/2006/main" sz="1400" i="1">
+                        <a:solidFill>
+                          <a:srgbClr val="000000"/>
+                        </a:solidFill>
+                        <a:latin typeface="Cambria Math" panose="02040503050406030204" pitchFamily="18" charset="0"/>
+                      </a:rPr>
+                      <m:t>(</m:t>
+                    </m:r>
+                    <m:r>
+                      <a:rPr xmlns:a="http://schemas.openxmlformats.org/drawingml/2006/main" sz="1400" i="1">
+                        <a:solidFill>
+                          <a:srgbClr val="000000"/>
+                        </a:solidFill>
+                        <a:latin typeface="Cambria Math" panose="02040503050406030204" pitchFamily="18" charset="0"/>
+                      </a:rPr>
+                      <m:t>l</m:t>
+                    </m:r>
+                    <m:r>
+                      <a:rPr xmlns:a="http://schemas.openxmlformats.org/drawingml/2006/main" sz="1400" i="1">
+                        <a:solidFill>
+                          <a:srgbClr val="000000"/>
+                        </a:solidFill>
+                        <a:latin typeface="Cambria Math" panose="02040503050406030204" pitchFamily="18" charset="0"/>
+                      </a:rPr>
+                      <m:t>-</m:t>
+                    </m:r>
+                    <m:r>
+                      <a:rPr xmlns:a="http://schemas.openxmlformats.org/drawingml/2006/main" sz="1400" i="1">
+                        <a:solidFill>
+                          <a:srgbClr val="000000"/>
+                        </a:solidFill>
+                        <a:latin typeface="Cambria Math" panose="02040503050406030204" pitchFamily="18" charset="0"/>
+                      </a:rPr>
+                      <m:t>1</m:t>
+                    </m:r>
+                    <m:r>
+                      <a:rPr xmlns:a="http://schemas.openxmlformats.org/drawingml/2006/main" sz="1400" i="1">
+                        <a:solidFill>
+                          <a:srgbClr val="000000"/>
+                        </a:solidFill>
+                        <a:latin typeface="Cambria Math" panose="02040503050406030204" pitchFamily="18" charset="0"/>
+                      </a:rPr>
+                      <m:t>)</m:t>
+                    </m:r>
+                  </m:sup>
+                </m:sSubSup>
+                <m:r>
+                  <a:rPr xmlns:a="http://schemas.openxmlformats.org/drawingml/2006/main" sz="1400" i="1">
+                    <a:solidFill>
+                      <a:srgbClr val="000000"/>
+                    </a:solidFill>
+                    <a:latin typeface="Cambria Math" panose="02040503050406030204" pitchFamily="18" charset="0"/>
+                  </a:rPr>
+                  <m:t>+</m:t>
+                </m:r>
+                <m:sSubSup>
+                  <m:e>
+                    <m:r>
+                      <a:rPr xmlns:a="http://schemas.openxmlformats.org/drawingml/2006/main" sz="1400" i="1">
+                        <a:solidFill>
+                          <a:srgbClr val="000000"/>
+                        </a:solidFill>
+                        <a:latin typeface="Cambria Math" panose="02040503050406030204" pitchFamily="18" charset="0"/>
+                      </a:rPr>
+                      <m:t>b</m:t>
+                    </m:r>
+                  </m:e>
+                  <m:sub>
+                    <m:r>
+                      <a:rPr xmlns:a="http://schemas.openxmlformats.org/drawingml/2006/main" sz="1400" i="1">
+                        <a:solidFill>
+                          <a:srgbClr val="000000"/>
+                        </a:solidFill>
+                        <a:latin typeface="Cambria Math" panose="02040503050406030204" pitchFamily="18" charset="0"/>
+                      </a:rPr>
+                      <m:t>j</m:t>
+                    </m:r>
+                  </m:sub>
+                  <m:sup>
+                    <m:r>
+                      <a:rPr xmlns:a="http://schemas.openxmlformats.org/drawingml/2006/main" sz="1400" i="1">
+                        <a:solidFill>
+                          <a:srgbClr val="000000"/>
+                        </a:solidFill>
+                        <a:latin typeface="Cambria Math" panose="02040503050406030204" pitchFamily="18" charset="0"/>
+                      </a:rPr>
+                      <m:t>(</m:t>
+                    </m:r>
+                    <m:r>
+                      <a:rPr xmlns:a="http://schemas.openxmlformats.org/drawingml/2006/main" sz="1400" i="1">
+                        <a:solidFill>
+                          <a:srgbClr val="000000"/>
+                        </a:solidFill>
+                        <a:latin typeface="Cambria Math" panose="02040503050406030204" pitchFamily="18" charset="0"/>
+                      </a:rPr>
+                      <m:t>l</m:t>
+                    </m:r>
+                    <m:r>
+                      <a:rPr xmlns:a="http://schemas.openxmlformats.org/drawingml/2006/main" sz="1400" i="1">
+                        <a:solidFill>
+                          <a:srgbClr val="000000"/>
+                        </a:solidFill>
+                        <a:latin typeface="Cambria Math" panose="02040503050406030204" pitchFamily="18" charset="0"/>
+                      </a:rPr>
+                      <m:t>)</m:t>
+                    </m:r>
+                  </m:sup>
+                </m:sSubSup>
+              </m:oMath>
+            </a14:m>
+          </a:p>
+          <a:p>
+            <a:pPr>
+              <a:spcBef>
+                <a:spcPts val="400"/>
+              </a:spcBef>
+              <a:defRPr sz="1200">
+                <a:latin typeface="Arial"/>
+                <a:ea typeface="Arial"/>
+                <a:cs typeface="Arial"/>
+                <a:sym typeface="Arial"/>
+              </a:defRPr>
+            </a:pPr>
+            <a14:m>
+              <m:oMath>
+                <m:sSubSup>
+                  <m:e>
+                    <m:r>
+                      <m:rPr>
+                        <m:sty m:val="p"/>
+                      </m:rPr>
+                      <a:rPr xmlns:a="http://schemas.openxmlformats.org/drawingml/2006/main" sz="1500" i="1">
+                        <a:solidFill>
+                          <a:srgbClr val="000000"/>
+                        </a:solidFill>
+                        <a:latin typeface="Cambria Math" panose="02040503050406030204" pitchFamily="18" charset="0"/>
+                      </a:rPr>
+                      <m:t>Δ</m:t>
+                    </m:r>
+                  </m:e>
+                  <m:sub>
+                    <m:r>
+                      <a:rPr xmlns:a="http://schemas.openxmlformats.org/drawingml/2006/main" sz="1500" i="1">
+                        <a:solidFill>
+                          <a:srgbClr val="000000"/>
+                        </a:solidFill>
+                        <a:latin typeface="Cambria Math" panose="02040503050406030204" pitchFamily="18" charset="0"/>
+                      </a:rPr>
+                      <m:t>j</m:t>
+                    </m:r>
+                  </m:sub>
+                  <m:sup>
+                    <m:r>
+                      <a:rPr xmlns:a="http://schemas.openxmlformats.org/drawingml/2006/main" sz="1500" i="1">
+                        <a:solidFill>
+                          <a:srgbClr val="000000"/>
+                        </a:solidFill>
+                        <a:latin typeface="Cambria Math" panose="02040503050406030204" pitchFamily="18" charset="0"/>
+                      </a:rPr>
+                      <m:t>(</m:t>
+                    </m:r>
+                    <m:r>
+                      <a:rPr xmlns:a="http://schemas.openxmlformats.org/drawingml/2006/main" sz="1500" i="1">
+                        <a:solidFill>
+                          <a:srgbClr val="000000"/>
+                        </a:solidFill>
+                        <a:latin typeface="Cambria Math" panose="02040503050406030204" pitchFamily="18" charset="0"/>
+                      </a:rPr>
+                      <m:t>l</m:t>
+                    </m:r>
+                    <m:r>
+                      <a:rPr xmlns:a="http://schemas.openxmlformats.org/drawingml/2006/main" sz="1500" i="1">
+                        <a:solidFill>
+                          <a:srgbClr val="000000"/>
+                        </a:solidFill>
+                        <a:latin typeface="Cambria Math" panose="02040503050406030204" pitchFamily="18" charset="0"/>
+                      </a:rPr>
+                      <m:t>)</m:t>
+                    </m:r>
+                  </m:sup>
+                </m:sSubSup>
+              </m:oMath>
+            </a14:m>
+            <a:r>
+              <a:t> Fehler des Neurons </a:t>
+            </a:r>
+            <a14:m>
+              <m:oMath>
+                <m:r>
+                  <a:rPr xmlns:a="http://schemas.openxmlformats.org/drawingml/2006/main" sz="1000" i="1">
+                    <a:solidFill>
+                      <a:srgbClr val="000000"/>
+                    </a:solidFill>
+                    <a:latin typeface="Cambria Math" panose="02040503050406030204" pitchFamily="18" charset="0"/>
+                  </a:rPr>
+                  <m:t>j</m:t>
+                </m:r>
+              </m:oMath>
+            </a14:m>
+            <a:r>
+              <a:t> der Layer </a:t>
+            </a:r>
+            <a14:m>
+              <m:oMath>
+                <m:r>
+                  <a:rPr xmlns:a="http://schemas.openxmlformats.org/drawingml/2006/main" sz="1650" i="1">
+                    <a:solidFill>
+                      <a:srgbClr val="000000"/>
+                    </a:solidFill>
+                    <a:latin typeface="Cambria Math" panose="02040503050406030204" pitchFamily="18" charset="0"/>
+                  </a:rPr>
+                  <m:t>l</m:t>
+                </m:r>
+              </m:oMath>
+            </a14:m>
+            <a:r>
+              <a:t>             </a:t>
+            </a:r>
+            <a14:m>
+              <m:oMath>
+                <m:limUpp>
+                  <m:e>
+                    <m:r>
+                      <a:rPr xmlns:a="http://schemas.openxmlformats.org/drawingml/2006/main" sz="1450" i="1">
+                        <a:solidFill>
+                          <a:srgbClr val="000000"/>
+                        </a:solidFill>
+                        <a:latin typeface="Cambria Math" panose="02040503050406030204" pitchFamily="18" charset="0"/>
+                      </a:rPr>
+                      <m:t>=</m:t>
+                    </m:r>
+                  </m:e>
+                  <m:lim>
+                    <m:r>
+                      <a:rPr xmlns:a="http://schemas.openxmlformats.org/drawingml/2006/main" sz="1450" i="1">
+                        <a:solidFill>
+                          <a:srgbClr val="000000"/>
+                        </a:solidFill>
+                        <a:latin typeface="Cambria Math" panose="02040503050406030204" pitchFamily="18" charset="0"/>
+                      </a:rPr>
+                      <m:t>̂</m:t>
+                    </m:r>
+                  </m:lim>
+                </m:limUpp>
+              </m:oMath>
+            </a14:m>
+            <a:r>
+              <a:t> Änderung der Kostenfunktion </a:t>
+            </a:r>
+            <a14:m>
+              <m:oMath>
+                <m:r>
+                  <a:rPr xmlns:a="http://schemas.openxmlformats.org/drawingml/2006/main" sz="1550" i="1">
+                    <a:solidFill>
+                      <a:srgbClr val="000000"/>
+                    </a:solidFill>
+                    <a:latin typeface="Cambria Math" panose="02040503050406030204" pitchFamily="18" charset="0"/>
+                  </a:rPr>
+                  <m:t>C</m:t>
+                </m:r>
+              </m:oMath>
+            </a14:m>
+            <a:r>
+              <a:t> bzgl. </a:t>
+            </a:r>
+            <a14:m>
+              <m:oMath>
+                <m:sSubSup>
+                  <m:e>
+                    <m:r>
+                      <a:rPr xmlns:a="http://schemas.openxmlformats.org/drawingml/2006/main" sz="1450" i="1">
+                        <a:solidFill>
+                          <a:srgbClr val="000000"/>
+                        </a:solidFill>
+                        <a:latin typeface="Cambria Math" panose="02040503050406030204" pitchFamily="18" charset="0"/>
+                      </a:rPr>
+                      <m:t>z</m:t>
+                    </m:r>
+                  </m:e>
+                  <m:sub>
+                    <m:r>
+                      <a:rPr xmlns:a="http://schemas.openxmlformats.org/drawingml/2006/main" sz="1450" i="1">
+                        <a:solidFill>
+                          <a:srgbClr val="000000"/>
+                        </a:solidFill>
+                        <a:latin typeface="Cambria Math" panose="02040503050406030204" pitchFamily="18" charset="0"/>
+                      </a:rPr>
+                      <m:t>j</m:t>
+                    </m:r>
+                  </m:sub>
+                  <m:sup>
+                    <m:r>
+                      <a:rPr xmlns:a="http://schemas.openxmlformats.org/drawingml/2006/main" sz="1450" i="1">
+                        <a:solidFill>
+                          <a:srgbClr val="000000"/>
+                        </a:solidFill>
+                        <a:latin typeface="Cambria Math" panose="02040503050406030204" pitchFamily="18" charset="0"/>
+                      </a:rPr>
+                      <m:t>(</m:t>
+                    </m:r>
+                    <m:r>
+                      <a:rPr xmlns:a="http://schemas.openxmlformats.org/drawingml/2006/main" sz="1450" i="1">
+                        <a:solidFill>
+                          <a:srgbClr val="000000"/>
+                        </a:solidFill>
+                        <a:latin typeface="Cambria Math" panose="02040503050406030204" pitchFamily="18" charset="0"/>
+                      </a:rPr>
+                      <m:t>l</m:t>
+                    </m:r>
+                    <m:r>
+                      <a:rPr xmlns:a="http://schemas.openxmlformats.org/drawingml/2006/main" sz="1450" i="1">
+                        <a:solidFill>
+                          <a:srgbClr val="000000"/>
+                        </a:solidFill>
+                        <a:latin typeface="Cambria Math" panose="02040503050406030204" pitchFamily="18" charset="0"/>
+                      </a:rPr>
+                      <m:t>)</m:t>
+                    </m:r>
+                  </m:sup>
+                </m:sSubSup>
+              </m:oMath>
+            </a14:m>
+          </a:p>
+          <a:p>
+            <a:pPr>
+              <a:spcBef>
+                <a:spcPts val="400"/>
+              </a:spcBef>
+              <a:defRPr sz="1200">
+                <a:latin typeface="Arial"/>
+                <a:ea typeface="Arial"/>
+                <a:cs typeface="Arial"/>
+                <a:sym typeface="Arial"/>
+              </a:defRPr>
+            </a:pPr>
+            <a14:m>
+              <m:oMath>
+                <m:r>
+                  <a:rPr xmlns:a="http://schemas.openxmlformats.org/drawingml/2006/main" sz="1350" i="1">
+                    <a:solidFill>
+                      <a:srgbClr val="000000"/>
+                    </a:solidFill>
+                    <a:latin typeface="Cambria Math" panose="02040503050406030204" pitchFamily="18" charset="0"/>
+                  </a:rPr>
+                  <m:t>f</m:t>
+                </m:r>
+                <m:d>
+                  <m:dPr>
+                    <m:ctrlPr>
+                      <a:rPr xmlns:a="http://schemas.openxmlformats.org/drawingml/2006/main" sz="1350" i="1">
+                        <a:solidFill>
+                          <a:srgbClr val="000000"/>
+                        </a:solidFill>
+                        <a:latin typeface="Cambria Math" panose="02040503050406030204" pitchFamily="18" charset="0"/>
+                      </a:rPr>
+                    </m:ctrlPr>
+                  </m:dPr>
+                  <m:e>
+                    <m:r>
+                      <a:rPr xmlns:a="http://schemas.openxmlformats.org/drawingml/2006/main" sz="1350" i="1">
+                        <a:solidFill>
+                          <a:srgbClr val="000000"/>
+                        </a:solidFill>
+                        <a:latin typeface="Cambria Math" panose="02040503050406030204" pitchFamily="18" charset="0"/>
+                      </a:rPr>
+                      <m:t>⋅</m:t>
+                    </m:r>
+                  </m:e>
+                </m:d>
+              </m:oMath>
+            </a14:m>
+            <a:r>
+              <a:t> nichtlineare Aktivierungsfunktion</a:t>
+            </a:r>
+          </a:p>
+          <a:p>
+            <a:pPr>
+              <a:spcBef>
+                <a:spcPts val="400"/>
+              </a:spcBef>
+              <a:defRPr sz="1200">
+                <a:latin typeface="Arial"/>
+                <a:ea typeface="Arial"/>
+                <a:cs typeface="Arial"/>
+                <a:sym typeface="Arial"/>
+              </a:defRPr>
+            </a:pPr>
+            <a14:m>
+              <m:oMath>
+                <m:r>
+                  <a:rPr xmlns:a="http://schemas.openxmlformats.org/drawingml/2006/main" sz="1450" i="1">
+                    <a:solidFill>
+                      <a:srgbClr val="000000"/>
+                    </a:solidFill>
+                    <a:latin typeface="Cambria Math" panose="02040503050406030204" pitchFamily="18" charset="0"/>
+                  </a:rPr>
+                  <m:t>σ</m:t>
+                </m:r>
+                <m:r>
+                  <a:rPr xmlns:a="http://schemas.openxmlformats.org/drawingml/2006/main" sz="1450" i="1">
+                    <a:solidFill>
+                      <a:srgbClr val="000000"/>
+                    </a:solidFill>
+                    <a:latin typeface="Cambria Math" panose="02040503050406030204" pitchFamily="18" charset="0"/>
+                  </a:rPr>
+                  <m:t>(</m:t>
+                </m:r>
+                <m:r>
+                  <a:rPr xmlns:a="http://schemas.openxmlformats.org/drawingml/2006/main" sz="1450" i="1">
+                    <a:solidFill>
+                      <a:srgbClr val="000000"/>
+                    </a:solidFill>
+                    <a:latin typeface="Cambria Math" panose="02040503050406030204" pitchFamily="18" charset="0"/>
+                  </a:rPr>
+                  <m:t>⋅</m:t>
+                </m:r>
+                <m:r>
+                  <a:rPr xmlns:a="http://schemas.openxmlformats.org/drawingml/2006/main" sz="1450" i="1">
+                    <a:solidFill>
+                      <a:srgbClr val="000000"/>
+                    </a:solidFill>
+                    <a:latin typeface="Cambria Math" panose="02040503050406030204" pitchFamily="18" charset="0"/>
+                  </a:rPr>
+                  <m:t>)</m:t>
+                </m:r>
+              </m:oMath>
+            </a14:m>
+            <a:r>
+              <a:t> (softmax) Aktivierungsfunktion der Neuronen der Output-Layer</a:t>
+            </a:r>
+          </a:p>
+        </p:txBody>
+      </p:sp>
+      <p:pic>
+        <p:nvPicPr>
+          <p:cNvPr id="187" name="BackpropagationAlgorithmus4.png" descr="BackpropagationAlgorithmus4.png"/>
+          <p:cNvPicPr>
+            <a:picLocks noChangeAspect="1"/>
+          </p:cNvPicPr>
+          <p:nvPr/>
+        </p:nvPicPr>
+        <p:blipFill>
+          <a:blip r:embed="rId2">
+            <a:extLst/>
+          </a:blip>
+          <a:srcRect l="0" t="2608" r="0" b="2608"/>
+          <a:stretch>
+            <a:fillRect/>
+          </a:stretch>
+        </p:blipFill>
+        <p:spPr>
+          <a:xfrm>
+            <a:off x="311150" y="5018492"/>
+            <a:ext cx="8521700" cy="1384301"/>
+          </a:xfrm>
+          <a:prstGeom prst="rect">
+            <a:avLst/>
+          </a:prstGeom>
+          <a:ln w="12700">
+            <a:miter lim="400000"/>
+          </a:ln>
+        </p:spPr>
+      </p:pic>
+    </p:spTree>
+  </p:cSld>
+  <p:clrMapOvr>
+    <a:masterClrMapping/>
+  </p:clrMapOvr>
+  <p:transition xmlns:p14="http://schemas.microsoft.com/office/powerpoint/2010/main" spd="med" advClick="1"/>
+</p:sld>
+</file>
+
+<file path=ppt/slides/slide7.xml><?xml version="1.0" encoding="utf-8"?>
+<p:sld xmlns:a="http://schemas.openxmlformats.org/drawingml/2006/main" xmlns:r="http://schemas.openxmlformats.org/officeDocument/2006/relationships" xmlns:p="http://schemas.openxmlformats.org/presentationml/2006/main" xmlns:m="http://schemas.openxmlformats.org/officeDocument/2006/math" xmlns:a14="http://schemas.microsoft.com/office/drawing/2010/main" showMasterSp="1" showMasterPhAnim="1">
+  <p:cSld>
+    <p:spTree>
+      <p:nvGrpSpPr>
+        <p:cNvPr id="1" name=""/>
+        <p:cNvGrpSpPr/>
+        <p:nvPr/>
+      </p:nvGrpSpPr>
+      <p:grpSpPr>
+        <a:xfrm>
+          <a:off x="0" y="0"/>
+          <a:ext cx="0" cy="0"/>
+          <a:chOff x="0" y="0"/>
+          <a:chExt cx="0" cy="0"/>
+        </a:xfrm>
+      </p:grpSpPr>
+      <p:sp>
+        <p:nvSpPr>
+          <p:cNvPr id="189" name="Zum Bearbeiten doppelklicken"/>
+          <p:cNvSpPr txBox="1"/>
+          <p:nvPr>
+            <p:ph type="title"/>
+          </p:nvPr>
+        </p:nvSpPr>
+        <p:spPr>
+          <a:prstGeom prst="rect">
+            <a:avLst/>
+          </a:prstGeom>
+        </p:spPr>
+        <p:txBody>
+          <a:bodyPr/>
+          <a:lstStyle/>
+          <a:p>
+            <a:pPr/>
+          </a:p>
+        </p:txBody>
+      </p:sp>
+      <p:sp>
+        <p:nvSpPr>
+          <p:cNvPr id="190" name="Textmasterformate durch Klicken bearbeiten"/>
           <p:cNvSpPr txBox="1"/>
           <p:nvPr>
             <p:ph type="body" idx="1"/>
@@ -4487,33 +11910,6 @@
           <a:lstStyle/>
           <a:p>
             <a:pPr/>
-          </a:p>
-        </p:txBody>
-      </p:sp>
-      <p:sp>
-        <p:nvSpPr>
-          <p:cNvPr id="165" name="Foliennummer"/>
-          <p:cNvSpPr txBox="1"/>
-          <p:nvPr>
-            <p:ph type="sldNum" sz="quarter" idx="2"/>
-          </p:nvPr>
-        </p:nvSpPr>
-        <p:spPr>
-          <a:prstGeom prst="rect">
-            <a:avLst/>
-          </a:prstGeom>
-          <a:extLst>
-            <a:ext uri="{C572A759-6A51-4108-AA02-DFA0A04FC94B}">
-              <ma14:wrappingTextBoxFlag xmlns:ma14="http://schemas.microsoft.com/office/mac/drawingml/2011/main" val="1"/>
-            </a:ext>
-          </a:extLst>
-        </p:spPr>
-        <p:txBody>
-          <a:bodyPr/>
-          <a:lstStyle/>
-          <a:p>
-            <a:pPr/>
-            <a:fld id="{86CB4B4D-7CA3-9044-876B-883B54F8677D}" type="slidenum"/>
           </a:p>
         </p:txBody>
       </p:sp>
@@ -4658,13 +12054,7 @@
           <a:effectLst/>
         </a:effectStyle>
         <a:effectStyle>
-          <a:effectLst>
-            <a:outerShdw sx="100000" sy="100000" kx="0" ky="0" algn="b" rotWithShape="0" blurRad="38100" dist="20000" dir="5400000">
-              <a:srgbClr val="000000">
-                <a:alpha val="38000"/>
-              </a:srgbClr>
-            </a:outerShdw>
-          </a:effectLst>
+          <a:effectLst/>
         </a:effectStyle>
       </a:effectStyleLst>
       <a:bgFillStyleLst>
@@ -4735,7 +12125,7 @@
         <a:effectLst/>
         <a:sp3d/>
       </a:spPr>
-      <a:bodyPr rot="0" spcFirstLastPara="1" vertOverflow="overflow" horzOverflow="overflow" vert="horz" wrap="square" lIns="45719" tIns="45719" rIns="45719" bIns="45719" numCol="1" spcCol="38100" rtlCol="0" anchor="ctr" upright="0">
+      <a:bodyPr rot="0" spcFirstLastPara="1" vertOverflow="overflow" horzOverflow="overflow" vert="horz" wrap="square" lIns="45718" tIns="45718" rIns="45718" bIns="45718" numCol="1" spcCol="38100" rtlCol="0" anchor="ctr" upright="0">
         <a:spAutoFit/>
       </a:bodyPr>
       <a:lstStyle>
@@ -4763,10 +12153,10 @@
             </a:solidFill>
             <a:effectLst/>
             <a:uFillTx/>
-            <a:latin typeface="Arial"/>
-            <a:ea typeface="Arial"/>
-            <a:cs typeface="Arial"/>
-            <a:sym typeface="Arial"/>
+            <a:latin typeface="+mn-lt"/>
+            <a:ea typeface="+mn-ea"/>
+            <a:cs typeface="+mn-cs"/>
+            <a:sym typeface="Calibri"/>
           </a:defRPr>
         </a:defPPr>
         <a:lvl1pPr marL="0" marR="0" indent="0" algn="l" defTabSz="914400" rtl="0" fontAlgn="auto" latinLnBrk="1" hangingPunct="0">
@@ -5021,13 +12411,7 @@
           <a:prstDash val="solid"/>
           <a:round/>
         </a:ln>
-        <a:effectLst>
-          <a:outerShdw sx="100000" sy="100000" kx="0" ky="0" algn="b" rotWithShape="0" blurRad="38100" dist="20000" dir="5400000">
-            <a:srgbClr val="000000">
-              <a:alpha val="38000"/>
-            </a:srgbClr>
-          </a:outerShdw>
-        </a:effectLst>
+        <a:effectLst/>
         <a:sp3d/>
       </a:spPr>
       <a:bodyPr rot="0" spcFirstLastPara="1" vertOverflow="overflow" horzOverflow="overflow" vert="horz" wrap="square" lIns="91439" tIns="45719" rIns="91439" bIns="45719" numCol="1" spcCol="38100" rtlCol="0" anchor="t" upright="0">
@@ -5312,7 +12696,7 @@
         <a:effectLst/>
         <a:sp3d/>
       </a:spPr>
-      <a:bodyPr rot="0" spcFirstLastPara="1" vertOverflow="overflow" horzOverflow="overflow" vert="horz" wrap="square" lIns="45719" tIns="45719" rIns="45719" bIns="45719" numCol="1" spcCol="38100" rtlCol="0" anchor="t" upright="0">
+      <a:bodyPr rot="0" spcFirstLastPara="1" vertOverflow="overflow" horzOverflow="overflow" vert="horz" wrap="square" lIns="45718" tIns="45718" rIns="45718" bIns="45718" numCol="1" spcCol="38100" rtlCol="0" anchor="t" upright="0">
         <a:spAutoFit/>
       </a:bodyPr>
       <a:lstStyle>
@@ -5340,10 +12724,10 @@
             </a:solidFill>
             <a:effectLst/>
             <a:uFillTx/>
-            <a:latin typeface="Arial"/>
-            <a:ea typeface="Arial"/>
-            <a:cs typeface="Arial"/>
-            <a:sym typeface="Arial"/>
+            <a:latin typeface="+mn-lt"/>
+            <a:ea typeface="+mn-ea"/>
+            <a:cs typeface="+mn-cs"/>
+            <a:sym typeface="Calibri"/>
           </a:defRPr>
         </a:defPPr>
         <a:lvl1pPr marL="0" marR="0" indent="0" algn="l" defTabSz="914400" rtl="0" fontAlgn="auto" latinLnBrk="1" hangingPunct="0">
@@ -5724,13 +13108,7 @@
           <a:effectLst/>
         </a:effectStyle>
         <a:effectStyle>
-          <a:effectLst>
-            <a:outerShdw sx="100000" sy="100000" kx="0" ky="0" algn="b" rotWithShape="0" blurRad="38100" dist="20000" dir="5400000">
-              <a:srgbClr val="000000">
-                <a:alpha val="38000"/>
-              </a:srgbClr>
-            </a:outerShdw>
-          </a:effectLst>
+          <a:effectLst/>
         </a:effectStyle>
       </a:effectStyleLst>
       <a:bgFillStyleLst>
@@ -5801,7 +13179,7 @@
         <a:effectLst/>
         <a:sp3d/>
       </a:spPr>
-      <a:bodyPr rot="0" spcFirstLastPara="1" vertOverflow="overflow" horzOverflow="overflow" vert="horz" wrap="square" lIns="45719" tIns="45719" rIns="45719" bIns="45719" numCol="1" spcCol="38100" rtlCol="0" anchor="ctr" upright="0">
+      <a:bodyPr rot="0" spcFirstLastPara="1" vertOverflow="overflow" horzOverflow="overflow" vert="horz" wrap="square" lIns="45718" tIns="45718" rIns="45718" bIns="45718" numCol="1" spcCol="38100" rtlCol="0" anchor="ctr" upright="0">
         <a:spAutoFit/>
       </a:bodyPr>
       <a:lstStyle>
@@ -5829,10 +13207,10 @@
             </a:solidFill>
             <a:effectLst/>
             <a:uFillTx/>
-            <a:latin typeface="Arial"/>
-            <a:ea typeface="Arial"/>
-            <a:cs typeface="Arial"/>
-            <a:sym typeface="Arial"/>
+            <a:latin typeface="+mn-lt"/>
+            <a:ea typeface="+mn-ea"/>
+            <a:cs typeface="+mn-cs"/>
+            <a:sym typeface="Calibri"/>
           </a:defRPr>
         </a:defPPr>
         <a:lvl1pPr marL="0" marR="0" indent="0" algn="l" defTabSz="914400" rtl="0" fontAlgn="auto" latinLnBrk="1" hangingPunct="0">
@@ -6087,13 +13465,7 @@
           <a:prstDash val="solid"/>
           <a:round/>
         </a:ln>
-        <a:effectLst>
-          <a:outerShdw sx="100000" sy="100000" kx="0" ky="0" algn="b" rotWithShape="0" blurRad="38100" dist="20000" dir="5400000">
-            <a:srgbClr val="000000">
-              <a:alpha val="38000"/>
-            </a:srgbClr>
-          </a:outerShdw>
-        </a:effectLst>
+        <a:effectLst/>
         <a:sp3d/>
       </a:spPr>
       <a:bodyPr rot="0" spcFirstLastPara="1" vertOverflow="overflow" horzOverflow="overflow" vert="horz" wrap="square" lIns="91439" tIns="45719" rIns="91439" bIns="45719" numCol="1" spcCol="38100" rtlCol="0" anchor="t" upright="0">
@@ -6378,7 +13750,7 @@
         <a:effectLst/>
         <a:sp3d/>
       </a:spPr>
-      <a:bodyPr rot="0" spcFirstLastPara="1" vertOverflow="overflow" horzOverflow="overflow" vert="horz" wrap="square" lIns="45719" tIns="45719" rIns="45719" bIns="45719" numCol="1" spcCol="38100" rtlCol="0" anchor="t" upright="0">
+      <a:bodyPr rot="0" spcFirstLastPara="1" vertOverflow="overflow" horzOverflow="overflow" vert="horz" wrap="square" lIns="45718" tIns="45718" rIns="45718" bIns="45718" numCol="1" spcCol="38100" rtlCol="0" anchor="t" upright="0">
         <a:spAutoFit/>
       </a:bodyPr>
       <a:lstStyle>
@@ -6406,10 +13778,10 @@
             </a:solidFill>
             <a:effectLst/>
             <a:uFillTx/>
-            <a:latin typeface="Arial"/>
-            <a:ea typeface="Arial"/>
-            <a:cs typeface="Arial"/>
-            <a:sym typeface="Arial"/>
+            <a:latin typeface="+mn-lt"/>
+            <a:ea typeface="+mn-ea"/>
+            <a:cs typeface="+mn-cs"/>
+            <a:sym typeface="Calibri"/>
           </a:defRPr>
         </a:defPPr>
         <a:lvl1pPr marL="0" marR="0" indent="0" algn="l" defTabSz="914400" rtl="0" fontAlgn="auto" latinLnBrk="1" hangingPunct="0">
